--- a/hackaton.pptx
+++ b/hackaton.pptx
@@ -2,7 +2,7 @@
 <file path=ppt/presentation.xml><?xml version="1.0" encoding="utf-8"?>
 <p:presentation xmlns:a="http://schemas.openxmlformats.org/drawingml/2006/main" xmlns:r="http://schemas.openxmlformats.org/officeDocument/2006/relationships" xmlns:p="http://schemas.openxmlformats.org/presentationml/2006/main" saveSubsetFonts="1">
   <p:sldMasterIdLst>
-    <p:sldMasterId id="2147483648" r:id="rId1"/>
+    <p:sldMasterId id="2147483660" r:id="rId1"/>
   </p:sldMasterIdLst>
   <p:sldIdLst>
     <p:sldId id="256" r:id="rId2"/>
@@ -18,7 +18,7 @@
     <a:defPPr>
       <a:defRPr lang="en-US"/>
     </a:defPPr>
-    <a:lvl1pPr marL="0" algn="l" defTabSz="914400" rtl="0" eaLnBrk="1" latinLnBrk="0" hangingPunct="1">
+    <a:lvl1pPr marL="0" algn="l" defTabSz="457200" rtl="0" eaLnBrk="1" latinLnBrk="0" hangingPunct="1">
       <a:defRPr sz="1800" kern="1200">
         <a:solidFill>
           <a:schemeClr val="tx1"/>
@@ -28,7 +28,7 @@
         <a:cs typeface="+mn-cs"/>
       </a:defRPr>
     </a:lvl1pPr>
-    <a:lvl2pPr marL="457200" algn="l" defTabSz="914400" rtl="0" eaLnBrk="1" latinLnBrk="0" hangingPunct="1">
+    <a:lvl2pPr marL="457200" algn="l" defTabSz="457200" rtl="0" eaLnBrk="1" latinLnBrk="0" hangingPunct="1">
       <a:defRPr sz="1800" kern="1200">
         <a:solidFill>
           <a:schemeClr val="tx1"/>
@@ -38,7 +38,7 @@
         <a:cs typeface="+mn-cs"/>
       </a:defRPr>
     </a:lvl2pPr>
-    <a:lvl3pPr marL="914400" algn="l" defTabSz="914400" rtl="0" eaLnBrk="1" latinLnBrk="0" hangingPunct="1">
+    <a:lvl3pPr marL="914400" algn="l" defTabSz="457200" rtl="0" eaLnBrk="1" latinLnBrk="0" hangingPunct="1">
       <a:defRPr sz="1800" kern="1200">
         <a:solidFill>
           <a:schemeClr val="tx1"/>
@@ -48,7 +48,7 @@
         <a:cs typeface="+mn-cs"/>
       </a:defRPr>
     </a:lvl3pPr>
-    <a:lvl4pPr marL="1371600" algn="l" defTabSz="914400" rtl="0" eaLnBrk="1" latinLnBrk="0" hangingPunct="1">
+    <a:lvl4pPr marL="1371600" algn="l" defTabSz="457200" rtl="0" eaLnBrk="1" latinLnBrk="0" hangingPunct="1">
       <a:defRPr sz="1800" kern="1200">
         <a:solidFill>
           <a:schemeClr val="tx1"/>
@@ -58,7 +58,7 @@
         <a:cs typeface="+mn-cs"/>
       </a:defRPr>
     </a:lvl4pPr>
-    <a:lvl5pPr marL="1828800" algn="l" defTabSz="914400" rtl="0" eaLnBrk="1" latinLnBrk="0" hangingPunct="1">
+    <a:lvl5pPr marL="1828800" algn="l" defTabSz="457200" rtl="0" eaLnBrk="1" latinLnBrk="0" hangingPunct="1">
       <a:defRPr sz="1800" kern="1200">
         <a:solidFill>
           <a:schemeClr val="tx1"/>
@@ -68,7 +68,7 @@
         <a:cs typeface="+mn-cs"/>
       </a:defRPr>
     </a:lvl5pPr>
-    <a:lvl6pPr marL="2286000" algn="l" defTabSz="914400" rtl="0" eaLnBrk="1" latinLnBrk="0" hangingPunct="1">
+    <a:lvl6pPr marL="2286000" algn="l" defTabSz="457200" rtl="0" eaLnBrk="1" latinLnBrk="0" hangingPunct="1">
       <a:defRPr sz="1800" kern="1200">
         <a:solidFill>
           <a:schemeClr val="tx1"/>
@@ -78,7 +78,7 @@
         <a:cs typeface="+mn-cs"/>
       </a:defRPr>
     </a:lvl6pPr>
-    <a:lvl7pPr marL="2743200" algn="l" defTabSz="914400" rtl="0" eaLnBrk="1" latinLnBrk="0" hangingPunct="1">
+    <a:lvl7pPr marL="2743200" algn="l" defTabSz="457200" rtl="0" eaLnBrk="1" latinLnBrk="0" hangingPunct="1">
       <a:defRPr sz="1800" kern="1200">
         <a:solidFill>
           <a:schemeClr val="tx1"/>
@@ -88,7 +88,7 @@
         <a:cs typeface="+mn-cs"/>
       </a:defRPr>
     </a:lvl7pPr>
-    <a:lvl8pPr marL="3200400" algn="l" defTabSz="914400" rtl="0" eaLnBrk="1" latinLnBrk="0" hangingPunct="1">
+    <a:lvl8pPr marL="3200400" algn="l" defTabSz="457200" rtl="0" eaLnBrk="1" latinLnBrk="0" hangingPunct="1">
       <a:defRPr sz="1800" kern="1200">
         <a:solidFill>
           <a:schemeClr val="tx1"/>
@@ -98,7 +98,7 @@
         <a:cs typeface="+mn-cs"/>
       </a:defRPr>
     </a:lvl8pPr>
-    <a:lvl9pPr marL="3657600" algn="l" defTabSz="914400" rtl="0" eaLnBrk="1" latinLnBrk="0" hangingPunct="1">
+    <a:lvl9pPr marL="3657600" algn="l" defTabSz="457200" rtl="0" eaLnBrk="1" latinLnBrk="0" hangingPunct="1">
       <a:defRPr sz="1800" kern="1200">
         <a:solidFill>
           <a:schemeClr val="tx1"/>
@@ -109,6 +109,11 @@
       </a:defRPr>
     </a:lvl9pPr>
   </p:defaultTextStyle>
+  <p:extLst>
+    <p:ext uri="{EFAFB233-063F-42B5-8137-9DF3F51BA10A}">
+      <p15:sldGuideLst xmlns:p15="http://schemas.microsoft.com/office/powerpoint/2012/main"/>
+    </p:ext>
+  </p:extLst>
 </p:presentation>
 </file>
 
@@ -131,13 +136,49 @@
       </p:grpSpPr>
       <p:sp>
         <p:nvSpPr>
-          <p:cNvPr id="2" name="Título 1">
-            <a:extLst>
-              <a:ext uri="{FF2B5EF4-FFF2-40B4-BE49-F238E27FC236}">
-                <a16:creationId xmlns:a16="http://schemas.microsoft.com/office/drawing/2014/main" id="{DAE9FCDE-25D6-4997-B583-5DE1B9A6BBD2}"/>
-              </a:ext>
-            </a:extLst>
-          </p:cNvPr>
+          <p:cNvPr id="7" name="Rectangle 6"/>
+          <p:cNvSpPr>
+            <a:spLocks noChangeAspect="1"/>
+          </p:cNvSpPr>
+          <p:nvPr/>
+        </p:nvSpPr>
+        <p:spPr>
+          <a:xfrm>
+            <a:off x="231140" y="243840"/>
+            <a:ext cx="11724640" cy="6377939"/>
+          </a:xfrm>
+          <a:prstGeom prst="rect">
+            <a:avLst/>
+          </a:prstGeom>
+          <a:solidFill>
+            <a:schemeClr val="accent1"/>
+          </a:solidFill>
+          <a:ln w="12700">
+            <a:solidFill>
+              <a:srgbClr val="FFFFFF"/>
+            </a:solidFill>
+          </a:ln>
+        </p:spPr>
+        <p:style>
+          <a:lnRef idx="2">
+            <a:schemeClr val="accent1">
+              <a:shade val="50000"/>
+            </a:schemeClr>
+          </a:lnRef>
+          <a:fillRef idx="1">
+            <a:schemeClr val="accent1"/>
+          </a:fillRef>
+          <a:effectRef idx="0">
+            <a:schemeClr val="accent1"/>
+          </a:effectRef>
+          <a:fontRef idx="minor">
+            <a:schemeClr val="lt1"/>
+          </a:fontRef>
+        </p:style>
+      </p:sp>
+      <p:sp>
+        <p:nvSpPr>
+          <p:cNvPr id="2" name="Title 1"/>
           <p:cNvSpPr>
             <a:spLocks noGrp="1"/>
           </p:cNvSpPr>
@@ -147,15 +188,24 @@
         </p:nvSpPr>
         <p:spPr>
           <a:xfrm>
-            <a:off x="1524000" y="1122363"/>
-            <a:ext cx="9144000" cy="2387600"/>
+            <a:off x="1109980" y="882376"/>
+            <a:ext cx="9966960" cy="2926080"/>
           </a:xfrm>
         </p:spPr>
         <p:txBody>
-          <a:bodyPr anchor="b"/>
+          <a:bodyPr anchor="b">
+            <a:normAutofit/>
+          </a:bodyPr>
           <a:lstStyle>
             <a:lvl1pPr algn="ctr">
-              <a:defRPr sz="6000"/>
+              <a:lnSpc>
+                <a:spcPct val="85000"/>
+              </a:lnSpc>
+              <a:defRPr sz="7200" b="1" cap="all" baseline="0">
+                <a:solidFill>
+                  <a:srgbClr val="FFFFFF"/>
+                </a:solidFill>
+              </a:defRPr>
             </a:lvl1pPr>
           </a:lstStyle>
           <a:p>
@@ -163,19 +213,13 @@
               <a:rPr lang="pt-PT"/>
               <a:t>Clique para editar o estilo de título do Modelo Global</a:t>
             </a:r>
-            <a:endParaRPr lang="en-US"/>
+            <a:endParaRPr lang="en-US" dirty="0"/>
           </a:p>
         </p:txBody>
       </p:sp>
       <p:sp>
         <p:nvSpPr>
-          <p:cNvPr id="3" name="Subtítulo 2">
-            <a:extLst>
-              <a:ext uri="{FF2B5EF4-FFF2-40B4-BE49-F238E27FC236}">
-                <a16:creationId xmlns:a16="http://schemas.microsoft.com/office/drawing/2014/main" id="{384A0E38-A0F9-4172-94DB-D8948CA6FC03}"/>
-              </a:ext>
-            </a:extLst>
-          </p:cNvPr>
+          <p:cNvPr id="3" name="Subtitle 2"/>
           <p:cNvSpPr>
             <a:spLocks noGrp="1"/>
           </p:cNvSpPr>
@@ -185,48 +229,54 @@
         </p:nvSpPr>
         <p:spPr>
           <a:xfrm>
-            <a:off x="1524000" y="3602038"/>
-            <a:ext cx="9144000" cy="1655762"/>
+            <a:off x="1709530" y="3869634"/>
+            <a:ext cx="8767860" cy="1388165"/>
           </a:xfrm>
         </p:spPr>
         <p:txBody>
-          <a:bodyPr/>
+          <a:bodyPr>
+            <a:normAutofit/>
+          </a:bodyPr>
           <a:lstStyle>
             <a:lvl1pPr marL="0" indent="0" algn="ctr">
               <a:buNone/>
-              <a:defRPr sz="2400"/>
+              <a:defRPr sz="2200">
+                <a:solidFill>
+                  <a:srgbClr val="FFFFFF"/>
+                </a:solidFill>
+              </a:defRPr>
             </a:lvl1pPr>
             <a:lvl2pPr marL="457200" indent="0" algn="ctr">
               <a:buNone/>
-              <a:defRPr sz="2000"/>
+              <a:defRPr sz="2200"/>
             </a:lvl2pPr>
             <a:lvl3pPr marL="914400" indent="0" algn="ctr">
               <a:buNone/>
-              <a:defRPr sz="1800"/>
+              <a:defRPr sz="2200"/>
             </a:lvl3pPr>
             <a:lvl4pPr marL="1371600" indent="0" algn="ctr">
               <a:buNone/>
-              <a:defRPr sz="1600"/>
+              <a:defRPr sz="2000"/>
             </a:lvl4pPr>
             <a:lvl5pPr marL="1828800" indent="0" algn="ctr">
               <a:buNone/>
-              <a:defRPr sz="1600"/>
+              <a:defRPr sz="2000"/>
             </a:lvl5pPr>
             <a:lvl6pPr marL="2286000" indent="0" algn="ctr">
               <a:buNone/>
-              <a:defRPr sz="1600"/>
+              <a:defRPr sz="2000"/>
             </a:lvl6pPr>
             <a:lvl7pPr marL="2743200" indent="0" algn="ctr">
               <a:buNone/>
-              <a:defRPr sz="1600"/>
+              <a:defRPr sz="2000"/>
             </a:lvl7pPr>
             <a:lvl8pPr marL="3200400" indent="0" algn="ctr">
               <a:buNone/>
-              <a:defRPr sz="1600"/>
+              <a:defRPr sz="2000"/>
             </a:lvl8pPr>
             <a:lvl9pPr marL="3657600" indent="0" algn="ctr">
               <a:buNone/>
-              <a:defRPr sz="1600"/>
+              <a:defRPr sz="2000"/>
             </a:lvl9pPr>
           </a:lstStyle>
           <a:p>
@@ -234,19 +284,13 @@
               <a:rPr lang="pt-PT"/>
               <a:t>Clique para editar o estilo de subtítulo do Modelo Global</a:t>
             </a:r>
-            <a:endParaRPr lang="en-US"/>
+            <a:endParaRPr lang="en-US" dirty="0"/>
           </a:p>
         </p:txBody>
       </p:sp>
       <p:sp>
         <p:nvSpPr>
-          <p:cNvPr id="4" name="Marcador de Posição da Data 3">
-            <a:extLst>
-              <a:ext uri="{FF2B5EF4-FFF2-40B4-BE49-F238E27FC236}">
-                <a16:creationId xmlns:a16="http://schemas.microsoft.com/office/drawing/2014/main" id="{78412F34-DA23-4A86-8123-4879813A5B0C}"/>
-              </a:ext>
-            </a:extLst>
-          </p:cNvPr>
+          <p:cNvPr id="4" name="Date Placeholder 3"/>
           <p:cNvSpPr>
             <a:spLocks noGrp="1"/>
           </p:cNvSpPr>
@@ -257,11 +301,19 @@
         <p:spPr/>
         <p:txBody>
           <a:bodyPr/>
-          <a:lstStyle/>
+          <a:lstStyle>
+            <a:lvl1pPr>
+              <a:defRPr>
+                <a:solidFill>
+                  <a:srgbClr val="FFFFFF"/>
+                </a:solidFill>
+              </a:defRPr>
+            </a:lvl1pPr>
+          </a:lstStyle>
           <a:p>
             <a:fld id="{4F06A495-97A7-4892-83DB-9214CFC24849}" type="datetimeFigureOut">
               <a:rPr lang="en-US" smtClean="0"/>
-              <a:t>9/12/2019</a:t>
+              <a:t>9/13/2019</a:t>
             </a:fld>
             <a:endParaRPr lang="en-US"/>
           </a:p>
@@ -269,13 +321,7 @@
       </p:sp>
       <p:sp>
         <p:nvSpPr>
-          <p:cNvPr id="5" name="Marcador de Posição do Rodapé 4">
-            <a:extLst>
-              <a:ext uri="{FF2B5EF4-FFF2-40B4-BE49-F238E27FC236}">
-                <a16:creationId xmlns:a16="http://schemas.microsoft.com/office/drawing/2014/main" id="{0B271831-E4B7-4519-97CA-7E32297A66B2}"/>
-              </a:ext>
-            </a:extLst>
-          </p:cNvPr>
+          <p:cNvPr id="5" name="Footer Placeholder 4"/>
           <p:cNvSpPr>
             <a:spLocks noGrp="1"/>
           </p:cNvSpPr>
@@ -286,7 +332,15 @@
         <p:spPr/>
         <p:txBody>
           <a:bodyPr/>
-          <a:lstStyle/>
+          <a:lstStyle>
+            <a:lvl1pPr>
+              <a:defRPr>
+                <a:solidFill>
+                  <a:srgbClr val="FFFFFF"/>
+                </a:solidFill>
+              </a:defRPr>
+            </a:lvl1pPr>
+          </a:lstStyle>
           <a:p>
             <a:endParaRPr lang="en-US"/>
           </a:p>
@@ -294,13 +348,7 @@
       </p:sp>
       <p:sp>
         <p:nvSpPr>
-          <p:cNvPr id="6" name="Marcador de Posição do Número do Diapositivo 5">
-            <a:extLst>
-              <a:ext uri="{FF2B5EF4-FFF2-40B4-BE49-F238E27FC236}">
-                <a16:creationId xmlns:a16="http://schemas.microsoft.com/office/drawing/2014/main" id="{5C9A7BC9-3EF5-4A65-A0EB-617A7E2506BE}"/>
-              </a:ext>
-            </a:extLst>
-          </p:cNvPr>
+          <p:cNvPr id="6" name="Slide Number Placeholder 5"/>
           <p:cNvSpPr>
             <a:spLocks noGrp="1"/>
           </p:cNvSpPr>
@@ -311,7 +359,15 @@
         <p:spPr/>
         <p:txBody>
           <a:bodyPr/>
-          <a:lstStyle/>
+          <a:lstStyle>
+            <a:lvl1pPr>
+              <a:defRPr>
+                <a:solidFill>
+                  <a:srgbClr val="FFFFFF"/>
+                </a:solidFill>
+              </a:defRPr>
+            </a:lvl1pPr>
+          </a:lstStyle>
           <a:p>
             <a:fld id="{75378AF9-33D7-4753-AC14-DD1208137C88}" type="slidenum">
               <a:rPr lang="en-US" smtClean="0"/>
@@ -321,10 +377,45 @@
           </a:p>
         </p:txBody>
       </p:sp>
+      <p:cxnSp>
+        <p:nvCxnSpPr>
+          <p:cNvPr id="8" name="Straight Connector 7"/>
+          <p:cNvCxnSpPr/>
+          <p:nvPr/>
+        </p:nvCxnSpPr>
+        <p:spPr>
+          <a:xfrm>
+            <a:off x="1978660" y="3733800"/>
+            <a:ext cx="8229601" cy="0"/>
+          </a:xfrm>
+          <a:prstGeom prst="line">
+            <a:avLst/>
+          </a:prstGeom>
+          <a:ln>
+            <a:solidFill>
+              <a:srgbClr val="FFFFFF"/>
+            </a:solidFill>
+          </a:ln>
+        </p:spPr>
+        <p:style>
+          <a:lnRef idx="1">
+            <a:schemeClr val="accent1"/>
+          </a:lnRef>
+          <a:fillRef idx="0">
+            <a:schemeClr val="accent1"/>
+          </a:fillRef>
+          <a:effectRef idx="0">
+            <a:schemeClr val="accent1"/>
+          </a:effectRef>
+          <a:fontRef idx="minor">
+            <a:schemeClr val="tx1"/>
+          </a:fontRef>
+        </p:style>
+      </p:cxnSp>
     </p:spTree>
     <p:extLst>
       <p:ext uri="{BB962C8B-B14F-4D97-AF65-F5344CB8AC3E}">
-        <p14:creationId xmlns:p14="http://schemas.microsoft.com/office/powerpoint/2010/main" val="2469463135"/>
+        <p14:creationId xmlns:p14="http://schemas.microsoft.com/office/powerpoint/2010/main" val="2665064623"/>
       </p:ext>
     </p:extLst>
   </p:cSld>
@@ -353,13 +444,7 @@
       </p:grpSpPr>
       <p:sp>
         <p:nvSpPr>
-          <p:cNvPr id="2" name="Título 1">
-            <a:extLst>
-              <a:ext uri="{FF2B5EF4-FFF2-40B4-BE49-F238E27FC236}">
-                <a16:creationId xmlns:a16="http://schemas.microsoft.com/office/drawing/2014/main" id="{4FEAEAA3-69A0-46E2-9772-C11DD72460E8}"/>
-              </a:ext>
-            </a:extLst>
-          </p:cNvPr>
+          <p:cNvPr id="2" name="Title 1"/>
           <p:cNvSpPr>
             <a:spLocks noGrp="1"/>
           </p:cNvSpPr>
@@ -376,19 +461,13 @@
               <a:rPr lang="pt-PT"/>
               <a:t>Clique para editar o estilo de título do Modelo Global</a:t>
             </a:r>
-            <a:endParaRPr lang="en-US"/>
+            <a:endParaRPr lang="en-US" dirty="0"/>
           </a:p>
         </p:txBody>
       </p:sp>
       <p:sp>
         <p:nvSpPr>
-          <p:cNvPr id="3" name="Marcador de Posição de Texto Vertical 2">
-            <a:extLst>
-              <a:ext uri="{FF2B5EF4-FFF2-40B4-BE49-F238E27FC236}">
-                <a16:creationId xmlns:a16="http://schemas.microsoft.com/office/drawing/2014/main" id="{3029378D-50A3-4AEF-8B66-E9BA921423D0}"/>
-              </a:ext>
-            </a:extLst>
-          </p:cNvPr>
+          <p:cNvPr id="3" name="Vertical Text Placeholder 2"/>
           <p:cNvSpPr>
             <a:spLocks noGrp="1"/>
           </p:cNvSpPr>
@@ -434,19 +513,13 @@
               <a:rPr lang="pt-PT"/>
               <a:t>Quinto nível</a:t>
             </a:r>
-            <a:endParaRPr lang="en-US"/>
+            <a:endParaRPr lang="en-US" dirty="0"/>
           </a:p>
         </p:txBody>
       </p:sp>
       <p:sp>
         <p:nvSpPr>
-          <p:cNvPr id="4" name="Marcador de Posição da Data 3">
-            <a:extLst>
-              <a:ext uri="{FF2B5EF4-FFF2-40B4-BE49-F238E27FC236}">
-                <a16:creationId xmlns:a16="http://schemas.microsoft.com/office/drawing/2014/main" id="{DA0E08FB-369C-40C3-B3B8-1B908554E919}"/>
-              </a:ext>
-            </a:extLst>
-          </p:cNvPr>
+          <p:cNvPr id="4" name="Date Placeholder 3"/>
           <p:cNvSpPr>
             <a:spLocks noGrp="1"/>
           </p:cNvSpPr>
@@ -461,7 +534,7 @@
           <a:p>
             <a:fld id="{4F06A495-97A7-4892-83DB-9214CFC24849}" type="datetimeFigureOut">
               <a:rPr lang="en-US" smtClean="0"/>
-              <a:t>9/12/2019</a:t>
+              <a:t>9/13/2019</a:t>
             </a:fld>
             <a:endParaRPr lang="en-US"/>
           </a:p>
@@ -469,13 +542,7 @@
       </p:sp>
       <p:sp>
         <p:nvSpPr>
-          <p:cNvPr id="5" name="Marcador de Posição do Rodapé 4">
-            <a:extLst>
-              <a:ext uri="{FF2B5EF4-FFF2-40B4-BE49-F238E27FC236}">
-                <a16:creationId xmlns:a16="http://schemas.microsoft.com/office/drawing/2014/main" id="{379428AA-87BD-42BA-8AD1-1E34A71B35AB}"/>
-              </a:ext>
-            </a:extLst>
-          </p:cNvPr>
+          <p:cNvPr id="5" name="Footer Placeholder 4"/>
           <p:cNvSpPr>
             <a:spLocks noGrp="1"/>
           </p:cNvSpPr>
@@ -494,13 +561,7 @@
       </p:sp>
       <p:sp>
         <p:nvSpPr>
-          <p:cNvPr id="6" name="Marcador de Posição do Número do Diapositivo 5">
-            <a:extLst>
-              <a:ext uri="{FF2B5EF4-FFF2-40B4-BE49-F238E27FC236}">
-                <a16:creationId xmlns:a16="http://schemas.microsoft.com/office/drawing/2014/main" id="{87BDD4E1-31EE-491B-B0D8-09B570E90C1D}"/>
-              </a:ext>
-            </a:extLst>
-          </p:cNvPr>
+          <p:cNvPr id="6" name="Slide Number Placeholder 5"/>
           <p:cNvSpPr>
             <a:spLocks noGrp="1"/>
           </p:cNvSpPr>
@@ -524,7 +585,7 @@
     </p:spTree>
     <p:extLst>
       <p:ext uri="{BB962C8B-B14F-4D97-AF65-F5344CB8AC3E}">
-        <p14:creationId xmlns:p14="http://schemas.microsoft.com/office/powerpoint/2010/main" val="2817698814"/>
+        <p14:creationId xmlns:p14="http://schemas.microsoft.com/office/powerpoint/2010/main" val="3706632345"/>
       </p:ext>
     </p:extLst>
   </p:cSld>
@@ -553,13 +614,7 @@
       </p:grpSpPr>
       <p:sp>
         <p:nvSpPr>
-          <p:cNvPr id="2" name="Título Vertical 1">
-            <a:extLst>
-              <a:ext uri="{FF2B5EF4-FFF2-40B4-BE49-F238E27FC236}">
-                <a16:creationId xmlns:a16="http://schemas.microsoft.com/office/drawing/2014/main" id="{AF103520-AA95-4F09-B216-221EF0F3C1D5}"/>
-              </a:ext>
-            </a:extLst>
-          </p:cNvPr>
+          <p:cNvPr id="2" name="Vertical Title 1"/>
           <p:cNvSpPr>
             <a:spLocks noGrp="1"/>
           </p:cNvSpPr>
@@ -569,8 +624,8 @@
         </p:nvSpPr>
         <p:spPr>
           <a:xfrm>
-            <a:off x="8724900" y="365125"/>
-            <a:ext cx="2628900" cy="5811838"/>
+            <a:off x="8724900" y="762000"/>
+            <a:ext cx="2324100" cy="5410200"/>
           </a:xfrm>
         </p:spPr>
         <p:txBody>
@@ -581,19 +636,13 @@
               <a:rPr lang="pt-PT"/>
               <a:t>Clique para editar o estilo de título do Modelo Global</a:t>
             </a:r>
-            <a:endParaRPr lang="en-US"/>
+            <a:endParaRPr lang="en-US" dirty="0"/>
           </a:p>
         </p:txBody>
       </p:sp>
       <p:sp>
         <p:nvSpPr>
-          <p:cNvPr id="3" name="Marcador de Posição de Texto Vertical 2">
-            <a:extLst>
-              <a:ext uri="{FF2B5EF4-FFF2-40B4-BE49-F238E27FC236}">
-                <a16:creationId xmlns:a16="http://schemas.microsoft.com/office/drawing/2014/main" id="{6B8069D4-E46F-4283-BCA5-0A68387F0701}"/>
-              </a:ext>
-            </a:extLst>
-          </p:cNvPr>
+          <p:cNvPr id="3" name="Vertical Text Placeholder 2"/>
           <p:cNvSpPr>
             <a:spLocks noGrp="1"/>
           </p:cNvSpPr>
@@ -603,8 +652,8 @@
         </p:nvSpPr>
         <p:spPr>
           <a:xfrm>
-            <a:off x="838200" y="365125"/>
-            <a:ext cx="7734300" cy="5811838"/>
+            <a:off x="1143000" y="762000"/>
+            <a:ext cx="7429500" cy="5410200"/>
           </a:xfrm>
         </p:spPr>
         <p:txBody>
@@ -644,19 +693,13 @@
               <a:rPr lang="pt-PT"/>
               <a:t>Quinto nível</a:t>
             </a:r>
-            <a:endParaRPr lang="en-US"/>
+            <a:endParaRPr lang="en-US" dirty="0"/>
           </a:p>
         </p:txBody>
       </p:sp>
       <p:sp>
         <p:nvSpPr>
-          <p:cNvPr id="4" name="Marcador de Posição da Data 3">
-            <a:extLst>
-              <a:ext uri="{FF2B5EF4-FFF2-40B4-BE49-F238E27FC236}">
-                <a16:creationId xmlns:a16="http://schemas.microsoft.com/office/drawing/2014/main" id="{5C469043-D45E-4E3B-BA35-DD8E44DE4F89}"/>
-              </a:ext>
-            </a:extLst>
-          </p:cNvPr>
+          <p:cNvPr id="4" name="Date Placeholder 3"/>
           <p:cNvSpPr>
             <a:spLocks noGrp="1"/>
           </p:cNvSpPr>
@@ -671,7 +714,7 @@
           <a:p>
             <a:fld id="{4F06A495-97A7-4892-83DB-9214CFC24849}" type="datetimeFigureOut">
               <a:rPr lang="en-US" smtClean="0"/>
-              <a:t>9/12/2019</a:t>
+              <a:t>9/13/2019</a:t>
             </a:fld>
             <a:endParaRPr lang="en-US"/>
           </a:p>
@@ -679,13 +722,7 @@
       </p:sp>
       <p:sp>
         <p:nvSpPr>
-          <p:cNvPr id="5" name="Marcador de Posição do Rodapé 4">
-            <a:extLst>
-              <a:ext uri="{FF2B5EF4-FFF2-40B4-BE49-F238E27FC236}">
-                <a16:creationId xmlns:a16="http://schemas.microsoft.com/office/drawing/2014/main" id="{881DB7BC-CBC0-4A1F-98B9-D0531C5D6B58}"/>
-              </a:ext>
-            </a:extLst>
-          </p:cNvPr>
+          <p:cNvPr id="5" name="Footer Placeholder 4"/>
           <p:cNvSpPr>
             <a:spLocks noGrp="1"/>
           </p:cNvSpPr>
@@ -704,13 +741,7 @@
       </p:sp>
       <p:sp>
         <p:nvSpPr>
-          <p:cNvPr id="6" name="Marcador de Posição do Número do Diapositivo 5">
-            <a:extLst>
-              <a:ext uri="{FF2B5EF4-FFF2-40B4-BE49-F238E27FC236}">
-                <a16:creationId xmlns:a16="http://schemas.microsoft.com/office/drawing/2014/main" id="{CCB6CECC-76E1-4E1C-94F8-37768D7338F6}"/>
-              </a:ext>
-            </a:extLst>
-          </p:cNvPr>
+          <p:cNvPr id="6" name="Slide Number Placeholder 5"/>
           <p:cNvSpPr>
             <a:spLocks noGrp="1"/>
           </p:cNvSpPr>
@@ -734,7 +765,7 @@
     </p:spTree>
     <p:extLst>
       <p:ext uri="{BB962C8B-B14F-4D97-AF65-F5344CB8AC3E}">
-        <p14:creationId xmlns:p14="http://schemas.microsoft.com/office/powerpoint/2010/main" val="3256616893"/>
+        <p14:creationId xmlns:p14="http://schemas.microsoft.com/office/powerpoint/2010/main" val="3520572242"/>
       </p:ext>
     </p:extLst>
   </p:cSld>
@@ -763,13 +794,7 @@
       </p:grpSpPr>
       <p:sp>
         <p:nvSpPr>
-          <p:cNvPr id="2" name="Título 1">
-            <a:extLst>
-              <a:ext uri="{FF2B5EF4-FFF2-40B4-BE49-F238E27FC236}">
-                <a16:creationId xmlns:a16="http://schemas.microsoft.com/office/drawing/2014/main" id="{7776CC38-3594-44AD-AF56-D6B605B42EC4}"/>
-              </a:ext>
-            </a:extLst>
-          </p:cNvPr>
+          <p:cNvPr id="2" name="Title 1"/>
           <p:cNvSpPr>
             <a:spLocks noGrp="1"/>
           </p:cNvSpPr>
@@ -786,19 +811,13 @@
               <a:rPr lang="pt-PT"/>
               <a:t>Clique para editar o estilo de título do Modelo Global</a:t>
             </a:r>
-            <a:endParaRPr lang="en-US"/>
+            <a:endParaRPr lang="en-US" dirty="0"/>
           </a:p>
         </p:txBody>
       </p:sp>
       <p:sp>
         <p:nvSpPr>
-          <p:cNvPr id="3" name="Marcador de Posição de Conteúdo 2">
-            <a:extLst>
-              <a:ext uri="{FF2B5EF4-FFF2-40B4-BE49-F238E27FC236}">
-                <a16:creationId xmlns:a16="http://schemas.microsoft.com/office/drawing/2014/main" id="{046AD206-8049-4F69-85AC-DBE49C364D8A}"/>
-              </a:ext>
-            </a:extLst>
-          </p:cNvPr>
+          <p:cNvPr id="3" name="Content Placeholder 2"/>
           <p:cNvSpPr>
             <a:spLocks noGrp="1"/>
           </p:cNvSpPr>
@@ -844,19 +863,13 @@
               <a:rPr lang="pt-PT"/>
               <a:t>Quinto nível</a:t>
             </a:r>
-            <a:endParaRPr lang="en-US"/>
+            <a:endParaRPr lang="en-US" dirty="0"/>
           </a:p>
         </p:txBody>
       </p:sp>
       <p:sp>
         <p:nvSpPr>
-          <p:cNvPr id="4" name="Marcador de Posição da Data 3">
-            <a:extLst>
-              <a:ext uri="{FF2B5EF4-FFF2-40B4-BE49-F238E27FC236}">
-                <a16:creationId xmlns:a16="http://schemas.microsoft.com/office/drawing/2014/main" id="{7414F71E-42A5-4987-BB9C-59985C37CB8C}"/>
-              </a:ext>
-            </a:extLst>
-          </p:cNvPr>
+          <p:cNvPr id="4" name="Date Placeholder 3"/>
           <p:cNvSpPr>
             <a:spLocks noGrp="1"/>
           </p:cNvSpPr>
@@ -871,7 +884,7 @@
           <a:p>
             <a:fld id="{4F06A495-97A7-4892-83DB-9214CFC24849}" type="datetimeFigureOut">
               <a:rPr lang="en-US" smtClean="0"/>
-              <a:t>9/12/2019</a:t>
+              <a:t>9/13/2019</a:t>
             </a:fld>
             <a:endParaRPr lang="en-US"/>
           </a:p>
@@ -879,13 +892,7 @@
       </p:sp>
       <p:sp>
         <p:nvSpPr>
-          <p:cNvPr id="5" name="Marcador de Posição do Rodapé 4">
-            <a:extLst>
-              <a:ext uri="{FF2B5EF4-FFF2-40B4-BE49-F238E27FC236}">
-                <a16:creationId xmlns:a16="http://schemas.microsoft.com/office/drawing/2014/main" id="{FB1A4A81-E4C7-44B9-830F-E98E6EA80205}"/>
-              </a:ext>
-            </a:extLst>
-          </p:cNvPr>
+          <p:cNvPr id="5" name="Footer Placeholder 4"/>
           <p:cNvSpPr>
             <a:spLocks noGrp="1"/>
           </p:cNvSpPr>
@@ -904,13 +911,7 @@
       </p:sp>
       <p:sp>
         <p:nvSpPr>
-          <p:cNvPr id="6" name="Marcador de Posição do Número do Diapositivo 5">
-            <a:extLst>
-              <a:ext uri="{FF2B5EF4-FFF2-40B4-BE49-F238E27FC236}">
-                <a16:creationId xmlns:a16="http://schemas.microsoft.com/office/drawing/2014/main" id="{21336C25-E9F7-4413-A178-59CD49197147}"/>
-              </a:ext>
-            </a:extLst>
-          </p:cNvPr>
+          <p:cNvPr id="6" name="Slide Number Placeholder 5"/>
           <p:cNvSpPr>
             <a:spLocks noGrp="1"/>
           </p:cNvSpPr>
@@ -934,7 +935,7 @@
     </p:spTree>
     <p:extLst>
       <p:ext uri="{BB962C8B-B14F-4D97-AF65-F5344CB8AC3E}">
-        <p14:creationId xmlns:p14="http://schemas.microsoft.com/office/powerpoint/2010/main" val="598218651"/>
+        <p14:creationId xmlns:p14="http://schemas.microsoft.com/office/powerpoint/2010/main" val="3512756829"/>
       </p:ext>
     </p:extLst>
   </p:cSld>
@@ -963,13 +964,7 @@
       </p:grpSpPr>
       <p:sp>
         <p:nvSpPr>
-          <p:cNvPr id="2" name="Título 1">
-            <a:extLst>
-              <a:ext uri="{FF2B5EF4-FFF2-40B4-BE49-F238E27FC236}">
-                <a16:creationId xmlns:a16="http://schemas.microsoft.com/office/drawing/2014/main" id="{24458D6E-5E70-4560-9E6E-62D9B231A567}"/>
-              </a:ext>
-            </a:extLst>
-          </p:cNvPr>
+          <p:cNvPr id="2" name="Title 1"/>
           <p:cNvSpPr>
             <a:spLocks noGrp="1"/>
           </p:cNvSpPr>
@@ -979,15 +974,20 @@
         </p:nvSpPr>
         <p:spPr>
           <a:xfrm>
-            <a:off x="831850" y="1709738"/>
-            <a:ext cx="10515600" cy="2852737"/>
+            <a:off x="1106424" y="1173575"/>
+            <a:ext cx="9966960" cy="2926080"/>
           </a:xfrm>
         </p:spPr>
         <p:txBody>
-          <a:bodyPr anchor="b"/>
+          <a:bodyPr anchor="b">
+            <a:noAutofit/>
+          </a:bodyPr>
           <a:lstStyle>
-            <a:lvl1pPr>
-              <a:defRPr sz="6000"/>
+            <a:lvl1pPr algn="ctr">
+              <a:lnSpc>
+                <a:spcPct val="85000"/>
+              </a:lnSpc>
+              <a:defRPr sz="7200" b="0" cap="all" baseline="0"/>
             </a:lvl1pPr>
           </a:lstStyle>
           <a:p>
@@ -995,19 +995,13 @@
               <a:rPr lang="pt-PT"/>
               <a:t>Clique para editar o estilo de título do Modelo Global</a:t>
             </a:r>
-            <a:endParaRPr lang="en-US"/>
+            <a:endParaRPr lang="en-US" dirty="0"/>
           </a:p>
         </p:txBody>
       </p:sp>
       <p:sp>
         <p:nvSpPr>
-          <p:cNvPr id="3" name="Marcador de Posição do Texto 2">
-            <a:extLst>
-              <a:ext uri="{FF2B5EF4-FFF2-40B4-BE49-F238E27FC236}">
-                <a16:creationId xmlns:a16="http://schemas.microsoft.com/office/drawing/2014/main" id="{247F6600-B9FA-47D2-8313-E0BAA5E07325}"/>
-              </a:ext>
-            </a:extLst>
-          </p:cNvPr>
+          <p:cNvPr id="3" name="Text Placeholder 2"/>
           <p:cNvSpPr>
             <a:spLocks noGrp="1"/>
           </p:cNvSpPr>
@@ -1017,26 +1011,26 @@
         </p:nvSpPr>
         <p:spPr>
           <a:xfrm>
-            <a:off x="831850" y="4589463"/>
-            <a:ext cx="10515600" cy="1500187"/>
+            <a:off x="1709928" y="4154520"/>
+            <a:ext cx="8769096" cy="1363806"/>
           </a:xfrm>
         </p:spPr>
         <p:txBody>
-          <a:bodyPr/>
+          <a:bodyPr anchor="t">
+            <a:normAutofit/>
+          </a:bodyPr>
           <a:lstStyle>
-            <a:lvl1pPr marL="0" indent="0">
+            <a:lvl1pPr marL="0" indent="0" algn="ctr">
               <a:buNone/>
-              <a:defRPr sz="2400">
+              <a:defRPr sz="2200">
                 <a:solidFill>
-                  <a:schemeClr val="tx1">
-                    <a:tint val="75000"/>
-                  </a:schemeClr>
+                  <a:schemeClr val="accent1"/>
                 </a:solidFill>
               </a:defRPr>
             </a:lvl1pPr>
             <a:lvl2pPr marL="457200" indent="0">
               <a:buNone/>
-              <a:defRPr sz="2000">
+              <a:defRPr sz="1800">
                 <a:solidFill>
                   <a:schemeClr val="tx1">
                     <a:tint val="75000"/>
@@ -1046,7 +1040,7 @@
             </a:lvl2pPr>
             <a:lvl3pPr marL="914400" indent="0">
               <a:buNone/>
-              <a:defRPr sz="1800">
+              <a:defRPr sz="1600">
                 <a:solidFill>
                   <a:schemeClr val="tx1">
                     <a:tint val="75000"/>
@@ -1056,7 +1050,7 @@
             </a:lvl3pPr>
             <a:lvl4pPr marL="1371600" indent="0">
               <a:buNone/>
-              <a:defRPr sz="1600">
+              <a:defRPr sz="1400">
                 <a:solidFill>
                   <a:schemeClr val="tx1">
                     <a:tint val="75000"/>
@@ -1066,7 +1060,7 @@
             </a:lvl4pPr>
             <a:lvl5pPr marL="1828800" indent="0">
               <a:buNone/>
-              <a:defRPr sz="1600">
+              <a:defRPr sz="1400">
                 <a:solidFill>
                   <a:schemeClr val="tx1">
                     <a:tint val="75000"/>
@@ -1076,7 +1070,7 @@
             </a:lvl5pPr>
             <a:lvl6pPr marL="2286000" indent="0">
               <a:buNone/>
-              <a:defRPr sz="1600">
+              <a:defRPr sz="1400">
                 <a:solidFill>
                   <a:schemeClr val="tx1">
                     <a:tint val="75000"/>
@@ -1086,7 +1080,7 @@
             </a:lvl6pPr>
             <a:lvl7pPr marL="2743200" indent="0">
               <a:buNone/>
-              <a:defRPr sz="1600">
+              <a:defRPr sz="1400">
                 <a:solidFill>
                   <a:schemeClr val="tx1">
                     <a:tint val="75000"/>
@@ -1096,7 +1090,7 @@
             </a:lvl7pPr>
             <a:lvl8pPr marL="3200400" indent="0">
               <a:buNone/>
-              <a:defRPr sz="1600">
+              <a:defRPr sz="1400">
                 <a:solidFill>
                   <a:schemeClr val="tx1">
                     <a:tint val="75000"/>
@@ -1106,7 +1100,7 @@
             </a:lvl8pPr>
             <a:lvl9pPr marL="3657600" indent="0">
               <a:buNone/>
-              <a:defRPr sz="1600">
+              <a:defRPr sz="1400">
                 <a:solidFill>
                   <a:schemeClr val="tx1">
                     <a:tint val="75000"/>
@@ -1126,13 +1120,7 @@
       </p:sp>
       <p:sp>
         <p:nvSpPr>
-          <p:cNvPr id="4" name="Marcador de Posição da Data 3">
-            <a:extLst>
-              <a:ext uri="{FF2B5EF4-FFF2-40B4-BE49-F238E27FC236}">
-                <a16:creationId xmlns:a16="http://schemas.microsoft.com/office/drawing/2014/main" id="{7C1AB551-AC5B-4FDC-BDBB-54FA9673EA00}"/>
-              </a:ext>
-            </a:extLst>
-          </p:cNvPr>
+          <p:cNvPr id="4" name="Date Placeholder 3"/>
           <p:cNvSpPr>
             <a:spLocks noGrp="1"/>
           </p:cNvSpPr>
@@ -1147,7 +1135,7 @@
           <a:p>
             <a:fld id="{4F06A495-97A7-4892-83DB-9214CFC24849}" type="datetimeFigureOut">
               <a:rPr lang="en-US" smtClean="0"/>
-              <a:t>9/12/2019</a:t>
+              <a:t>9/13/2019</a:t>
             </a:fld>
             <a:endParaRPr lang="en-US"/>
           </a:p>
@@ -1155,13 +1143,7 @@
       </p:sp>
       <p:sp>
         <p:nvSpPr>
-          <p:cNvPr id="5" name="Marcador de Posição do Rodapé 4">
-            <a:extLst>
-              <a:ext uri="{FF2B5EF4-FFF2-40B4-BE49-F238E27FC236}">
-                <a16:creationId xmlns:a16="http://schemas.microsoft.com/office/drawing/2014/main" id="{113937AE-4BA2-48EF-A934-1C39AA315AB6}"/>
-              </a:ext>
-            </a:extLst>
-          </p:cNvPr>
+          <p:cNvPr id="5" name="Footer Placeholder 4"/>
           <p:cNvSpPr>
             <a:spLocks noGrp="1"/>
           </p:cNvSpPr>
@@ -1180,13 +1162,7 @@
       </p:sp>
       <p:sp>
         <p:nvSpPr>
-          <p:cNvPr id="6" name="Marcador de Posição do Número do Diapositivo 5">
-            <a:extLst>
-              <a:ext uri="{FF2B5EF4-FFF2-40B4-BE49-F238E27FC236}">
-                <a16:creationId xmlns:a16="http://schemas.microsoft.com/office/drawing/2014/main" id="{D308C211-468D-4B48-9598-6FD88F13494F}"/>
-              </a:ext>
-            </a:extLst>
-          </p:cNvPr>
+          <p:cNvPr id="6" name="Slide Number Placeholder 5"/>
           <p:cNvSpPr>
             <a:spLocks noGrp="1"/>
           </p:cNvSpPr>
@@ -1207,10 +1183,45 @@
           </a:p>
         </p:txBody>
       </p:sp>
+      <p:cxnSp>
+        <p:nvCxnSpPr>
+          <p:cNvPr id="7" name="Straight Connector 6"/>
+          <p:cNvCxnSpPr/>
+          <p:nvPr/>
+        </p:nvCxnSpPr>
+        <p:spPr>
+          <a:xfrm>
+            <a:off x="1981200" y="4020408"/>
+            <a:ext cx="8229601" cy="0"/>
+          </a:xfrm>
+          <a:prstGeom prst="line">
+            <a:avLst/>
+          </a:prstGeom>
+          <a:ln>
+            <a:solidFill>
+              <a:schemeClr val="accent1"/>
+            </a:solidFill>
+          </a:ln>
+        </p:spPr>
+        <p:style>
+          <a:lnRef idx="1">
+            <a:schemeClr val="accent1"/>
+          </a:lnRef>
+          <a:fillRef idx="0">
+            <a:schemeClr val="accent1"/>
+          </a:fillRef>
+          <a:effectRef idx="0">
+            <a:schemeClr val="accent1"/>
+          </a:effectRef>
+          <a:fontRef idx="minor">
+            <a:schemeClr val="tx1"/>
+          </a:fontRef>
+        </p:style>
+      </p:cxnSp>
     </p:spTree>
     <p:extLst>
       <p:ext uri="{BB962C8B-B14F-4D97-AF65-F5344CB8AC3E}">
-        <p14:creationId xmlns:p14="http://schemas.microsoft.com/office/powerpoint/2010/main" val="765254559"/>
+        <p14:creationId xmlns:p14="http://schemas.microsoft.com/office/powerpoint/2010/main" val="2400368173"/>
       </p:ext>
     </p:extLst>
   </p:cSld>
@@ -1239,13 +1250,7 @@
       </p:grpSpPr>
       <p:sp>
         <p:nvSpPr>
-          <p:cNvPr id="2" name="Título 1">
-            <a:extLst>
-              <a:ext uri="{FF2B5EF4-FFF2-40B4-BE49-F238E27FC236}">
-                <a16:creationId xmlns:a16="http://schemas.microsoft.com/office/drawing/2014/main" id="{35904D21-EE19-4D9D-B0A7-E5FFD9B21F7C}"/>
-              </a:ext>
-            </a:extLst>
-          </p:cNvPr>
+          <p:cNvPr id="8" name="Title 7"/>
           <p:cNvSpPr>
             <a:spLocks noGrp="1"/>
           </p:cNvSpPr>
@@ -1262,19 +1267,13 @@
               <a:rPr lang="pt-PT"/>
               <a:t>Clique para editar o estilo de título do Modelo Global</a:t>
             </a:r>
-            <a:endParaRPr lang="en-US"/>
+            <a:endParaRPr lang="en-US" dirty="0"/>
           </a:p>
         </p:txBody>
       </p:sp>
       <p:sp>
         <p:nvSpPr>
-          <p:cNvPr id="3" name="Marcador de Posição de Conteúdo 2">
-            <a:extLst>
-              <a:ext uri="{FF2B5EF4-FFF2-40B4-BE49-F238E27FC236}">
-                <a16:creationId xmlns:a16="http://schemas.microsoft.com/office/drawing/2014/main" id="{0FC6CE09-DA33-40B9-80F6-252C339F1B6D}"/>
-              </a:ext>
-            </a:extLst>
-          </p:cNvPr>
+          <p:cNvPr id="3" name="Content Placeholder 2"/>
           <p:cNvSpPr>
             <a:spLocks noGrp="1"/>
           </p:cNvSpPr>
@@ -1284,13 +1283,41 @@
         </p:nvSpPr>
         <p:spPr>
           <a:xfrm>
-            <a:off x="838200" y="1825625"/>
-            <a:ext cx="5181600" cy="4351338"/>
+            <a:off x="1143000" y="2057399"/>
+            <a:ext cx="4754880" cy="4023360"/>
           </a:xfrm>
         </p:spPr>
         <p:txBody>
           <a:bodyPr/>
-          <a:lstStyle/>
+          <a:lstStyle>
+            <a:lvl1pPr>
+              <a:defRPr sz="2200"/>
+            </a:lvl1pPr>
+            <a:lvl2pPr>
+              <a:defRPr sz="2000"/>
+            </a:lvl2pPr>
+            <a:lvl3pPr>
+              <a:defRPr sz="1800"/>
+            </a:lvl3pPr>
+            <a:lvl4pPr>
+              <a:defRPr sz="1600"/>
+            </a:lvl4pPr>
+            <a:lvl5pPr>
+              <a:defRPr sz="1600"/>
+            </a:lvl5pPr>
+            <a:lvl6pPr>
+              <a:defRPr sz="1600"/>
+            </a:lvl6pPr>
+            <a:lvl7pPr>
+              <a:defRPr sz="1600"/>
+            </a:lvl7pPr>
+            <a:lvl8pPr>
+              <a:defRPr sz="1600"/>
+            </a:lvl8pPr>
+            <a:lvl9pPr>
+              <a:defRPr sz="1600"/>
+            </a:lvl9pPr>
+          </a:lstStyle>
           <a:p>
             <a:pPr lvl="0"/>
             <a:r>
@@ -1325,19 +1352,13 @@
               <a:rPr lang="pt-PT"/>
               <a:t>Quinto nível</a:t>
             </a:r>
-            <a:endParaRPr lang="en-US"/>
+            <a:endParaRPr lang="en-US" dirty="0"/>
           </a:p>
         </p:txBody>
       </p:sp>
       <p:sp>
         <p:nvSpPr>
-          <p:cNvPr id="4" name="Marcador de Posição de Conteúdo 3">
-            <a:extLst>
-              <a:ext uri="{FF2B5EF4-FFF2-40B4-BE49-F238E27FC236}">
-                <a16:creationId xmlns:a16="http://schemas.microsoft.com/office/drawing/2014/main" id="{586C7952-C07E-4BE7-91E5-76B46992682D}"/>
-              </a:ext>
-            </a:extLst>
-          </p:cNvPr>
+          <p:cNvPr id="4" name="Content Placeholder 3"/>
           <p:cNvSpPr>
             <a:spLocks noGrp="1"/>
           </p:cNvSpPr>
@@ -1347,13 +1368,41 @@
         </p:nvSpPr>
         <p:spPr>
           <a:xfrm>
-            <a:off x="6172200" y="1825625"/>
-            <a:ext cx="5181600" cy="4351338"/>
+            <a:off x="6267612" y="2057400"/>
+            <a:ext cx="4754880" cy="4023360"/>
           </a:xfrm>
         </p:spPr>
         <p:txBody>
           <a:bodyPr/>
-          <a:lstStyle/>
+          <a:lstStyle>
+            <a:lvl1pPr>
+              <a:defRPr sz="2200"/>
+            </a:lvl1pPr>
+            <a:lvl2pPr>
+              <a:defRPr sz="2000"/>
+            </a:lvl2pPr>
+            <a:lvl3pPr>
+              <a:defRPr sz="1800"/>
+            </a:lvl3pPr>
+            <a:lvl4pPr>
+              <a:defRPr sz="1600"/>
+            </a:lvl4pPr>
+            <a:lvl5pPr>
+              <a:defRPr sz="1600"/>
+            </a:lvl5pPr>
+            <a:lvl6pPr>
+              <a:defRPr sz="1600"/>
+            </a:lvl6pPr>
+            <a:lvl7pPr>
+              <a:defRPr sz="1600"/>
+            </a:lvl7pPr>
+            <a:lvl8pPr>
+              <a:defRPr sz="1600"/>
+            </a:lvl8pPr>
+            <a:lvl9pPr>
+              <a:defRPr sz="1600"/>
+            </a:lvl9pPr>
+          </a:lstStyle>
           <a:p>
             <a:pPr lvl="0"/>
             <a:r>
@@ -1388,19 +1437,13 @@
               <a:rPr lang="pt-PT"/>
               <a:t>Quinto nível</a:t>
             </a:r>
-            <a:endParaRPr lang="en-US"/>
+            <a:endParaRPr lang="en-US" dirty="0"/>
           </a:p>
         </p:txBody>
       </p:sp>
       <p:sp>
         <p:nvSpPr>
-          <p:cNvPr id="5" name="Marcador de Posição da Data 4">
-            <a:extLst>
-              <a:ext uri="{FF2B5EF4-FFF2-40B4-BE49-F238E27FC236}">
-                <a16:creationId xmlns:a16="http://schemas.microsoft.com/office/drawing/2014/main" id="{5CA3E4A6-4778-4B42-9931-7B2B040E11BC}"/>
-              </a:ext>
-            </a:extLst>
-          </p:cNvPr>
+          <p:cNvPr id="5" name="Date Placeholder 4"/>
           <p:cNvSpPr>
             <a:spLocks noGrp="1"/>
           </p:cNvSpPr>
@@ -1415,7 +1458,7 @@
           <a:p>
             <a:fld id="{4F06A495-97A7-4892-83DB-9214CFC24849}" type="datetimeFigureOut">
               <a:rPr lang="en-US" smtClean="0"/>
-              <a:t>9/12/2019</a:t>
+              <a:t>9/13/2019</a:t>
             </a:fld>
             <a:endParaRPr lang="en-US"/>
           </a:p>
@@ -1423,13 +1466,7 @@
       </p:sp>
       <p:sp>
         <p:nvSpPr>
-          <p:cNvPr id="6" name="Marcador de Posição do Rodapé 5">
-            <a:extLst>
-              <a:ext uri="{FF2B5EF4-FFF2-40B4-BE49-F238E27FC236}">
-                <a16:creationId xmlns:a16="http://schemas.microsoft.com/office/drawing/2014/main" id="{389CDE53-E13C-4DB3-BEBF-1EADF50CEDB0}"/>
-              </a:ext>
-            </a:extLst>
-          </p:cNvPr>
+          <p:cNvPr id="6" name="Footer Placeholder 5"/>
           <p:cNvSpPr>
             <a:spLocks noGrp="1"/>
           </p:cNvSpPr>
@@ -1448,13 +1485,7 @@
       </p:sp>
       <p:sp>
         <p:nvSpPr>
-          <p:cNvPr id="7" name="Marcador de Posição do Número do Diapositivo 6">
-            <a:extLst>
-              <a:ext uri="{FF2B5EF4-FFF2-40B4-BE49-F238E27FC236}">
-                <a16:creationId xmlns:a16="http://schemas.microsoft.com/office/drawing/2014/main" id="{40246D71-7B4E-4F8C-86DE-79285E4D4DA6}"/>
-              </a:ext>
-            </a:extLst>
-          </p:cNvPr>
+          <p:cNvPr id="7" name="Slide Number Placeholder 6"/>
           <p:cNvSpPr>
             <a:spLocks noGrp="1"/>
           </p:cNvSpPr>
@@ -1478,7 +1509,7 @@
     </p:spTree>
     <p:extLst>
       <p:ext uri="{BB962C8B-B14F-4D97-AF65-F5344CB8AC3E}">
-        <p14:creationId xmlns:p14="http://schemas.microsoft.com/office/powerpoint/2010/main" val="4204937057"/>
+        <p14:creationId xmlns:p14="http://schemas.microsoft.com/office/powerpoint/2010/main" val="1756129186"/>
       </p:ext>
     </p:extLst>
   </p:cSld>
@@ -1507,13 +1538,7 @@
       </p:grpSpPr>
       <p:sp>
         <p:nvSpPr>
-          <p:cNvPr id="2" name="Título 1">
-            <a:extLst>
-              <a:ext uri="{FF2B5EF4-FFF2-40B4-BE49-F238E27FC236}">
-                <a16:creationId xmlns:a16="http://schemas.microsoft.com/office/drawing/2014/main" id="{2A4F08AA-C1B7-416D-AB78-DB87AEBC7A0A}"/>
-              </a:ext>
-            </a:extLst>
-          </p:cNvPr>
+          <p:cNvPr id="10" name="Title 9"/>
           <p:cNvSpPr>
             <a:spLocks noGrp="1"/>
           </p:cNvSpPr>
@@ -1521,12 +1546,7 @@
             <p:ph type="title"/>
           </p:nvPr>
         </p:nvSpPr>
-        <p:spPr>
-          <a:xfrm>
-            <a:off x="839788" y="365125"/>
-            <a:ext cx="10515600" cy="1325563"/>
-          </a:xfrm>
-        </p:spPr>
+        <p:spPr/>
         <p:txBody>
           <a:bodyPr/>
           <a:lstStyle/>
@@ -1535,19 +1555,13 @@
               <a:rPr lang="pt-PT"/>
               <a:t>Clique para editar o estilo de título do Modelo Global</a:t>
             </a:r>
-            <a:endParaRPr lang="en-US"/>
+            <a:endParaRPr lang="en-US" dirty="0"/>
           </a:p>
         </p:txBody>
       </p:sp>
       <p:sp>
         <p:nvSpPr>
-          <p:cNvPr id="3" name="Marcador de Posição do Texto 2">
-            <a:extLst>
-              <a:ext uri="{FF2B5EF4-FFF2-40B4-BE49-F238E27FC236}">
-                <a16:creationId xmlns:a16="http://schemas.microsoft.com/office/drawing/2014/main" id="{49EBD52F-4AD6-47CD-BBB1-ACA543D718DE}"/>
-              </a:ext>
-            </a:extLst>
-          </p:cNvPr>
+          <p:cNvPr id="3" name="Text Placeholder 2"/>
           <p:cNvSpPr>
             <a:spLocks noGrp="1"/>
           </p:cNvSpPr>
@@ -1557,14 +1571,17 @@
         </p:nvSpPr>
         <p:spPr>
           <a:xfrm>
-            <a:off x="839788" y="1681163"/>
-            <a:ext cx="5157787" cy="823912"/>
+            <a:off x="1143000" y="2001511"/>
+            <a:ext cx="4754880" cy="777240"/>
           </a:xfrm>
         </p:spPr>
         <p:txBody>
-          <a:bodyPr anchor="b"/>
+          <a:bodyPr anchor="ctr"/>
           <a:lstStyle>
             <a:lvl1pPr marL="0" indent="0">
+              <a:spcBef>
+                <a:spcPts val="0"/>
+              </a:spcBef>
               <a:buNone/>
               <a:defRPr sz="2400" b="1"/>
             </a:lvl1pPr>
@@ -1612,13 +1629,7 @@
       </p:sp>
       <p:sp>
         <p:nvSpPr>
-          <p:cNvPr id="4" name="Marcador de Posição de Conteúdo 3">
-            <a:extLst>
-              <a:ext uri="{FF2B5EF4-FFF2-40B4-BE49-F238E27FC236}">
-                <a16:creationId xmlns:a16="http://schemas.microsoft.com/office/drawing/2014/main" id="{1DFA69A6-C71C-45AC-8AC4-C8126DA77FAE}"/>
-              </a:ext>
-            </a:extLst>
-          </p:cNvPr>
+          <p:cNvPr id="4" name="Content Placeholder 3"/>
           <p:cNvSpPr>
             <a:spLocks noGrp="1"/>
           </p:cNvSpPr>
@@ -1628,13 +1639,41 @@
         </p:nvSpPr>
         <p:spPr>
           <a:xfrm>
-            <a:off x="839788" y="2505075"/>
-            <a:ext cx="5157787" cy="3684588"/>
+            <a:off x="1143000" y="2721483"/>
+            <a:ext cx="4754880" cy="3383280"/>
           </a:xfrm>
         </p:spPr>
         <p:txBody>
           <a:bodyPr/>
-          <a:lstStyle/>
+          <a:lstStyle>
+            <a:lvl1pPr>
+              <a:defRPr sz="2200"/>
+            </a:lvl1pPr>
+            <a:lvl2pPr>
+              <a:defRPr sz="2000"/>
+            </a:lvl2pPr>
+            <a:lvl3pPr>
+              <a:defRPr sz="1800"/>
+            </a:lvl3pPr>
+            <a:lvl4pPr>
+              <a:defRPr sz="1600"/>
+            </a:lvl4pPr>
+            <a:lvl5pPr>
+              <a:defRPr sz="1600"/>
+            </a:lvl5pPr>
+            <a:lvl6pPr>
+              <a:defRPr sz="1600"/>
+            </a:lvl6pPr>
+            <a:lvl7pPr>
+              <a:defRPr sz="1600"/>
+            </a:lvl7pPr>
+            <a:lvl8pPr>
+              <a:defRPr sz="1600"/>
+            </a:lvl8pPr>
+            <a:lvl9pPr>
+              <a:defRPr sz="1600"/>
+            </a:lvl9pPr>
+          </a:lstStyle>
           <a:p>
             <a:pPr lvl="0"/>
             <a:r>
@@ -1669,19 +1708,13 @@
               <a:rPr lang="pt-PT"/>
               <a:t>Quinto nível</a:t>
             </a:r>
-            <a:endParaRPr lang="en-US"/>
+            <a:endParaRPr lang="en-US" dirty="0"/>
           </a:p>
         </p:txBody>
       </p:sp>
       <p:sp>
         <p:nvSpPr>
-          <p:cNvPr id="5" name="Marcador de Posição do Texto 4">
-            <a:extLst>
-              <a:ext uri="{FF2B5EF4-FFF2-40B4-BE49-F238E27FC236}">
-                <a16:creationId xmlns:a16="http://schemas.microsoft.com/office/drawing/2014/main" id="{97419D62-E2C1-4195-87F7-E7D2FB5391E5}"/>
-              </a:ext>
-            </a:extLst>
-          </p:cNvPr>
+          <p:cNvPr id="5" name="Text Placeholder 4"/>
           <p:cNvSpPr>
             <a:spLocks noGrp="1"/>
           </p:cNvSpPr>
@@ -1691,14 +1724,17 @@
         </p:nvSpPr>
         <p:spPr>
           <a:xfrm>
-            <a:off x="6172200" y="1681163"/>
-            <a:ext cx="5183188" cy="823912"/>
+            <a:off x="6269173" y="1999032"/>
+            <a:ext cx="4754880" cy="777240"/>
           </a:xfrm>
         </p:spPr>
         <p:txBody>
-          <a:bodyPr anchor="b"/>
+          <a:bodyPr anchor="ctr"/>
           <a:lstStyle>
             <a:lvl1pPr marL="0" indent="0">
+              <a:spcBef>
+                <a:spcPts val="0"/>
+              </a:spcBef>
               <a:buNone/>
               <a:defRPr sz="2400" b="1"/>
             </a:lvl1pPr>
@@ -1746,13 +1782,7 @@
       </p:sp>
       <p:sp>
         <p:nvSpPr>
-          <p:cNvPr id="6" name="Marcador de Posição de Conteúdo 5">
-            <a:extLst>
-              <a:ext uri="{FF2B5EF4-FFF2-40B4-BE49-F238E27FC236}">
-                <a16:creationId xmlns:a16="http://schemas.microsoft.com/office/drawing/2014/main" id="{993EDCE6-F757-46A0-89A0-75C37ADAA88A}"/>
-              </a:ext>
-            </a:extLst>
-          </p:cNvPr>
+          <p:cNvPr id="6" name="Content Placeholder 5"/>
           <p:cNvSpPr>
             <a:spLocks noGrp="1"/>
           </p:cNvSpPr>
@@ -1762,13 +1792,41 @@
         </p:nvSpPr>
         <p:spPr>
           <a:xfrm>
-            <a:off x="6172200" y="2505075"/>
-            <a:ext cx="5183188" cy="3684588"/>
+            <a:off x="6269173" y="2719322"/>
+            <a:ext cx="4754880" cy="3383280"/>
           </a:xfrm>
         </p:spPr>
         <p:txBody>
           <a:bodyPr/>
-          <a:lstStyle/>
+          <a:lstStyle>
+            <a:lvl1pPr>
+              <a:defRPr sz="2200"/>
+            </a:lvl1pPr>
+            <a:lvl2pPr>
+              <a:defRPr sz="2000"/>
+            </a:lvl2pPr>
+            <a:lvl3pPr>
+              <a:defRPr sz="1800"/>
+            </a:lvl3pPr>
+            <a:lvl4pPr>
+              <a:defRPr sz="1600"/>
+            </a:lvl4pPr>
+            <a:lvl5pPr>
+              <a:defRPr sz="1600"/>
+            </a:lvl5pPr>
+            <a:lvl6pPr>
+              <a:defRPr sz="1600"/>
+            </a:lvl6pPr>
+            <a:lvl7pPr>
+              <a:defRPr sz="1600"/>
+            </a:lvl7pPr>
+            <a:lvl8pPr>
+              <a:defRPr sz="1600"/>
+            </a:lvl8pPr>
+            <a:lvl9pPr>
+              <a:defRPr sz="1600"/>
+            </a:lvl9pPr>
+          </a:lstStyle>
           <a:p>
             <a:pPr lvl="0"/>
             <a:r>
@@ -1803,19 +1861,13 @@
               <a:rPr lang="pt-PT"/>
               <a:t>Quinto nível</a:t>
             </a:r>
-            <a:endParaRPr lang="en-US"/>
+            <a:endParaRPr lang="en-US" dirty="0"/>
           </a:p>
         </p:txBody>
       </p:sp>
       <p:sp>
         <p:nvSpPr>
-          <p:cNvPr id="7" name="Marcador de Posição da Data 6">
-            <a:extLst>
-              <a:ext uri="{FF2B5EF4-FFF2-40B4-BE49-F238E27FC236}">
-                <a16:creationId xmlns:a16="http://schemas.microsoft.com/office/drawing/2014/main" id="{2E7069A4-231B-413D-A5D5-8257F4B3909A}"/>
-              </a:ext>
-            </a:extLst>
-          </p:cNvPr>
+          <p:cNvPr id="7" name="Date Placeholder 6"/>
           <p:cNvSpPr>
             <a:spLocks noGrp="1"/>
           </p:cNvSpPr>
@@ -1830,7 +1882,7 @@
           <a:p>
             <a:fld id="{4F06A495-97A7-4892-83DB-9214CFC24849}" type="datetimeFigureOut">
               <a:rPr lang="en-US" smtClean="0"/>
-              <a:t>9/12/2019</a:t>
+              <a:t>9/13/2019</a:t>
             </a:fld>
             <a:endParaRPr lang="en-US"/>
           </a:p>
@@ -1838,13 +1890,7 @@
       </p:sp>
       <p:sp>
         <p:nvSpPr>
-          <p:cNvPr id="8" name="Marcador de Posição do Rodapé 7">
-            <a:extLst>
-              <a:ext uri="{FF2B5EF4-FFF2-40B4-BE49-F238E27FC236}">
-                <a16:creationId xmlns:a16="http://schemas.microsoft.com/office/drawing/2014/main" id="{9CC83D4B-561C-4A24-96FD-9C76F48A0AC6}"/>
-              </a:ext>
-            </a:extLst>
-          </p:cNvPr>
+          <p:cNvPr id="8" name="Footer Placeholder 7"/>
           <p:cNvSpPr>
             <a:spLocks noGrp="1"/>
           </p:cNvSpPr>
@@ -1863,13 +1909,7 @@
       </p:sp>
       <p:sp>
         <p:nvSpPr>
-          <p:cNvPr id="9" name="Marcador de Posição do Número do Diapositivo 8">
-            <a:extLst>
-              <a:ext uri="{FF2B5EF4-FFF2-40B4-BE49-F238E27FC236}">
-                <a16:creationId xmlns:a16="http://schemas.microsoft.com/office/drawing/2014/main" id="{D37FDB7E-D186-49D9-BB50-CC2E361FD135}"/>
-              </a:ext>
-            </a:extLst>
-          </p:cNvPr>
+          <p:cNvPr id="9" name="Slide Number Placeholder 8"/>
           <p:cNvSpPr>
             <a:spLocks noGrp="1"/>
           </p:cNvSpPr>
@@ -1893,7 +1933,7 @@
     </p:spTree>
     <p:extLst>
       <p:ext uri="{BB962C8B-B14F-4D97-AF65-F5344CB8AC3E}">
-        <p14:creationId xmlns:p14="http://schemas.microsoft.com/office/powerpoint/2010/main" val="1340805549"/>
+        <p14:creationId xmlns:p14="http://schemas.microsoft.com/office/powerpoint/2010/main" val="2855354262"/>
       </p:ext>
     </p:extLst>
   </p:cSld>
@@ -1922,13 +1962,7 @@
       </p:grpSpPr>
       <p:sp>
         <p:nvSpPr>
-          <p:cNvPr id="2" name="Título 1">
-            <a:extLst>
-              <a:ext uri="{FF2B5EF4-FFF2-40B4-BE49-F238E27FC236}">
-                <a16:creationId xmlns:a16="http://schemas.microsoft.com/office/drawing/2014/main" id="{489E4CE7-794E-4604-AA67-5DEE5C0BB2E9}"/>
-              </a:ext>
-            </a:extLst>
-          </p:cNvPr>
+          <p:cNvPr id="2" name="Title 1"/>
           <p:cNvSpPr>
             <a:spLocks noGrp="1"/>
           </p:cNvSpPr>
@@ -1945,19 +1979,13 @@
               <a:rPr lang="pt-PT"/>
               <a:t>Clique para editar o estilo de título do Modelo Global</a:t>
             </a:r>
-            <a:endParaRPr lang="en-US"/>
+            <a:endParaRPr lang="en-US" dirty="0"/>
           </a:p>
         </p:txBody>
       </p:sp>
       <p:sp>
         <p:nvSpPr>
-          <p:cNvPr id="3" name="Marcador de Posição da Data 2">
-            <a:extLst>
-              <a:ext uri="{FF2B5EF4-FFF2-40B4-BE49-F238E27FC236}">
-                <a16:creationId xmlns:a16="http://schemas.microsoft.com/office/drawing/2014/main" id="{250D5112-7D0D-4018-819C-29A7937780D3}"/>
-              </a:ext>
-            </a:extLst>
-          </p:cNvPr>
+          <p:cNvPr id="3" name="Date Placeholder 2"/>
           <p:cNvSpPr>
             <a:spLocks noGrp="1"/>
           </p:cNvSpPr>
@@ -1972,7 +2000,7 @@
           <a:p>
             <a:fld id="{4F06A495-97A7-4892-83DB-9214CFC24849}" type="datetimeFigureOut">
               <a:rPr lang="en-US" smtClean="0"/>
-              <a:t>9/12/2019</a:t>
+              <a:t>9/13/2019</a:t>
             </a:fld>
             <a:endParaRPr lang="en-US"/>
           </a:p>
@@ -1980,13 +2008,7 @@
       </p:sp>
       <p:sp>
         <p:nvSpPr>
-          <p:cNvPr id="4" name="Marcador de Posição do Rodapé 3">
-            <a:extLst>
-              <a:ext uri="{FF2B5EF4-FFF2-40B4-BE49-F238E27FC236}">
-                <a16:creationId xmlns:a16="http://schemas.microsoft.com/office/drawing/2014/main" id="{B0890C21-3138-4366-8630-B1A4ACACD189}"/>
-              </a:ext>
-            </a:extLst>
-          </p:cNvPr>
+          <p:cNvPr id="4" name="Footer Placeholder 3"/>
           <p:cNvSpPr>
             <a:spLocks noGrp="1"/>
           </p:cNvSpPr>
@@ -2005,13 +2027,7 @@
       </p:sp>
       <p:sp>
         <p:nvSpPr>
-          <p:cNvPr id="5" name="Marcador de Posição do Número do Diapositivo 4">
-            <a:extLst>
-              <a:ext uri="{FF2B5EF4-FFF2-40B4-BE49-F238E27FC236}">
-                <a16:creationId xmlns:a16="http://schemas.microsoft.com/office/drawing/2014/main" id="{81E8A176-A057-4DBC-82FE-8FEA04F335E6}"/>
-              </a:ext>
-            </a:extLst>
-          </p:cNvPr>
+          <p:cNvPr id="5" name="Slide Number Placeholder 4"/>
           <p:cNvSpPr>
             <a:spLocks noGrp="1"/>
           </p:cNvSpPr>
@@ -2035,7 +2051,7 @@
     </p:spTree>
     <p:extLst>
       <p:ext uri="{BB962C8B-B14F-4D97-AF65-F5344CB8AC3E}">
-        <p14:creationId xmlns:p14="http://schemas.microsoft.com/office/powerpoint/2010/main" val="3671754599"/>
+        <p14:creationId xmlns:p14="http://schemas.microsoft.com/office/powerpoint/2010/main" val="3041722754"/>
       </p:ext>
     </p:extLst>
   </p:cSld>
@@ -2064,13 +2080,7 @@
       </p:grpSpPr>
       <p:sp>
         <p:nvSpPr>
-          <p:cNvPr id="2" name="Marcador de Posição da Data 1">
-            <a:extLst>
-              <a:ext uri="{FF2B5EF4-FFF2-40B4-BE49-F238E27FC236}">
-                <a16:creationId xmlns:a16="http://schemas.microsoft.com/office/drawing/2014/main" id="{438D2248-6A3A-4541-AAB1-462570776649}"/>
-              </a:ext>
-            </a:extLst>
-          </p:cNvPr>
+          <p:cNvPr id="2" name="Date Placeholder 1"/>
           <p:cNvSpPr>
             <a:spLocks noGrp="1"/>
           </p:cNvSpPr>
@@ -2085,7 +2095,7 @@
           <a:p>
             <a:fld id="{4F06A495-97A7-4892-83DB-9214CFC24849}" type="datetimeFigureOut">
               <a:rPr lang="en-US" smtClean="0"/>
-              <a:t>9/12/2019</a:t>
+              <a:t>9/13/2019</a:t>
             </a:fld>
             <a:endParaRPr lang="en-US"/>
           </a:p>
@@ -2093,13 +2103,7 @@
       </p:sp>
       <p:sp>
         <p:nvSpPr>
-          <p:cNvPr id="3" name="Marcador de Posição do Rodapé 2">
-            <a:extLst>
-              <a:ext uri="{FF2B5EF4-FFF2-40B4-BE49-F238E27FC236}">
-                <a16:creationId xmlns:a16="http://schemas.microsoft.com/office/drawing/2014/main" id="{04E2FCF2-8F55-4033-A5F8-6FC1D8593CBF}"/>
-              </a:ext>
-            </a:extLst>
-          </p:cNvPr>
+          <p:cNvPr id="3" name="Footer Placeholder 2"/>
           <p:cNvSpPr>
             <a:spLocks noGrp="1"/>
           </p:cNvSpPr>
@@ -2118,13 +2122,7 @@
       </p:sp>
       <p:sp>
         <p:nvSpPr>
-          <p:cNvPr id="4" name="Marcador de Posição do Número do Diapositivo 3">
-            <a:extLst>
-              <a:ext uri="{FF2B5EF4-FFF2-40B4-BE49-F238E27FC236}">
-                <a16:creationId xmlns:a16="http://schemas.microsoft.com/office/drawing/2014/main" id="{6FB57A7C-165D-4CD5-93AE-BBB9C9A39868}"/>
-              </a:ext>
-            </a:extLst>
-          </p:cNvPr>
+          <p:cNvPr id="4" name="Slide Number Placeholder 3"/>
           <p:cNvSpPr>
             <a:spLocks noGrp="1"/>
           </p:cNvSpPr>
@@ -2148,7 +2146,7 @@
     </p:spTree>
     <p:extLst>
       <p:ext uri="{BB962C8B-B14F-4D97-AF65-F5344CB8AC3E}">
-        <p14:creationId xmlns:p14="http://schemas.microsoft.com/office/powerpoint/2010/main" val="4174793388"/>
+        <p14:creationId xmlns:p14="http://schemas.microsoft.com/office/powerpoint/2010/main" val="2600593799"/>
       </p:ext>
     </p:extLst>
   </p:cSld>
@@ -2177,13 +2175,7 @@
       </p:grpSpPr>
       <p:sp>
         <p:nvSpPr>
-          <p:cNvPr id="2" name="Título 1">
-            <a:extLst>
-              <a:ext uri="{FF2B5EF4-FFF2-40B4-BE49-F238E27FC236}">
-                <a16:creationId xmlns:a16="http://schemas.microsoft.com/office/drawing/2014/main" id="{150D682C-07EC-42FF-926E-6BA60F178CC9}"/>
-              </a:ext>
-            </a:extLst>
-          </p:cNvPr>
+          <p:cNvPr id="2" name="Title 1"/>
           <p:cNvSpPr>
             <a:spLocks noGrp="1"/>
           </p:cNvSpPr>
@@ -2193,15 +2185,20 @@
         </p:nvSpPr>
         <p:spPr>
           <a:xfrm>
-            <a:off x="839788" y="457200"/>
-            <a:ext cx="3932237" cy="1600200"/>
+            <a:off x="1143000" y="1097280"/>
+            <a:ext cx="3931920" cy="1737360"/>
           </a:xfrm>
         </p:spPr>
         <p:txBody>
-          <a:bodyPr anchor="b"/>
+          <a:bodyPr anchor="b">
+            <a:noAutofit/>
+          </a:bodyPr>
           <a:lstStyle>
             <a:lvl1pPr>
-              <a:defRPr sz="3200"/>
+              <a:lnSpc>
+                <a:spcPct val="90000"/>
+              </a:lnSpc>
+              <a:defRPr sz="4000" b="0"/>
             </a:lvl1pPr>
           </a:lstStyle>
           <a:p>
@@ -2209,19 +2206,13 @@
               <a:rPr lang="pt-PT"/>
               <a:t>Clique para editar o estilo de título do Modelo Global</a:t>
             </a:r>
-            <a:endParaRPr lang="en-US"/>
+            <a:endParaRPr lang="en-US" dirty="0"/>
           </a:p>
         </p:txBody>
       </p:sp>
       <p:sp>
         <p:nvSpPr>
-          <p:cNvPr id="3" name="Marcador de Posição de Conteúdo 2">
-            <a:extLst>
-              <a:ext uri="{FF2B5EF4-FFF2-40B4-BE49-F238E27FC236}">
-                <a16:creationId xmlns:a16="http://schemas.microsoft.com/office/drawing/2014/main" id="{F6D1A58B-E595-46AC-A97A-EF46FD4DEB83}"/>
-              </a:ext>
-            </a:extLst>
-          </p:cNvPr>
+          <p:cNvPr id="3" name="Content Placeholder 2"/>
           <p:cNvSpPr>
             <a:spLocks noGrp="1"/>
           </p:cNvSpPr>
@@ -2231,8 +2222,8 @@
         </p:nvSpPr>
         <p:spPr>
           <a:xfrm>
-            <a:off x="5183188" y="987425"/>
-            <a:ext cx="6172200" cy="4873625"/>
+            <a:off x="5852159" y="1097280"/>
+            <a:ext cx="5212080" cy="4663440"/>
           </a:xfrm>
         </p:spPr>
         <p:txBody>
@@ -2300,19 +2291,13 @@
               <a:rPr lang="pt-PT"/>
               <a:t>Quinto nível</a:t>
             </a:r>
-            <a:endParaRPr lang="en-US"/>
+            <a:endParaRPr lang="en-US" dirty="0"/>
           </a:p>
         </p:txBody>
       </p:sp>
       <p:sp>
         <p:nvSpPr>
-          <p:cNvPr id="4" name="Marcador de Posição do Texto 3">
-            <a:extLst>
-              <a:ext uri="{FF2B5EF4-FFF2-40B4-BE49-F238E27FC236}">
-                <a16:creationId xmlns:a16="http://schemas.microsoft.com/office/drawing/2014/main" id="{32455198-D8BB-4767-B03F-097FF49840E5}"/>
-              </a:ext>
-            </a:extLst>
-          </p:cNvPr>
+          <p:cNvPr id="4" name="Text Placeholder 3"/>
           <p:cNvSpPr>
             <a:spLocks noGrp="1"/>
           </p:cNvSpPr>
@@ -2322,48 +2307,56 @@
         </p:nvSpPr>
         <p:spPr>
           <a:xfrm>
-            <a:off x="839788" y="2057400"/>
-            <a:ext cx="3932237" cy="3811588"/>
+            <a:off x="1143000" y="2834640"/>
+            <a:ext cx="3931920" cy="3017520"/>
           </a:xfrm>
         </p:spPr>
         <p:txBody>
-          <a:bodyPr/>
+          <a:bodyPr>
+            <a:normAutofit/>
+          </a:bodyPr>
           <a:lstStyle>
             <a:lvl1pPr marL="0" indent="0">
+              <a:lnSpc>
+                <a:spcPct val="100000"/>
+              </a:lnSpc>
+              <a:spcBef>
+                <a:spcPts val="1000"/>
+              </a:spcBef>
               <a:buNone/>
-              <a:defRPr sz="1600"/>
+              <a:defRPr sz="1700"/>
             </a:lvl1pPr>
             <a:lvl2pPr marL="457200" indent="0">
               <a:buNone/>
-              <a:defRPr sz="1400"/>
+              <a:defRPr sz="1200"/>
             </a:lvl2pPr>
             <a:lvl3pPr marL="914400" indent="0">
               <a:buNone/>
-              <a:defRPr sz="1200"/>
+              <a:defRPr sz="1000"/>
             </a:lvl3pPr>
             <a:lvl4pPr marL="1371600" indent="0">
               <a:buNone/>
-              <a:defRPr sz="1000"/>
+              <a:defRPr sz="900"/>
             </a:lvl4pPr>
             <a:lvl5pPr marL="1828800" indent="0">
               <a:buNone/>
-              <a:defRPr sz="1000"/>
+              <a:defRPr sz="900"/>
             </a:lvl5pPr>
             <a:lvl6pPr marL="2286000" indent="0">
               <a:buNone/>
-              <a:defRPr sz="1000"/>
+              <a:defRPr sz="900"/>
             </a:lvl6pPr>
             <a:lvl7pPr marL="2743200" indent="0">
               <a:buNone/>
-              <a:defRPr sz="1000"/>
+              <a:defRPr sz="900"/>
             </a:lvl7pPr>
             <a:lvl8pPr marL="3200400" indent="0">
               <a:buNone/>
-              <a:defRPr sz="1000"/>
+              <a:defRPr sz="900"/>
             </a:lvl8pPr>
             <a:lvl9pPr marL="3657600" indent="0">
               <a:buNone/>
-              <a:defRPr sz="1000"/>
+              <a:defRPr sz="900"/>
             </a:lvl9pPr>
           </a:lstStyle>
           <a:p>
@@ -2377,13 +2370,7 @@
       </p:sp>
       <p:sp>
         <p:nvSpPr>
-          <p:cNvPr id="5" name="Marcador de Posição da Data 4">
-            <a:extLst>
-              <a:ext uri="{FF2B5EF4-FFF2-40B4-BE49-F238E27FC236}">
-                <a16:creationId xmlns:a16="http://schemas.microsoft.com/office/drawing/2014/main" id="{A084FDB7-C8DC-4249-9A2B-23EA69A577CF}"/>
-              </a:ext>
-            </a:extLst>
-          </p:cNvPr>
+          <p:cNvPr id="5" name="Date Placeholder 4"/>
           <p:cNvSpPr>
             <a:spLocks noGrp="1"/>
           </p:cNvSpPr>
@@ -2398,7 +2385,7 @@
           <a:p>
             <a:fld id="{4F06A495-97A7-4892-83DB-9214CFC24849}" type="datetimeFigureOut">
               <a:rPr lang="en-US" smtClean="0"/>
-              <a:t>9/12/2019</a:t>
+              <a:t>9/13/2019</a:t>
             </a:fld>
             <a:endParaRPr lang="en-US"/>
           </a:p>
@@ -2406,13 +2393,7 @@
       </p:sp>
       <p:sp>
         <p:nvSpPr>
-          <p:cNvPr id="6" name="Marcador de Posição do Rodapé 5">
-            <a:extLst>
-              <a:ext uri="{FF2B5EF4-FFF2-40B4-BE49-F238E27FC236}">
-                <a16:creationId xmlns:a16="http://schemas.microsoft.com/office/drawing/2014/main" id="{A0E7859C-9869-429E-90B0-72EBB06B5466}"/>
-              </a:ext>
-            </a:extLst>
-          </p:cNvPr>
+          <p:cNvPr id="6" name="Footer Placeholder 5"/>
           <p:cNvSpPr>
             <a:spLocks noGrp="1"/>
           </p:cNvSpPr>
@@ -2431,13 +2412,7 @@
       </p:sp>
       <p:sp>
         <p:nvSpPr>
-          <p:cNvPr id="7" name="Marcador de Posição do Número do Diapositivo 6">
-            <a:extLst>
-              <a:ext uri="{FF2B5EF4-FFF2-40B4-BE49-F238E27FC236}">
-                <a16:creationId xmlns:a16="http://schemas.microsoft.com/office/drawing/2014/main" id="{89BD0D07-31BE-480A-B048-F8F158E0DB7F}"/>
-              </a:ext>
-            </a:extLst>
-          </p:cNvPr>
+          <p:cNvPr id="7" name="Slide Number Placeholder 6"/>
           <p:cNvSpPr>
             <a:spLocks noGrp="1"/>
           </p:cNvSpPr>
@@ -2461,7 +2436,7 @@
     </p:spTree>
     <p:extLst>
       <p:ext uri="{BB962C8B-B14F-4D97-AF65-F5344CB8AC3E}">
-        <p14:creationId xmlns:p14="http://schemas.microsoft.com/office/powerpoint/2010/main" val="2735478200"/>
+        <p14:creationId xmlns:p14="http://schemas.microsoft.com/office/powerpoint/2010/main" val="3492727531"/>
       </p:ext>
     </p:extLst>
   </p:cSld>
@@ -2490,13 +2465,7 @@
       </p:grpSpPr>
       <p:sp>
         <p:nvSpPr>
-          <p:cNvPr id="2" name="Título 1">
-            <a:extLst>
-              <a:ext uri="{FF2B5EF4-FFF2-40B4-BE49-F238E27FC236}">
-                <a16:creationId xmlns:a16="http://schemas.microsoft.com/office/drawing/2014/main" id="{8AA4F9E7-C259-4C00-B8D0-3789C9B8962C}"/>
-              </a:ext>
-            </a:extLst>
-          </p:cNvPr>
+          <p:cNvPr id="2" name="Title 1"/>
           <p:cNvSpPr>
             <a:spLocks noGrp="1"/>
           </p:cNvSpPr>
@@ -2506,15 +2475,20 @@
         </p:nvSpPr>
         <p:spPr>
           <a:xfrm>
-            <a:off x="839788" y="457200"/>
-            <a:ext cx="3932237" cy="1600200"/>
+            <a:off x="1143000" y="1097280"/>
+            <a:ext cx="3931920" cy="1737360"/>
           </a:xfrm>
         </p:spPr>
         <p:txBody>
-          <a:bodyPr anchor="b"/>
+          <a:bodyPr anchor="b">
+            <a:noAutofit/>
+          </a:bodyPr>
           <a:lstStyle>
             <a:lvl1pPr>
-              <a:defRPr sz="3200"/>
+              <a:lnSpc>
+                <a:spcPct val="90000"/>
+              </a:lnSpc>
+              <a:defRPr sz="4000" b="0"/>
             </a:lvl1pPr>
           </a:lstStyle>
           <a:p>
@@ -2522,21 +2496,15 @@
               <a:rPr lang="pt-PT"/>
               <a:t>Clique para editar o estilo de título do Modelo Global</a:t>
             </a:r>
-            <a:endParaRPr lang="en-US"/>
+            <a:endParaRPr lang="en-US" dirty="0"/>
           </a:p>
         </p:txBody>
       </p:sp>
       <p:sp>
         <p:nvSpPr>
-          <p:cNvPr id="3" name="Marcador de Posição da Imagem 2">
-            <a:extLst>
-              <a:ext uri="{FF2B5EF4-FFF2-40B4-BE49-F238E27FC236}">
-                <a16:creationId xmlns:a16="http://schemas.microsoft.com/office/drawing/2014/main" id="{CC683680-F069-4ABA-A8D1-ED5FF202E032}"/>
-              </a:ext>
-            </a:extLst>
-          </p:cNvPr>
+          <p:cNvPr id="3" name="Picture Placeholder 2"/>
           <p:cNvSpPr>
-            <a:spLocks noGrp="1"/>
+            <a:spLocks noGrp="1" noChangeAspect="1"/>
           </p:cNvSpPr>
           <p:nvPr>
             <p:ph type="pic" idx="1"/>
@@ -2544,16 +2512,18 @@
         </p:nvSpPr>
         <p:spPr>
           <a:xfrm>
-            <a:off x="5183188" y="987425"/>
-            <a:ext cx="6172200" cy="4873625"/>
+            <a:off x="5413248" y="1069847"/>
+            <a:ext cx="6099048" cy="4800600"/>
           </a:xfrm>
         </p:spPr>
         <p:txBody>
-          <a:bodyPr/>
+          <a:bodyPr lIns="274320" tIns="182880" anchor="t">
+            <a:normAutofit/>
+          </a:bodyPr>
           <a:lstStyle>
             <a:lvl1pPr marL="0" indent="0">
               <a:buNone/>
-              <a:defRPr sz="3200"/>
+              <a:defRPr sz="2800"/>
             </a:lvl1pPr>
             <a:lvl2pPr marL="457200" indent="0">
               <a:buNone/>
@@ -2589,19 +2559,17 @@
             </a:lvl9pPr>
           </a:lstStyle>
           <a:p>
-            <a:endParaRPr lang="en-US"/>
+            <a:r>
+              <a:rPr lang="pt-PT"/>
+              <a:t>Clique no ícone para adicionar uma imagem</a:t>
+            </a:r>
+            <a:endParaRPr lang="en-US" dirty="0"/>
           </a:p>
         </p:txBody>
       </p:sp>
       <p:sp>
         <p:nvSpPr>
-          <p:cNvPr id="4" name="Marcador de Posição do Texto 3">
-            <a:extLst>
-              <a:ext uri="{FF2B5EF4-FFF2-40B4-BE49-F238E27FC236}">
-                <a16:creationId xmlns:a16="http://schemas.microsoft.com/office/drawing/2014/main" id="{60277225-11D0-4C70-94C9-50CA32605AAB}"/>
-              </a:ext>
-            </a:extLst>
-          </p:cNvPr>
+          <p:cNvPr id="4" name="Text Placeholder 3"/>
           <p:cNvSpPr>
             <a:spLocks noGrp="1"/>
           </p:cNvSpPr>
@@ -2611,48 +2579,56 @@
         </p:nvSpPr>
         <p:spPr>
           <a:xfrm>
-            <a:off x="839788" y="2057400"/>
-            <a:ext cx="3932237" cy="3811588"/>
+            <a:off x="1143000" y="2834640"/>
+            <a:ext cx="3931920" cy="2880360"/>
           </a:xfrm>
         </p:spPr>
         <p:txBody>
-          <a:bodyPr/>
+          <a:bodyPr>
+            <a:normAutofit/>
+          </a:bodyPr>
           <a:lstStyle>
             <a:lvl1pPr marL="0" indent="0">
+              <a:lnSpc>
+                <a:spcPct val="100000"/>
+              </a:lnSpc>
+              <a:spcBef>
+                <a:spcPts val="1000"/>
+              </a:spcBef>
               <a:buNone/>
-              <a:defRPr sz="1600"/>
+              <a:defRPr sz="1700"/>
             </a:lvl1pPr>
             <a:lvl2pPr marL="457200" indent="0">
               <a:buNone/>
-              <a:defRPr sz="1400"/>
+              <a:defRPr sz="1200"/>
             </a:lvl2pPr>
             <a:lvl3pPr marL="914400" indent="0">
               <a:buNone/>
-              <a:defRPr sz="1200"/>
+              <a:defRPr sz="1000"/>
             </a:lvl3pPr>
             <a:lvl4pPr marL="1371600" indent="0">
               <a:buNone/>
-              <a:defRPr sz="1000"/>
+              <a:defRPr sz="900"/>
             </a:lvl4pPr>
             <a:lvl5pPr marL="1828800" indent="0">
               <a:buNone/>
-              <a:defRPr sz="1000"/>
+              <a:defRPr sz="900"/>
             </a:lvl5pPr>
             <a:lvl6pPr marL="2286000" indent="0">
               <a:buNone/>
-              <a:defRPr sz="1000"/>
+              <a:defRPr sz="900"/>
             </a:lvl6pPr>
             <a:lvl7pPr marL="2743200" indent="0">
               <a:buNone/>
-              <a:defRPr sz="1000"/>
+              <a:defRPr sz="900"/>
             </a:lvl7pPr>
             <a:lvl8pPr marL="3200400" indent="0">
               <a:buNone/>
-              <a:defRPr sz="1000"/>
+              <a:defRPr sz="900"/>
             </a:lvl8pPr>
             <a:lvl9pPr marL="3657600" indent="0">
               <a:buNone/>
-              <a:defRPr sz="1000"/>
+              <a:defRPr sz="900"/>
             </a:lvl9pPr>
           </a:lstStyle>
           <a:p>
@@ -2666,13 +2642,7 @@
       </p:sp>
       <p:sp>
         <p:nvSpPr>
-          <p:cNvPr id="5" name="Marcador de Posição da Data 4">
-            <a:extLst>
-              <a:ext uri="{FF2B5EF4-FFF2-40B4-BE49-F238E27FC236}">
-                <a16:creationId xmlns:a16="http://schemas.microsoft.com/office/drawing/2014/main" id="{F80998D7-AF79-4731-8CD9-B4B26B5DFCFD}"/>
-              </a:ext>
-            </a:extLst>
-          </p:cNvPr>
+          <p:cNvPr id="5" name="Date Placeholder 4"/>
           <p:cNvSpPr>
             <a:spLocks noGrp="1"/>
           </p:cNvSpPr>
@@ -2687,7 +2657,7 @@
           <a:p>
             <a:fld id="{4F06A495-97A7-4892-83DB-9214CFC24849}" type="datetimeFigureOut">
               <a:rPr lang="en-US" smtClean="0"/>
-              <a:t>9/12/2019</a:t>
+              <a:t>9/13/2019</a:t>
             </a:fld>
             <a:endParaRPr lang="en-US"/>
           </a:p>
@@ -2695,13 +2665,7 @@
       </p:sp>
       <p:sp>
         <p:nvSpPr>
-          <p:cNvPr id="6" name="Marcador de Posição do Rodapé 5">
-            <a:extLst>
-              <a:ext uri="{FF2B5EF4-FFF2-40B4-BE49-F238E27FC236}">
-                <a16:creationId xmlns:a16="http://schemas.microsoft.com/office/drawing/2014/main" id="{9D507A86-A27F-44D2-83A5-1F161DF30B8A}"/>
-              </a:ext>
-            </a:extLst>
-          </p:cNvPr>
+          <p:cNvPr id="6" name="Footer Placeholder 5"/>
           <p:cNvSpPr>
             <a:spLocks noGrp="1"/>
           </p:cNvSpPr>
@@ -2720,13 +2684,7 @@
       </p:sp>
       <p:sp>
         <p:nvSpPr>
-          <p:cNvPr id="7" name="Marcador de Posição do Número do Diapositivo 6">
-            <a:extLst>
-              <a:ext uri="{FF2B5EF4-FFF2-40B4-BE49-F238E27FC236}">
-                <a16:creationId xmlns:a16="http://schemas.microsoft.com/office/drawing/2014/main" id="{DE110C9C-B63D-4BCC-93D8-990DF8DE9341}"/>
-              </a:ext>
-            </a:extLst>
-          </p:cNvPr>
+          <p:cNvPr id="7" name="Slide Number Placeholder 6"/>
           <p:cNvSpPr>
             <a:spLocks noGrp="1"/>
           </p:cNvSpPr>
@@ -2750,7 +2708,7 @@
     </p:spTree>
     <p:extLst>
       <p:ext uri="{BB962C8B-B14F-4D97-AF65-F5344CB8AC3E}">
-        <p14:creationId xmlns:p14="http://schemas.microsoft.com/office/powerpoint/2010/main" val="1925309570"/>
+        <p14:creationId xmlns:p14="http://schemas.microsoft.com/office/powerpoint/2010/main" val="353969579"/>
       </p:ext>
     </p:extLst>
   </p:cSld>
@@ -2764,9 +2722,12 @@
 <p:sldMaster xmlns:a="http://schemas.openxmlformats.org/drawingml/2006/main" xmlns:r="http://schemas.openxmlformats.org/officeDocument/2006/relationships" xmlns:p="http://schemas.openxmlformats.org/presentationml/2006/main">
   <p:cSld>
     <p:bg>
-      <p:bgRef idx="1001">
-        <a:schemeClr val="bg1"/>
-      </p:bgRef>
+      <p:bgPr>
+        <a:solidFill>
+          <a:schemeClr val="accent1"/>
+        </a:solidFill>
+        <a:effectLst/>
+      </p:bgPr>
     </p:bg>
     <p:spTree>
       <p:nvGrpSpPr>
@@ -2784,13 +2745,47 @@
       </p:grpSpPr>
       <p:sp>
         <p:nvSpPr>
-          <p:cNvPr id="2" name="Marcador de Posição do Título 1">
-            <a:extLst>
-              <a:ext uri="{FF2B5EF4-FFF2-40B4-BE49-F238E27FC236}">
-                <a16:creationId xmlns:a16="http://schemas.microsoft.com/office/drawing/2014/main" id="{F9D85A71-90CE-4772-A961-56FE3EC9E097}"/>
-              </a:ext>
-            </a:extLst>
-          </p:cNvPr>
+          <p:cNvPr id="7" name="Rectangle 6"/>
+          <p:cNvSpPr>
+            <a:spLocks noChangeAspect="1"/>
+          </p:cNvSpPr>
+          <p:nvPr/>
+        </p:nvSpPr>
+        <p:spPr>
+          <a:xfrm>
+            <a:off x="231140" y="243840"/>
+            <a:ext cx="11724640" cy="6377939"/>
+          </a:xfrm>
+          <a:prstGeom prst="rect">
+            <a:avLst/>
+          </a:prstGeom>
+          <a:solidFill>
+            <a:schemeClr val="bg1"/>
+          </a:solidFill>
+          <a:ln w="12700">
+            <a:noFill/>
+          </a:ln>
+        </p:spPr>
+        <p:style>
+          <a:lnRef idx="2">
+            <a:schemeClr val="accent1">
+              <a:shade val="50000"/>
+            </a:schemeClr>
+          </a:lnRef>
+          <a:fillRef idx="1">
+            <a:schemeClr val="accent1"/>
+          </a:fillRef>
+          <a:effectRef idx="0">
+            <a:schemeClr val="accent1"/>
+          </a:effectRef>
+          <a:fontRef idx="minor">
+            <a:schemeClr val="lt1"/>
+          </a:fontRef>
+        </p:style>
+      </p:sp>
+      <p:sp>
+        <p:nvSpPr>
+          <p:cNvPr id="2" name="Title Placeholder 1"/>
           <p:cNvSpPr>
             <a:spLocks noGrp="1"/>
           </p:cNvSpPr>
@@ -2800,8 +2795,8 @@
         </p:nvSpPr>
         <p:spPr>
           <a:xfrm>
-            <a:off x="838200" y="365125"/>
-            <a:ext cx="10515600" cy="1325563"/>
+            <a:off x="1143000" y="609600"/>
+            <a:ext cx="9875520" cy="1356360"/>
           </a:xfrm>
           <a:prstGeom prst="rect">
             <a:avLst/>
@@ -2817,19 +2812,13 @@
               <a:rPr lang="pt-PT"/>
               <a:t>Clique para editar o estilo de título do Modelo Global</a:t>
             </a:r>
-            <a:endParaRPr lang="en-US"/>
+            <a:endParaRPr lang="en-US" dirty="0"/>
           </a:p>
         </p:txBody>
       </p:sp>
       <p:sp>
         <p:nvSpPr>
-          <p:cNvPr id="3" name="Marcador de Posição do Texto 2">
-            <a:extLst>
-              <a:ext uri="{FF2B5EF4-FFF2-40B4-BE49-F238E27FC236}">
-                <a16:creationId xmlns:a16="http://schemas.microsoft.com/office/drawing/2014/main" id="{1AE8B27C-0505-4A8E-B8DD-3D98971CA8FC}"/>
-              </a:ext>
-            </a:extLst>
-          </p:cNvPr>
+          <p:cNvPr id="3" name="Text Placeholder 2"/>
           <p:cNvSpPr>
             <a:spLocks noGrp="1"/>
           </p:cNvSpPr>
@@ -2839,8 +2828,8 @@
         </p:nvSpPr>
         <p:spPr>
           <a:xfrm>
-            <a:off x="838200" y="1825625"/>
-            <a:ext cx="10515600" cy="4351338"/>
+            <a:off x="1143000" y="2057400"/>
+            <a:ext cx="9872871" cy="4038600"/>
           </a:xfrm>
           <a:prstGeom prst="rect">
             <a:avLst/>
@@ -2885,19 +2874,13 @@
               <a:rPr lang="pt-PT"/>
               <a:t>Quinto nível</a:t>
             </a:r>
-            <a:endParaRPr lang="en-US"/>
+            <a:endParaRPr lang="en-US" dirty="0"/>
           </a:p>
         </p:txBody>
       </p:sp>
       <p:sp>
         <p:nvSpPr>
-          <p:cNvPr id="4" name="Marcador de Posição da Data 3">
-            <a:extLst>
-              <a:ext uri="{FF2B5EF4-FFF2-40B4-BE49-F238E27FC236}">
-                <a16:creationId xmlns:a16="http://schemas.microsoft.com/office/drawing/2014/main" id="{2B58AD2E-279D-45BF-9A38-27C731544F5F}"/>
-              </a:ext>
-            </a:extLst>
-          </p:cNvPr>
+          <p:cNvPr id="4" name="Date Placeholder 3"/>
           <p:cNvSpPr>
             <a:spLocks noGrp="1"/>
           </p:cNvSpPr>
@@ -2907,8 +2890,8 @@
         </p:nvSpPr>
         <p:spPr>
           <a:xfrm>
-            <a:off x="838200" y="6356350"/>
-            <a:ext cx="2743200" cy="365125"/>
+            <a:off x="1142996" y="6223828"/>
+            <a:ext cx="2329074" cy="365125"/>
           </a:xfrm>
           <a:prstGeom prst="rect">
             <a:avLst/>
@@ -2920,9 +2903,7 @@
             <a:lvl1pPr algn="l">
               <a:defRPr sz="1200">
                 <a:solidFill>
-                  <a:schemeClr val="tx1">
-                    <a:tint val="75000"/>
-                  </a:schemeClr>
+                  <a:schemeClr val="accent1"/>
                 </a:solidFill>
               </a:defRPr>
             </a:lvl1pPr>
@@ -2930,7 +2911,7 @@
           <a:p>
             <a:fld id="{4F06A495-97A7-4892-83DB-9214CFC24849}" type="datetimeFigureOut">
               <a:rPr lang="en-US" smtClean="0"/>
-              <a:t>9/12/2019</a:t>
+              <a:t>9/13/2019</a:t>
             </a:fld>
             <a:endParaRPr lang="en-US"/>
           </a:p>
@@ -2938,13 +2919,7 @@
       </p:sp>
       <p:sp>
         <p:nvSpPr>
-          <p:cNvPr id="5" name="Marcador de Posição do Rodapé 4">
-            <a:extLst>
-              <a:ext uri="{FF2B5EF4-FFF2-40B4-BE49-F238E27FC236}">
-                <a16:creationId xmlns:a16="http://schemas.microsoft.com/office/drawing/2014/main" id="{4AFB4863-0B1F-41DA-B580-98E30748BCB3}"/>
-              </a:ext>
-            </a:extLst>
-          </p:cNvPr>
+          <p:cNvPr id="5" name="Footer Placeholder 4"/>
           <p:cNvSpPr>
             <a:spLocks noGrp="1"/>
           </p:cNvSpPr>
@@ -2954,8 +2929,8 @@
         </p:nvSpPr>
         <p:spPr>
           <a:xfrm>
-            <a:off x="4038600" y="6356350"/>
-            <a:ext cx="4114800" cy="365125"/>
+            <a:off x="3949148" y="6223828"/>
+            <a:ext cx="4717774" cy="365125"/>
           </a:xfrm>
           <a:prstGeom prst="rect">
             <a:avLst/>
@@ -2967,9 +2942,7 @@
             <a:lvl1pPr algn="ctr">
               <a:defRPr sz="1200">
                 <a:solidFill>
-                  <a:schemeClr val="tx1">
-                    <a:tint val="75000"/>
-                  </a:schemeClr>
+                  <a:schemeClr val="accent1"/>
                 </a:solidFill>
               </a:defRPr>
             </a:lvl1pPr>
@@ -2981,13 +2954,7 @@
       </p:sp>
       <p:sp>
         <p:nvSpPr>
-          <p:cNvPr id="6" name="Marcador de Posição do Número do Diapositivo 5">
-            <a:extLst>
-              <a:ext uri="{FF2B5EF4-FFF2-40B4-BE49-F238E27FC236}">
-                <a16:creationId xmlns:a16="http://schemas.microsoft.com/office/drawing/2014/main" id="{04B99E09-F718-4FAD-A94C-E7C0479BEEC8}"/>
-              </a:ext>
-            </a:extLst>
-          </p:cNvPr>
+          <p:cNvPr id="6" name="Slide Number Placeholder 5"/>
           <p:cNvSpPr>
             <a:spLocks noGrp="1"/>
           </p:cNvSpPr>
@@ -2997,8 +2964,8 @@
         </p:nvSpPr>
         <p:spPr>
           <a:xfrm>
-            <a:off x="8610600" y="6356350"/>
-            <a:ext cx="2743200" cy="365125"/>
+            <a:off x="9329530" y="6223828"/>
+            <a:ext cx="1706217" cy="365125"/>
           </a:xfrm>
           <a:prstGeom prst="rect">
             <a:avLst/>
@@ -3010,9 +2977,7 @@
             <a:lvl1pPr algn="r">
               <a:defRPr sz="1200">
                 <a:solidFill>
-                  <a:schemeClr val="tx1">
-                    <a:tint val="75000"/>
-                  </a:schemeClr>
+                  <a:schemeClr val="accent1"/>
                 </a:solidFill>
               </a:defRPr>
             </a:lvl1pPr>
@@ -3029,23 +2994,23 @@
     </p:spTree>
     <p:extLst>
       <p:ext uri="{BB962C8B-B14F-4D97-AF65-F5344CB8AC3E}">
-        <p14:creationId xmlns:p14="http://schemas.microsoft.com/office/powerpoint/2010/main" val="3358928097"/>
+        <p14:creationId xmlns:p14="http://schemas.microsoft.com/office/powerpoint/2010/main" val="1136211675"/>
       </p:ext>
     </p:extLst>
   </p:cSld>
   <p:clrMap bg1="lt1" tx1="dk1" bg2="lt2" tx2="dk2" accent1="accent1" accent2="accent2" accent3="accent3" accent4="accent4" accent5="accent5" accent6="accent6" hlink="hlink" folHlink="folHlink"/>
   <p:sldLayoutIdLst>
-    <p:sldLayoutId id="2147483649" r:id="rId1"/>
-    <p:sldLayoutId id="2147483650" r:id="rId2"/>
-    <p:sldLayoutId id="2147483651" r:id="rId3"/>
-    <p:sldLayoutId id="2147483652" r:id="rId4"/>
-    <p:sldLayoutId id="2147483653" r:id="rId5"/>
-    <p:sldLayoutId id="2147483654" r:id="rId6"/>
-    <p:sldLayoutId id="2147483655" r:id="rId7"/>
-    <p:sldLayoutId id="2147483656" r:id="rId8"/>
-    <p:sldLayoutId id="2147483657" r:id="rId9"/>
-    <p:sldLayoutId id="2147483658" r:id="rId10"/>
-    <p:sldLayoutId id="2147483659" r:id="rId11"/>
+    <p:sldLayoutId id="2147483661" r:id="rId1"/>
+    <p:sldLayoutId id="2147483662" r:id="rId2"/>
+    <p:sldLayoutId id="2147483663" r:id="rId3"/>
+    <p:sldLayoutId id="2147483664" r:id="rId4"/>
+    <p:sldLayoutId id="2147483665" r:id="rId5"/>
+    <p:sldLayoutId id="2147483666" r:id="rId6"/>
+    <p:sldLayoutId id="2147483667" r:id="rId7"/>
+    <p:sldLayoutId id="2147483668" r:id="rId8"/>
+    <p:sldLayoutId id="2147483669" r:id="rId9"/>
+    <p:sldLayoutId id="2147483670" r:id="rId10"/>
+    <p:sldLayoutId id="2147483671" r:id="rId11"/>
   </p:sldLayoutIdLst>
   <p:txStyles>
     <p:titleStyle>
@@ -3059,7 +3024,7 @@
         <a:buNone/>
         <a:defRPr sz="4400" kern="1200">
           <a:solidFill>
-            <a:schemeClr val="tx1"/>
+            <a:schemeClr val="accent1"/>
           </a:solidFill>
           <a:latin typeface="+mj-lt"/>
           <a:ea typeface="+mj-ea"/>
@@ -3068,162 +3033,222 @@
       </a:lvl1pPr>
     </p:titleStyle>
     <p:bodyStyle>
-      <a:lvl1pPr marL="228600" indent="-228600" algn="l" defTabSz="914400" rtl="0" eaLnBrk="1" latinLnBrk="0" hangingPunct="1">
+      <a:lvl1pPr marL="228600" indent="-182880" algn="l" defTabSz="914400" rtl="0" eaLnBrk="1" latinLnBrk="0" hangingPunct="1">
         <a:lnSpc>
           <a:spcPct val="90000"/>
         </a:lnSpc>
         <a:spcBef>
-          <a:spcPts val="1000"/>
+          <a:spcPts val="1400"/>
         </a:spcBef>
-        <a:buFont typeface="Arial" panose="020B0604020202020204" pitchFamily="34" charset="0"/>
+        <a:buClr>
+          <a:schemeClr val="accent1"/>
+        </a:buClr>
+        <a:buSzPct val="80000"/>
+        <a:buFont typeface="Corbel" pitchFamily="34" charset="0"/>
         <a:buChar char="•"/>
-        <a:defRPr sz="2800" kern="1200">
+        <a:defRPr sz="2200" kern="1200">
           <a:solidFill>
-            <a:schemeClr val="tx1"/>
+            <a:schemeClr val="accent1"/>
           </a:solidFill>
           <a:latin typeface="+mn-lt"/>
           <a:ea typeface="+mn-ea"/>
           <a:cs typeface="+mn-cs"/>
         </a:defRPr>
       </a:lvl1pPr>
-      <a:lvl2pPr marL="685800" indent="-228600" algn="l" defTabSz="914400" rtl="0" eaLnBrk="1" latinLnBrk="0" hangingPunct="1">
+      <a:lvl2pPr marL="457200" indent="-182880" algn="l" defTabSz="914400" rtl="0" eaLnBrk="1" latinLnBrk="0" hangingPunct="1">
         <a:lnSpc>
           <a:spcPct val="90000"/>
         </a:lnSpc>
         <a:spcBef>
-          <a:spcPts val="500"/>
+          <a:spcPts val="200"/>
         </a:spcBef>
-        <a:buFont typeface="Arial" panose="020B0604020202020204" pitchFamily="34" charset="0"/>
+        <a:spcAft>
+          <a:spcPts val="400"/>
+        </a:spcAft>
+        <a:buClr>
+          <a:schemeClr val="accent1"/>
+        </a:buClr>
+        <a:buSzPct val="80000"/>
+        <a:buFont typeface="Corbel" pitchFamily="34" charset="0"/>
         <a:buChar char="•"/>
-        <a:defRPr sz="2400" kern="1200">
+        <a:defRPr sz="2000" kern="1200">
           <a:solidFill>
-            <a:schemeClr val="tx1"/>
+            <a:schemeClr val="accent1"/>
           </a:solidFill>
           <a:latin typeface="+mn-lt"/>
           <a:ea typeface="+mn-ea"/>
           <a:cs typeface="+mn-cs"/>
         </a:defRPr>
       </a:lvl2pPr>
-      <a:lvl3pPr marL="1143000" indent="-228600" algn="l" defTabSz="914400" rtl="0" eaLnBrk="1" latinLnBrk="0" hangingPunct="1">
+      <a:lvl3pPr marL="731520" indent="-182880" algn="l" defTabSz="914400" rtl="0" eaLnBrk="1" latinLnBrk="0" hangingPunct="1">
         <a:lnSpc>
           <a:spcPct val="90000"/>
         </a:lnSpc>
         <a:spcBef>
-          <a:spcPts val="500"/>
+          <a:spcPts val="200"/>
         </a:spcBef>
-        <a:buFont typeface="Arial" panose="020B0604020202020204" pitchFamily="34" charset="0"/>
+        <a:spcAft>
+          <a:spcPts val="400"/>
+        </a:spcAft>
+        <a:buClr>
+          <a:schemeClr val="accent1"/>
+        </a:buClr>
+        <a:buSzPct val="80000"/>
+        <a:buFont typeface="Corbel" pitchFamily="34" charset="0"/>
         <a:buChar char="•"/>
-        <a:defRPr sz="2000" kern="1200">
+        <a:defRPr sz="1800" kern="1200">
           <a:solidFill>
-            <a:schemeClr val="tx1"/>
+            <a:schemeClr val="accent1"/>
           </a:solidFill>
           <a:latin typeface="+mn-lt"/>
           <a:ea typeface="+mn-ea"/>
           <a:cs typeface="+mn-cs"/>
         </a:defRPr>
       </a:lvl3pPr>
-      <a:lvl4pPr marL="1600200" indent="-228600" algn="l" defTabSz="914400" rtl="0" eaLnBrk="1" latinLnBrk="0" hangingPunct="1">
+      <a:lvl4pPr marL="1005840" indent="-182880" algn="l" defTabSz="914400" rtl="0" eaLnBrk="1" latinLnBrk="0" hangingPunct="1">
         <a:lnSpc>
           <a:spcPct val="90000"/>
         </a:lnSpc>
         <a:spcBef>
-          <a:spcPts val="500"/>
+          <a:spcPts val="200"/>
         </a:spcBef>
-        <a:buFont typeface="Arial" panose="020B0604020202020204" pitchFamily="34" charset="0"/>
+        <a:spcAft>
+          <a:spcPts val="400"/>
+        </a:spcAft>
+        <a:buClr>
+          <a:schemeClr val="accent1"/>
+        </a:buClr>
+        <a:buSzPct val="80000"/>
+        <a:buFont typeface="Corbel" pitchFamily="34" charset="0"/>
         <a:buChar char="•"/>
-        <a:defRPr sz="1800" kern="1200">
+        <a:defRPr sz="1600" kern="1200">
           <a:solidFill>
-            <a:schemeClr val="tx1"/>
+            <a:schemeClr val="accent1"/>
           </a:solidFill>
           <a:latin typeface="+mn-lt"/>
           <a:ea typeface="+mn-ea"/>
           <a:cs typeface="+mn-cs"/>
         </a:defRPr>
       </a:lvl4pPr>
-      <a:lvl5pPr marL="2057400" indent="-228600" algn="l" defTabSz="914400" rtl="0" eaLnBrk="1" latinLnBrk="0" hangingPunct="1">
+      <a:lvl5pPr marL="1280160" indent="-182880" algn="l" defTabSz="914400" rtl="0" eaLnBrk="1" latinLnBrk="0" hangingPunct="1">
         <a:lnSpc>
           <a:spcPct val="90000"/>
         </a:lnSpc>
         <a:spcBef>
-          <a:spcPts val="500"/>
+          <a:spcPts val="200"/>
         </a:spcBef>
-        <a:buFont typeface="Arial" panose="020B0604020202020204" pitchFamily="34" charset="0"/>
+        <a:spcAft>
+          <a:spcPts val="400"/>
+        </a:spcAft>
+        <a:buClr>
+          <a:schemeClr val="accent1"/>
+        </a:buClr>
+        <a:buSzPct val="80000"/>
+        <a:buFont typeface="Corbel" pitchFamily="34" charset="0"/>
         <a:buChar char="•"/>
-        <a:defRPr sz="1800" kern="1200">
+        <a:defRPr sz="1600" kern="1200">
           <a:solidFill>
-            <a:schemeClr val="tx1"/>
+            <a:schemeClr val="accent1"/>
           </a:solidFill>
           <a:latin typeface="+mn-lt"/>
           <a:ea typeface="+mn-ea"/>
           <a:cs typeface="+mn-cs"/>
         </a:defRPr>
       </a:lvl5pPr>
-      <a:lvl6pPr marL="2514600" indent="-228600" algn="l" defTabSz="914400" rtl="0" eaLnBrk="1" latinLnBrk="0" hangingPunct="1">
+      <a:lvl6pPr marL="1600000" indent="-228600" algn="l" defTabSz="914400" rtl="0" eaLnBrk="1" latinLnBrk="0" hangingPunct="1">
         <a:lnSpc>
           <a:spcPct val="90000"/>
         </a:lnSpc>
         <a:spcBef>
-          <a:spcPts val="500"/>
+          <a:spcPts val="200"/>
         </a:spcBef>
-        <a:buFont typeface="Arial" panose="020B0604020202020204" pitchFamily="34" charset="0"/>
+        <a:spcAft>
+          <a:spcPts val="400"/>
+        </a:spcAft>
+        <a:buClr>
+          <a:schemeClr val="accent1"/>
+        </a:buClr>
+        <a:buSzPct val="80000"/>
+        <a:buFont typeface="Corbel" pitchFamily="34" charset="0"/>
         <a:buChar char="•"/>
-        <a:defRPr sz="1800" kern="1200">
+        <a:defRPr sz="1600" kern="1200">
           <a:solidFill>
-            <a:schemeClr val="tx1"/>
+            <a:schemeClr val="accent1"/>
           </a:solidFill>
           <a:latin typeface="+mn-lt"/>
           <a:ea typeface="+mn-ea"/>
           <a:cs typeface="+mn-cs"/>
         </a:defRPr>
       </a:lvl6pPr>
-      <a:lvl7pPr marL="2971800" indent="-228600" algn="l" defTabSz="914400" rtl="0" eaLnBrk="1" latinLnBrk="0" hangingPunct="1">
+      <a:lvl7pPr marL="1900000" indent="-228600" algn="l" defTabSz="914400" rtl="0" eaLnBrk="1" latinLnBrk="0" hangingPunct="1">
         <a:lnSpc>
           <a:spcPct val="90000"/>
         </a:lnSpc>
         <a:spcBef>
-          <a:spcPts val="500"/>
+          <a:spcPts val="200"/>
         </a:spcBef>
-        <a:buFont typeface="Arial" panose="020B0604020202020204" pitchFamily="34" charset="0"/>
+        <a:spcAft>
+          <a:spcPts val="400"/>
+        </a:spcAft>
+        <a:buClr>
+          <a:schemeClr val="accent1"/>
+        </a:buClr>
+        <a:buSzPct val="80000"/>
+        <a:buFont typeface="Corbel" pitchFamily="34" charset="0"/>
         <a:buChar char="•"/>
-        <a:defRPr sz="1800" kern="1200">
+        <a:defRPr sz="1600" kern="1200">
           <a:solidFill>
-            <a:schemeClr val="tx1"/>
+            <a:schemeClr val="accent1"/>
           </a:solidFill>
           <a:latin typeface="+mn-lt"/>
           <a:ea typeface="+mn-ea"/>
           <a:cs typeface="+mn-cs"/>
         </a:defRPr>
       </a:lvl7pPr>
-      <a:lvl8pPr marL="3429000" indent="-228600" algn="l" defTabSz="914400" rtl="0" eaLnBrk="1" latinLnBrk="0" hangingPunct="1">
+      <a:lvl8pPr marL="2200000" indent="-228600" algn="l" defTabSz="914400" rtl="0" eaLnBrk="1" latinLnBrk="0" hangingPunct="1">
         <a:lnSpc>
           <a:spcPct val="90000"/>
         </a:lnSpc>
         <a:spcBef>
-          <a:spcPts val="500"/>
+          <a:spcPts val="200"/>
         </a:spcBef>
-        <a:buFont typeface="Arial" panose="020B0604020202020204" pitchFamily="34" charset="0"/>
+        <a:spcAft>
+          <a:spcPts val="400"/>
+        </a:spcAft>
+        <a:buClr>
+          <a:schemeClr val="accent1"/>
+        </a:buClr>
+        <a:buSzPct val="80000"/>
+        <a:buFont typeface="Corbel" pitchFamily="34" charset="0"/>
         <a:buChar char="•"/>
-        <a:defRPr sz="1800" kern="1200">
+        <a:defRPr sz="1600" kern="1200">
           <a:solidFill>
-            <a:schemeClr val="tx1"/>
+            <a:schemeClr val="accent1"/>
           </a:solidFill>
           <a:latin typeface="+mn-lt"/>
           <a:ea typeface="+mn-ea"/>
           <a:cs typeface="+mn-cs"/>
         </a:defRPr>
       </a:lvl8pPr>
-      <a:lvl9pPr marL="3886200" indent="-228600" algn="l" defTabSz="914400" rtl="0" eaLnBrk="1" latinLnBrk="0" hangingPunct="1">
+      <a:lvl9pPr marL="2500000" indent="-228600" algn="l" defTabSz="914400" rtl="0" eaLnBrk="1" latinLnBrk="0" hangingPunct="1">
         <a:lnSpc>
           <a:spcPct val="90000"/>
         </a:lnSpc>
         <a:spcBef>
-          <a:spcPts val="500"/>
+          <a:spcPts val="200"/>
         </a:spcBef>
-        <a:buFont typeface="Arial" panose="020B0604020202020204" pitchFamily="34" charset="0"/>
+        <a:spcAft>
+          <a:spcPts val="400"/>
+        </a:spcAft>
+        <a:buClr>
+          <a:schemeClr val="accent1"/>
+        </a:buClr>
+        <a:buSzPct val="80000"/>
+        <a:buFont typeface="Corbel" pitchFamily="34" charset="0"/>
         <a:buChar char="•"/>
-        <a:defRPr sz="1800" kern="1200">
+        <a:defRPr sz="1600" kern="1200">
           <a:solidFill>
-            <a:schemeClr val="tx1"/>
+            <a:schemeClr val="accent1"/>
           </a:solidFill>
           <a:latin typeface="+mn-lt"/>
           <a:ea typeface="+mn-ea"/>
@@ -3333,6 +3358,14 @@
 <file path=ppt/slides/slide1.xml><?xml version="1.0" encoding="utf-8"?>
 <p:sld xmlns:a="http://schemas.openxmlformats.org/drawingml/2006/main" xmlns:r="http://schemas.openxmlformats.org/officeDocument/2006/relationships" xmlns:p="http://schemas.openxmlformats.org/presentationml/2006/main">
   <p:cSld>
+    <p:bg>
+      <p:bgPr>
+        <a:solidFill>
+          <a:schemeClr val="accent4"/>
+        </a:solidFill>
+        <a:effectLst/>
+      </p:bgPr>
+    </p:bg>
     <p:spTree>
       <p:nvGrpSpPr>
         <p:cNvPr id="1" name=""/>
@@ -3349,6 +3382,116 @@
       </p:grpSpPr>
       <p:sp>
         <p:nvSpPr>
+          <p:cNvPr id="26" name="Rectangle 25">
+            <a:extLst>
+              <a:ext uri="{FF2B5EF4-FFF2-40B4-BE49-F238E27FC236}">
+                <a16:creationId xmlns:a16="http://schemas.microsoft.com/office/drawing/2014/main" id="{EA9681CE-BBA0-49F9-8363-09207D318662}"/>
+              </a:ext>
+              <a:ext uri="{C183D7F6-B498-43B3-948B-1728B52AA6E4}">
+                <adec:decorative xmlns:adec="http://schemas.microsoft.com/office/drawing/2017/decorative" val="1"/>
+              </a:ext>
+            </a:extLst>
+          </p:cNvPr>
+          <p:cNvSpPr>
+            <a:spLocks noGrp="1" noRot="1" noChangeAspect="1" noMove="1" noResize="1" noEditPoints="1" noAdjustHandles="1" noChangeArrowheads="1" noChangeShapeType="1" noTextEdit="1"/>
+          </p:cNvSpPr>
+          <p:nvPr>
+            <p:extLst>
+              <p:ext uri="{386F3935-93C4-4BCD-93E2-E3B085C9AB24}">
+                <p16:designElem xmlns:p16="http://schemas.microsoft.com/office/powerpoint/2015/main" val="1"/>
+              </p:ext>
+            </p:extLst>
+          </p:nvPr>
+        </p:nvSpPr>
+        <p:spPr>
+          <a:xfrm>
+            <a:off x="0" y="0"/>
+            <a:ext cx="12192000" cy="6858000"/>
+          </a:xfrm>
+          <a:prstGeom prst="rect">
+            <a:avLst/>
+          </a:prstGeom>
+          <a:solidFill>
+            <a:schemeClr val="accent4"/>
+          </a:solidFill>
+          <a:ln w="12700">
+            <a:noFill/>
+          </a:ln>
+        </p:spPr>
+        <p:style>
+          <a:lnRef idx="2">
+            <a:schemeClr val="accent1">
+              <a:shade val="50000"/>
+            </a:schemeClr>
+          </a:lnRef>
+          <a:fillRef idx="1">
+            <a:schemeClr val="accent1"/>
+          </a:fillRef>
+          <a:effectRef idx="0">
+            <a:schemeClr val="accent1"/>
+          </a:effectRef>
+          <a:fontRef idx="minor">
+            <a:schemeClr val="lt1"/>
+          </a:fontRef>
+        </p:style>
+      </p:sp>
+      <p:sp>
+        <p:nvSpPr>
+          <p:cNvPr id="28" name="Rectangle 27">
+            <a:extLst>
+              <a:ext uri="{FF2B5EF4-FFF2-40B4-BE49-F238E27FC236}">
+                <a16:creationId xmlns:a16="http://schemas.microsoft.com/office/drawing/2014/main" id="{3EBAC690-37C5-465F-99FF-056C244F950A}"/>
+              </a:ext>
+              <a:ext uri="{C183D7F6-B498-43B3-948B-1728B52AA6E4}">
+                <adec:decorative xmlns:adec="http://schemas.microsoft.com/office/drawing/2017/decorative" val="1"/>
+              </a:ext>
+            </a:extLst>
+          </p:cNvPr>
+          <p:cNvSpPr>
+            <a:spLocks noGrp="1" noRot="1" noChangeAspect="1" noMove="1" noResize="1" noEditPoints="1" noAdjustHandles="1" noChangeArrowheads="1" noChangeShapeType="1" noTextEdit="1"/>
+          </p:cNvSpPr>
+          <p:nvPr>
+            <p:extLst>
+              <p:ext uri="{386F3935-93C4-4BCD-93E2-E3B085C9AB24}">
+                <p16:designElem xmlns:p16="http://schemas.microsoft.com/office/powerpoint/2015/main" val="1"/>
+              </p:ext>
+            </p:extLst>
+          </p:nvPr>
+        </p:nvSpPr>
+        <p:spPr>
+          <a:xfrm>
+            <a:off x="228600" y="246888"/>
+            <a:ext cx="11724640" cy="6377939"/>
+          </a:xfrm>
+          <a:prstGeom prst="rect">
+            <a:avLst/>
+          </a:prstGeom>
+          <a:noFill/>
+          <a:ln w="12700">
+            <a:solidFill>
+              <a:schemeClr val="bg1"/>
+            </a:solidFill>
+          </a:ln>
+        </p:spPr>
+        <p:style>
+          <a:lnRef idx="2">
+            <a:schemeClr val="accent1">
+              <a:shade val="50000"/>
+            </a:schemeClr>
+          </a:lnRef>
+          <a:fillRef idx="1">
+            <a:schemeClr val="accent1"/>
+          </a:fillRef>
+          <a:effectRef idx="0">
+            <a:schemeClr val="accent1"/>
+          </a:effectRef>
+          <a:fontRef idx="minor">
+            <a:schemeClr val="lt1"/>
+          </a:fontRef>
+        </p:style>
+      </p:sp>
+      <p:sp>
+        <p:nvSpPr>
           <p:cNvPr id="2" name="Título 1">
             <a:extLst>
               <a:ext uri="{FF2B5EF4-FFF2-40B4-BE49-F238E27FC236}">
@@ -3363,20 +3506,24 @@
             <p:ph type="ctrTitle"/>
           </p:nvPr>
         </p:nvSpPr>
-        <p:spPr/>
+        <p:spPr>
+          <a:xfrm>
+            <a:off x="895467" y="863364"/>
+            <a:ext cx="6657476" cy="5126124"/>
+          </a:xfrm>
+        </p:spPr>
         <p:txBody>
-          <a:bodyPr/>
+          <a:bodyPr anchor="ctr">
+            <a:normAutofit/>
+          </a:bodyPr>
           <a:lstStyle/>
           <a:p>
-            <a:r>
-              <a:rPr lang="pt-PT" dirty="0" err="1"/>
-              <a:t>Renato’s</a:t>
-            </a:r>
-            <a:r>
-              <a:rPr lang="pt-PT" dirty="0"/>
-              <a:t> game</a:t>
-            </a:r>
-            <a:endParaRPr lang="en-US" dirty="0"/>
+            <a:pPr algn="r"/>
+            <a:r>
+              <a:rPr lang="pt-PT" sz="6600"/>
+              <a:t>Renato’s game</a:t>
+            </a:r>
+            <a:endParaRPr lang="en-US" sz="6600"/>
           </a:p>
         </p:txBody>
       </p:sp>
@@ -3396,19 +3543,89 @@
             <p:ph type="subTitle" idx="1"/>
           </p:nvPr>
         </p:nvSpPr>
-        <p:spPr/>
+        <p:spPr>
+          <a:xfrm>
+            <a:off x="8352941" y="863364"/>
+            <a:ext cx="3082986" cy="5120435"/>
+          </a:xfrm>
+        </p:spPr>
         <p:txBody>
-          <a:bodyPr/>
+          <a:bodyPr anchor="ctr">
+            <a:normAutofit/>
+          </a:bodyPr>
           <a:lstStyle/>
           <a:p>
-            <a:r>
-              <a:rPr lang="pt-PT" dirty="0" err="1"/>
+            <a:pPr algn="l"/>
+            <a:r>
+              <a:rPr lang="pt-PT" sz="2000">
+                <a:solidFill>
+                  <a:srgbClr val="F2F2F2"/>
+                </a:solidFill>
+              </a:rPr>
               <a:t>improved</a:t>
             </a:r>
-            <a:endParaRPr lang="en-US" dirty="0"/>
+            <a:endParaRPr lang="en-US" sz="2000">
+              <a:solidFill>
+                <a:srgbClr val="F2F2F2"/>
+              </a:solidFill>
+            </a:endParaRPr>
           </a:p>
         </p:txBody>
       </p:sp>
+      <p:cxnSp>
+        <p:nvCxnSpPr>
+          <p:cNvPr id="30" name="Straight Connector 29">
+            <a:extLst>
+              <a:ext uri="{FF2B5EF4-FFF2-40B4-BE49-F238E27FC236}">
+                <a16:creationId xmlns:a16="http://schemas.microsoft.com/office/drawing/2014/main" id="{20129D1B-5EF7-4D54-8EE3-90A400E4027A}"/>
+              </a:ext>
+              <a:ext uri="{C183D7F6-B498-43B3-948B-1728B52AA6E4}">
+                <adec:decorative xmlns:adec="http://schemas.microsoft.com/office/drawing/2017/decorative" val="1"/>
+              </a:ext>
+            </a:extLst>
+          </p:cNvPr>
+          <p:cNvCxnSpPr>
+            <a:cxnSpLocks noGrp="1" noRot="1" noChangeAspect="1" noMove="1" noResize="1" noEditPoints="1" noAdjustHandles="1" noChangeArrowheads="1" noChangeShapeType="1"/>
+          </p:cNvCxnSpPr>
+          <p:nvPr>
+            <p:extLst>
+              <p:ext uri="{386F3935-93C4-4BCD-93E2-E3B085C9AB24}">
+                <p16:designElem xmlns:p16="http://schemas.microsoft.com/office/powerpoint/2015/main" val="1"/>
+              </p:ext>
+            </p:extLst>
+          </p:nvPr>
+        </p:nvCxnSpPr>
+        <p:spPr>
+          <a:xfrm flipV="1">
+            <a:off x="7961243" y="2054826"/>
+            <a:ext cx="0" cy="2743200"/>
+          </a:xfrm>
+          <a:prstGeom prst="line">
+            <a:avLst/>
+          </a:prstGeom>
+          <a:ln w="12700">
+            <a:solidFill>
+              <a:schemeClr val="bg1">
+                <a:alpha val="80000"/>
+              </a:schemeClr>
+            </a:solidFill>
+          </a:ln>
+        </p:spPr>
+        <p:style>
+          <a:lnRef idx="1">
+            <a:schemeClr val="accent1"/>
+          </a:lnRef>
+          <a:fillRef idx="0">
+            <a:schemeClr val="accent1"/>
+          </a:fillRef>
+          <a:effectRef idx="0">
+            <a:schemeClr val="accent1"/>
+          </a:effectRef>
+          <a:fontRef idx="minor">
+            <a:schemeClr val="tx1"/>
+          </a:fontRef>
+        </p:style>
+      </p:cxnSp>
     </p:spTree>
     <p:extLst>
       <p:ext uri="{BB962C8B-B14F-4D97-AF65-F5344CB8AC3E}">
@@ -3425,6 +3642,14 @@
 <file path=ppt/slides/slide2.xml><?xml version="1.0" encoding="utf-8"?>
 <p:sld xmlns:a="http://schemas.openxmlformats.org/drawingml/2006/main" xmlns:r="http://schemas.openxmlformats.org/officeDocument/2006/relationships" xmlns:p="http://schemas.openxmlformats.org/presentationml/2006/main">
   <p:cSld>
+    <p:bg>
+      <p:bgPr>
+        <a:solidFill>
+          <a:schemeClr val="accent4"/>
+        </a:solidFill>
+        <a:effectLst/>
+      </p:bgPr>
+    </p:bg>
     <p:spTree>
       <p:nvGrpSpPr>
         <p:cNvPr id="1" name=""/>
@@ -3455,32 +3680,61 @@
             <p:ph type="title"/>
           </p:nvPr>
         </p:nvSpPr>
-        <p:spPr/>
+        <p:spPr>
+          <a:xfrm>
+            <a:off x="609600" y="499567"/>
+            <a:ext cx="9875520" cy="1356360"/>
+          </a:xfrm>
+        </p:spPr>
         <p:txBody>
           <a:bodyPr/>
           <a:lstStyle/>
           <a:p>
             <a:r>
-              <a:rPr lang="pt-PT" dirty="0"/>
+              <a:rPr lang="pt-PT" dirty="0">
+                <a:solidFill>
+                  <a:schemeClr val="accent4"/>
+                </a:solidFill>
+              </a:rPr>
               <a:t>Rules </a:t>
             </a:r>
             <a:r>
-              <a:rPr lang="pt-PT" dirty="0" err="1"/>
+              <a:rPr lang="pt-PT" dirty="0" err="1">
+                <a:solidFill>
+                  <a:schemeClr val="accent4"/>
+                </a:solidFill>
+              </a:rPr>
               <a:t>of</a:t>
             </a:r>
             <a:r>
-              <a:rPr lang="pt-PT" dirty="0"/>
+              <a:rPr lang="pt-PT" dirty="0">
+                <a:solidFill>
+                  <a:schemeClr val="accent4"/>
+                </a:solidFill>
+              </a:rPr>
               <a:t> </a:t>
             </a:r>
             <a:r>
-              <a:rPr lang="pt-PT" dirty="0" err="1"/>
+              <a:rPr lang="pt-PT" dirty="0" err="1">
+                <a:solidFill>
+                  <a:schemeClr val="accent4"/>
+                </a:solidFill>
+              </a:rPr>
               <a:t>the</a:t>
             </a:r>
             <a:r>
-              <a:rPr lang="pt-PT" dirty="0"/>
+              <a:rPr lang="pt-PT" dirty="0">
+                <a:solidFill>
+                  <a:schemeClr val="accent4"/>
+                </a:solidFill>
+              </a:rPr>
               <a:t> game</a:t>
             </a:r>
-            <a:endParaRPr lang="en-US" dirty="0"/>
+            <a:endParaRPr lang="en-US" dirty="0">
+              <a:solidFill>
+                <a:schemeClr val="accent4"/>
+              </a:solidFill>
+            </a:endParaRPr>
           </a:p>
         </p:txBody>
       </p:sp>
@@ -3689,8 +3943,8 @@
           </a:p>
         </p:txBody>
       </p:sp>
-      <mc:AlternateContent xmlns:mc="http://schemas.openxmlformats.org/markup-compatibility/2006">
-        <mc:Choice xmlns:a14="http://schemas.microsoft.com/office/drawing/2010/main" Requires="a14">
+      <mc:AlternateContent xmlns:mc="http://schemas.openxmlformats.org/markup-compatibility/2006" xmlns:a14="http://schemas.microsoft.com/office/drawing/2010/main">
+        <mc:Choice Requires="a14">
           <p:sp>
             <p:nvSpPr>
               <p:cNvPr id="44" name="CaixaDeTexto 43">
@@ -3719,6 +3973,7 @@
               </a:bodyPr>
               <a:lstStyle/>
               <a:p>
+                <a:pPr/>
                 <a14:m>
                   <m:oMathPara xmlns:m="http://schemas.openxmlformats.org/officeDocument/2006/math">
                     <m:oMathParaPr>
@@ -3751,7 +4006,7 @@
             </p:txBody>
           </p:sp>
         </mc:Choice>
-        <mc:Fallback>
+        <mc:Fallback xmlns="">
           <p:sp>
             <p:nvSpPr>
               <p:cNvPr id="44" name="CaixaDeTexto 43">
@@ -3889,8 +4144,8 @@
             </p:nvSpPr>
             <p:spPr>
               <a:xfrm>
-                <a:off x="10135186" y="3152184"/>
-                <a:ext cx="2098203" cy="369332"/>
+                <a:off x="10244777" y="3206223"/>
+                <a:ext cx="1712328" cy="307777"/>
               </a:xfrm>
               <a:prstGeom prst="rect">
                 <a:avLst/>
@@ -3903,6 +4158,7 @@
               </a:bodyPr>
               <a:lstStyle/>
               <a:p>
+                <a:pPr/>
                 <a14:m>
                   <m:oMathPara xmlns:m="http://schemas.openxmlformats.org/officeDocument/2006/math">
                     <m:oMathParaPr>
@@ -3910,13 +4166,13 @@
                     </m:oMathParaPr>
                     <m:oMath xmlns:m="http://schemas.openxmlformats.org/officeDocument/2006/math">
                       <m:r>
-                        <a:rPr lang="en-US" sz="2400" i="1" smtClean="0">
+                        <a:rPr lang="en-US" sz="2000" i="1" smtClean="0">
                           <a:latin typeface="Cambria Math" panose="02040503050406030204" pitchFamily="18" charset="0"/>
                         </a:rPr>
                         <m:t>𝑧</m:t>
                       </m:r>
                       <m:r>
-                        <a:rPr lang="en-US" sz="2400" i="0">
+                        <a:rPr lang="en-US" sz="2000" i="0">
                           <a:latin typeface="Cambria Math" panose="02040503050406030204" pitchFamily="18" charset="0"/>
                         </a:rPr>
                         <m:t>∈</m:t>
@@ -3926,7 +4182,7 @@
                           <m:begChr m:val="{"/>
                           <m:endChr m:val="}"/>
                           <m:ctrlPr>
-                            <a:rPr lang="en-US" sz="2400" i="1">
+                            <a:rPr lang="en-US" sz="2000" i="1">
                               <a:latin typeface="Cambria Math" panose="02040503050406030204" pitchFamily="18" charset="0"/>
                             </a:rPr>
                           </m:ctrlPr>
@@ -3936,19 +4192,19 @@
                             <m:rPr>
                               <m:sty m:val="p"/>
                             </m:rPr>
-                            <a:rPr lang="pt-PT" sz="2400" b="0" i="0" smtClean="0">
+                            <a:rPr lang="pt-PT" sz="2000" b="0" i="0" smtClean="0">
                               <a:latin typeface="Cambria Math" panose="02040503050406030204" pitchFamily="18" charset="0"/>
                             </a:rPr>
                             <m:t>odd</m:t>
                           </m:r>
                           <m:r>
-                            <a:rPr lang="en-US" sz="2400" i="0">
+                            <a:rPr lang="en-US" sz="2000" i="0">
                               <a:latin typeface="Cambria Math" panose="02040503050406030204" pitchFamily="18" charset="0"/>
                             </a:rPr>
                             <m:t>,</m:t>
                           </m:r>
                           <m:r>
-                            <a:rPr lang="pt-PT" sz="2400" b="0" i="1" smtClean="0">
+                            <a:rPr lang="pt-PT" sz="2000" b="0" i="1" smtClean="0">
                               <a:latin typeface="Cambria Math" panose="02040503050406030204" pitchFamily="18" charset="0"/>
                             </a:rPr>
                             <m:t> </m:t>
@@ -3957,7 +4213,7 @@
                             <m:rPr>
                               <m:sty m:val="p"/>
                             </m:rPr>
-                            <a:rPr lang="pt-PT" sz="2400" b="0" i="0" smtClean="0">
+                            <a:rPr lang="pt-PT" sz="2000" b="0" i="0" smtClean="0">
                               <a:latin typeface="Cambria Math" panose="02040503050406030204" pitchFamily="18" charset="0"/>
                             </a:rPr>
                             <m:t>even</m:t>
@@ -3967,7 +4223,7 @@
                     </m:oMath>
                   </m:oMathPara>
                 </a14:m>
-                <a:endParaRPr lang="en-US" sz="2400" dirty="0"/>
+                <a:endParaRPr lang="en-US" sz="2000" dirty="0"/>
               </a:p>
             </p:txBody>
           </p:sp>
@@ -3989,8 +4245,8 @@
             </p:nvSpPr>
             <p:spPr>
               <a:xfrm>
-                <a:off x="10135186" y="3152184"/>
-                <a:ext cx="2098203" cy="369332"/>
+                <a:off x="10244777" y="3206223"/>
+                <a:ext cx="1712328" cy="307777"/>
               </a:xfrm>
               <a:prstGeom prst="rect">
                 <a:avLst/>
@@ -3998,7 +4254,7 @@
               <a:blipFill>
                 <a:blip r:embed="rId3"/>
                 <a:stretch>
-                  <a:fillRect l="-872" b="-6557"/>
+                  <a:fillRect l="-2143" b="-8000"/>
                 </a:stretch>
               </a:blipFill>
             </p:spPr>
@@ -4007,7 +4263,7 @@
               <a:lstStyle/>
               <a:p>
                 <a:r>
-                  <a:rPr lang="en-US">
+                  <a:rPr lang="pt-PT">
                     <a:noFill/>
                   </a:rPr>
                   <a:t> </a:t>
@@ -4596,8 +4852,8 @@
           </a:p>
         </p:txBody>
       </p:sp>
-      <mc:AlternateContent xmlns:mc="http://schemas.openxmlformats.org/markup-compatibility/2006">
-        <mc:Choice xmlns:a14="http://schemas.microsoft.com/office/drawing/2010/main" Requires="a14">
+      <mc:AlternateContent xmlns:mc="http://schemas.openxmlformats.org/markup-compatibility/2006" xmlns:a14="http://schemas.microsoft.com/office/drawing/2010/main">
+        <mc:Choice Requires="a14">
           <p:sp>
             <p:nvSpPr>
               <p:cNvPr id="73" name="CaixaDeTexto 72">
@@ -4626,6 +4882,7 @@
               </a:bodyPr>
               <a:lstStyle/>
               <a:p>
+                <a:pPr/>
                 <a14:m>
                   <m:oMathPara xmlns:m="http://schemas.openxmlformats.org/officeDocument/2006/math">
                     <m:oMathParaPr>
@@ -4658,7 +4915,7 @@
             </p:txBody>
           </p:sp>
         </mc:Choice>
-        <mc:Fallback>
+        <mc:Fallback xmlns="">
           <p:sp>
             <p:nvSpPr>
               <p:cNvPr id="73" name="CaixaDeTexto 72">
@@ -4703,8 +4960,8 @@
           </p:sp>
         </mc:Fallback>
       </mc:AlternateContent>
-      <mc:AlternateContent xmlns:mc="http://schemas.openxmlformats.org/markup-compatibility/2006">
-        <mc:Choice xmlns:a14="http://schemas.microsoft.com/office/drawing/2010/main" Requires="a14">
+      <mc:AlternateContent xmlns:mc="http://schemas.openxmlformats.org/markup-compatibility/2006" xmlns:a14="http://schemas.microsoft.com/office/drawing/2010/main">
+        <mc:Choice Requires="a14">
           <p:sp>
             <p:nvSpPr>
               <p:cNvPr id="74" name="CaixaDeTexto 73">
@@ -4733,6 +4990,7 @@
               </a:bodyPr>
               <a:lstStyle/>
               <a:p>
+                <a:pPr/>
                 <a14:m>
                   <m:oMathPara xmlns:m="http://schemas.openxmlformats.org/officeDocument/2006/math">
                     <m:oMathParaPr>
@@ -4765,7 +5023,7 @@
             </p:txBody>
           </p:sp>
         </mc:Choice>
-        <mc:Fallback>
+        <mc:Fallback xmlns="">
           <p:sp>
             <p:nvSpPr>
               <p:cNvPr id="74" name="CaixaDeTexto 73">
@@ -4810,8 +5068,8 @@
           </p:sp>
         </mc:Fallback>
       </mc:AlternateContent>
-      <mc:AlternateContent xmlns:mc="http://schemas.openxmlformats.org/markup-compatibility/2006">
-        <mc:Choice xmlns:a14="http://schemas.microsoft.com/office/drawing/2010/main" Requires="a14">
+      <mc:AlternateContent xmlns:mc="http://schemas.openxmlformats.org/markup-compatibility/2006" xmlns:a14="http://schemas.microsoft.com/office/drawing/2010/main">
+        <mc:Choice Requires="a14">
           <p:sp>
             <p:nvSpPr>
               <p:cNvPr id="75" name="CaixaDeTexto 74">
@@ -4840,6 +5098,7 @@
               </a:bodyPr>
               <a:lstStyle/>
               <a:p>
+                <a:pPr/>
                 <a14:m>
                   <m:oMathPara xmlns:m="http://schemas.openxmlformats.org/officeDocument/2006/math">
                     <m:oMathParaPr>
@@ -4872,7 +5131,7 @@
             </p:txBody>
           </p:sp>
         </mc:Choice>
-        <mc:Fallback>
+        <mc:Fallback xmlns="">
           <p:sp>
             <p:nvSpPr>
               <p:cNvPr id="75" name="CaixaDeTexto 74">
@@ -4962,8 +5221,8 @@
           </a:p>
         </p:txBody>
       </p:sp>
-      <mc:AlternateContent xmlns:mc="http://schemas.openxmlformats.org/markup-compatibility/2006">
-        <mc:Choice xmlns:a14="http://schemas.microsoft.com/office/drawing/2010/main" Requires="a14">
+      <mc:AlternateContent xmlns:mc="http://schemas.openxmlformats.org/markup-compatibility/2006" xmlns:a14="http://schemas.microsoft.com/office/drawing/2010/main">
+        <mc:Choice Requires="a14">
           <p:sp>
             <p:nvSpPr>
               <p:cNvPr id="78" name="CaixaDeTexto 77">
@@ -4992,6 +5251,7 @@
               </a:bodyPr>
               <a:lstStyle/>
               <a:p>
+                <a:pPr/>
                 <a14:m>
                   <m:oMathPara xmlns:m="http://schemas.openxmlformats.org/officeDocument/2006/math">
                     <m:oMathParaPr>
@@ -5012,7 +5272,7 @@
             </p:txBody>
           </p:sp>
         </mc:Choice>
-        <mc:Fallback>
+        <mc:Fallback xmlns="">
           <p:sp>
             <p:nvSpPr>
               <p:cNvPr id="78" name="CaixaDeTexto 77">
@@ -5071,7 +5331,7 @@
         </p:nvSpPr>
         <p:spPr>
           <a:xfrm>
-            <a:off x="5248502" y="310807"/>
+            <a:off x="5249065" y="457179"/>
             <a:ext cx="6591300" cy="2062103"/>
           </a:xfrm>
           <a:prstGeom prst="rect">
@@ -5226,6 +5486,14 @@
 <file path=ppt/slides/slide3.xml><?xml version="1.0" encoding="utf-8"?>
 <p:sld xmlns:a="http://schemas.openxmlformats.org/drawingml/2006/main" xmlns:r="http://schemas.openxmlformats.org/officeDocument/2006/relationships" xmlns:p="http://schemas.openxmlformats.org/presentationml/2006/main">
   <p:cSld>
+    <p:bg>
+      <p:bgPr>
+        <a:solidFill>
+          <a:schemeClr val="accent4"/>
+        </a:solidFill>
+        <a:effectLst/>
+      </p:bgPr>
+    </p:bg>
     <p:spTree>
       <p:nvGrpSpPr>
         <p:cNvPr id="1" name=""/>
@@ -5240,48 +5508,6 @@
           <a:chExt cx="0" cy="0"/>
         </a:xfrm>
       </p:grpSpPr>
-      <p:sp>
-        <p:nvSpPr>
-          <p:cNvPr id="2" name="Título 1">
-            <a:extLst>
-              <a:ext uri="{FF2B5EF4-FFF2-40B4-BE49-F238E27FC236}">
-                <a16:creationId xmlns:a16="http://schemas.microsoft.com/office/drawing/2014/main" id="{DA723C55-7037-4D60-8FDF-36CB51192959}"/>
-              </a:ext>
-            </a:extLst>
-          </p:cNvPr>
-          <p:cNvSpPr>
-            <a:spLocks noGrp="1"/>
-          </p:cNvSpPr>
-          <p:nvPr>
-            <p:ph type="title"/>
-          </p:nvPr>
-        </p:nvSpPr>
-        <p:spPr>
-          <a:xfrm>
-            <a:off x="838200" y="365125"/>
-            <a:ext cx="10515600" cy="1325563"/>
-          </a:xfrm>
-        </p:spPr>
-        <p:txBody>
-          <a:bodyPr/>
-          <a:lstStyle/>
-          <a:p>
-            <a:r>
-              <a:rPr lang="pt-PT" dirty="0" err="1"/>
-              <a:t>Second</a:t>
-            </a:r>
-            <a:r>
-              <a:rPr lang="pt-PT" dirty="0"/>
-              <a:t> </a:t>
-            </a:r>
-            <a:r>
-              <a:rPr lang="pt-PT" dirty="0" err="1"/>
-              <a:t>approach</a:t>
-            </a:r>
-            <a:endParaRPr lang="en-US" dirty="0"/>
-          </a:p>
-        </p:txBody>
-      </p:sp>
       <p:grpSp>
         <p:nvGrpSpPr>
           <p:cNvPr id="37" name="Agrupar 36">
@@ -5487,8 +5713,8 @@
           </a:p>
         </p:txBody>
       </p:sp>
-      <mc:AlternateContent xmlns:mc="http://schemas.openxmlformats.org/markup-compatibility/2006">
-        <mc:Choice xmlns:a14="http://schemas.microsoft.com/office/drawing/2010/main" Requires="a14">
+      <mc:AlternateContent xmlns:mc="http://schemas.openxmlformats.org/markup-compatibility/2006" xmlns:a14="http://schemas.microsoft.com/office/drawing/2010/main">
+        <mc:Choice Requires="a14">
           <p:sp>
             <p:nvSpPr>
               <p:cNvPr id="43" name="CaixaDeTexto 42">
@@ -5517,6 +5743,7 @@
               </a:bodyPr>
               <a:lstStyle/>
               <a:p>
+                <a:pPr/>
                 <a14:m>
                   <m:oMathPara xmlns:m="http://schemas.openxmlformats.org/officeDocument/2006/math">
                     <m:oMathParaPr>
@@ -5549,7 +5776,7 @@
             </p:txBody>
           </p:sp>
         </mc:Choice>
-        <mc:Fallback>
+        <mc:Fallback xmlns="">
           <p:sp>
             <p:nvSpPr>
               <p:cNvPr id="43" name="CaixaDeTexto 42">
@@ -5671,8 +5898,8 @@
           </a:p>
         </p:txBody>
       </p:sp>
-      <mc:AlternateContent xmlns:mc="http://schemas.openxmlformats.org/markup-compatibility/2006">
-        <mc:Choice xmlns:a14="http://schemas.microsoft.com/office/drawing/2010/main" Requires="a14">
+      <mc:AlternateContent xmlns:mc="http://schemas.openxmlformats.org/markup-compatibility/2006" xmlns:a14="http://schemas.microsoft.com/office/drawing/2010/main">
+        <mc:Choice Requires="a14">
           <p:sp>
             <p:nvSpPr>
               <p:cNvPr id="46" name="CaixaDeTexto 45">
@@ -5701,6 +5928,7 @@
               </a:bodyPr>
               <a:lstStyle/>
               <a:p>
+                <a:pPr/>
                 <a14:m>
                   <m:oMathPara xmlns:m="http://schemas.openxmlformats.org/officeDocument/2006/math">
                     <m:oMathParaPr>
@@ -5767,7 +5995,7 @@
             </p:txBody>
           </p:sp>
         </mc:Choice>
-        <mc:Fallback>
+        <mc:Fallback xmlns="">
           <p:sp>
             <p:nvSpPr>
               <p:cNvPr id="46" name="CaixaDeTexto 45">
@@ -6391,8 +6619,8 @@
           </a:p>
         </p:txBody>
       </p:sp>
-      <mc:AlternateContent xmlns:mc="http://schemas.openxmlformats.org/markup-compatibility/2006">
-        <mc:Choice xmlns:a14="http://schemas.microsoft.com/office/drawing/2010/main" Requires="a14">
+      <mc:AlternateContent xmlns:mc="http://schemas.openxmlformats.org/markup-compatibility/2006" xmlns:a14="http://schemas.microsoft.com/office/drawing/2010/main">
+        <mc:Choice Requires="a14">
           <p:sp>
             <p:nvSpPr>
               <p:cNvPr id="64" name="CaixaDeTexto 63">
@@ -6421,6 +6649,7 @@
               </a:bodyPr>
               <a:lstStyle/>
               <a:p>
+                <a:pPr/>
                 <a14:m>
                   <m:oMathPara xmlns:m="http://schemas.openxmlformats.org/officeDocument/2006/math">
                     <m:oMathParaPr>
@@ -6453,7 +6682,7 @@
             </p:txBody>
           </p:sp>
         </mc:Choice>
-        <mc:Fallback>
+        <mc:Fallback xmlns="">
           <p:sp>
             <p:nvSpPr>
               <p:cNvPr id="64" name="CaixaDeTexto 63">
@@ -6498,8 +6727,8 @@
           </p:sp>
         </mc:Fallback>
       </mc:AlternateContent>
-      <mc:AlternateContent xmlns:mc="http://schemas.openxmlformats.org/markup-compatibility/2006">
-        <mc:Choice xmlns:a14="http://schemas.microsoft.com/office/drawing/2010/main" Requires="a14">
+      <mc:AlternateContent xmlns:mc="http://schemas.openxmlformats.org/markup-compatibility/2006" xmlns:a14="http://schemas.microsoft.com/office/drawing/2010/main">
+        <mc:Choice Requires="a14">
           <p:sp>
             <p:nvSpPr>
               <p:cNvPr id="65" name="CaixaDeTexto 64">
@@ -6528,6 +6757,7 @@
               </a:bodyPr>
               <a:lstStyle/>
               <a:p>
+                <a:pPr/>
                 <a14:m>
                   <m:oMathPara xmlns:m="http://schemas.openxmlformats.org/officeDocument/2006/math">
                     <m:oMathParaPr>
@@ -6560,7 +6790,7 @@
             </p:txBody>
           </p:sp>
         </mc:Choice>
-        <mc:Fallback>
+        <mc:Fallback xmlns="">
           <p:sp>
             <p:nvSpPr>
               <p:cNvPr id="65" name="CaixaDeTexto 64">
@@ -6605,8 +6835,8 @@
           </p:sp>
         </mc:Fallback>
       </mc:AlternateContent>
-      <mc:AlternateContent xmlns:mc="http://schemas.openxmlformats.org/markup-compatibility/2006">
-        <mc:Choice xmlns:a14="http://schemas.microsoft.com/office/drawing/2010/main" Requires="a14">
+      <mc:AlternateContent xmlns:mc="http://schemas.openxmlformats.org/markup-compatibility/2006" xmlns:a14="http://schemas.microsoft.com/office/drawing/2010/main">
+        <mc:Choice Requires="a14">
           <p:sp>
             <p:nvSpPr>
               <p:cNvPr id="66" name="CaixaDeTexto 65">
@@ -6635,6 +6865,7 @@
               </a:bodyPr>
               <a:lstStyle/>
               <a:p>
+                <a:pPr/>
                 <a14:m>
                   <m:oMathPara xmlns:m="http://schemas.openxmlformats.org/officeDocument/2006/math">
                     <m:oMathParaPr>
@@ -6667,7 +6898,7 @@
             </p:txBody>
           </p:sp>
         </mc:Choice>
-        <mc:Fallback>
+        <mc:Fallback xmlns="">
           <p:sp>
             <p:nvSpPr>
               <p:cNvPr id="66" name="CaixaDeTexto 65">
@@ -6757,8 +6988,8 @@
           </a:p>
         </p:txBody>
       </p:sp>
-      <mc:AlternateContent xmlns:mc="http://schemas.openxmlformats.org/markup-compatibility/2006">
-        <mc:Choice xmlns:a14="http://schemas.microsoft.com/office/drawing/2010/main" Requires="a14">
+      <mc:AlternateContent xmlns:mc="http://schemas.openxmlformats.org/markup-compatibility/2006" xmlns:a14="http://schemas.microsoft.com/office/drawing/2010/main">
+        <mc:Choice Requires="a14">
           <p:sp>
             <p:nvSpPr>
               <p:cNvPr id="68" name="CaixaDeTexto 67">
@@ -6787,6 +7018,7 @@
               </a:bodyPr>
               <a:lstStyle/>
               <a:p>
+                <a:pPr/>
                 <a14:m>
                   <m:oMathPara xmlns:m="http://schemas.openxmlformats.org/officeDocument/2006/math">
                     <m:oMathParaPr>
@@ -6807,7 +7039,7 @@
             </p:txBody>
           </p:sp>
         </mc:Choice>
-        <mc:Fallback>
+        <mc:Fallback xmlns="">
           <p:sp>
             <p:nvSpPr>
               <p:cNvPr id="68" name="CaixaDeTexto 67">
@@ -6852,6 +7084,69 @@
           </p:sp>
         </mc:Fallback>
       </mc:AlternateContent>
+      <p:sp>
+        <p:nvSpPr>
+          <p:cNvPr id="69" name="Título 1">
+            <a:extLst>
+              <a:ext uri="{FF2B5EF4-FFF2-40B4-BE49-F238E27FC236}">
+                <a16:creationId xmlns:a16="http://schemas.microsoft.com/office/drawing/2014/main" id="{329365B5-257D-4E30-B14A-DD4379746EBC}"/>
+              </a:ext>
+            </a:extLst>
+          </p:cNvPr>
+          <p:cNvSpPr txBox="1">
+            <a:spLocks/>
+          </p:cNvSpPr>
+          <p:nvPr/>
+        </p:nvSpPr>
+        <p:spPr>
+          <a:xfrm>
+            <a:off x="914400" y="475544"/>
+            <a:ext cx="9875520" cy="1356360"/>
+          </a:xfrm>
+          <a:prstGeom prst="rect">
+            <a:avLst/>
+          </a:prstGeom>
+        </p:spPr>
+        <p:txBody>
+          <a:bodyPr vert="horz" lIns="91440" tIns="45720" rIns="91440" bIns="45720" rtlCol="0" anchor="ctr">
+            <a:normAutofit/>
+          </a:bodyPr>
+          <a:lstStyle>
+            <a:lvl1pPr algn="l" defTabSz="914400" rtl="0" eaLnBrk="1" latinLnBrk="0" hangingPunct="1">
+              <a:lnSpc>
+                <a:spcPct val="90000"/>
+              </a:lnSpc>
+              <a:spcBef>
+                <a:spcPct val="0"/>
+              </a:spcBef>
+              <a:buNone/>
+              <a:defRPr sz="4400" kern="1200">
+                <a:solidFill>
+                  <a:schemeClr val="accent1"/>
+                </a:solidFill>
+                <a:latin typeface="+mj-lt"/>
+                <a:ea typeface="+mj-ea"/>
+                <a:cs typeface="+mj-cs"/>
+              </a:defRPr>
+            </a:lvl1pPr>
+          </a:lstStyle>
+          <a:p>
+            <a:r>
+              <a:rPr lang="pt-PT">
+                <a:solidFill>
+                  <a:schemeClr val="accent4"/>
+                </a:solidFill>
+              </a:rPr>
+              <a:t>Second approach</a:t>
+            </a:r>
+            <a:endParaRPr lang="en-US" dirty="0">
+              <a:solidFill>
+                <a:schemeClr val="accent4"/>
+              </a:solidFill>
+            </a:endParaRPr>
+          </a:p>
+        </p:txBody>
+      </p:sp>
     </p:spTree>
     <p:extLst>
       <p:ext uri="{BB962C8B-B14F-4D97-AF65-F5344CB8AC3E}">
@@ -6868,6 +7163,14 @@
 <file path=ppt/slides/slide4.xml><?xml version="1.0" encoding="utf-8"?>
 <p:sld xmlns:a="http://schemas.openxmlformats.org/drawingml/2006/main" xmlns:r="http://schemas.openxmlformats.org/officeDocument/2006/relationships" xmlns:p="http://schemas.openxmlformats.org/presentationml/2006/main">
   <p:cSld>
+    <p:bg>
+      <p:bgPr>
+        <a:solidFill>
+          <a:schemeClr val="accent4"/>
+        </a:solidFill>
+        <a:effectLst/>
+      </p:bgPr>
+    </p:bg>
     <p:spTree>
       <p:nvGrpSpPr>
         <p:cNvPr id="1" name=""/>
@@ -6898,24 +7201,45 @@
             <p:ph type="title"/>
           </p:nvPr>
         </p:nvSpPr>
-        <p:spPr/>
+        <p:spPr>
+          <a:xfrm>
+            <a:off x="914400" y="475544"/>
+            <a:ext cx="9875520" cy="1356360"/>
+          </a:xfrm>
+        </p:spPr>
         <p:txBody>
           <a:bodyPr/>
           <a:lstStyle/>
           <a:p>
             <a:r>
-              <a:rPr lang="pt-PT" dirty="0" err="1"/>
+              <a:rPr lang="pt-PT" dirty="0" err="1">
+                <a:solidFill>
+                  <a:schemeClr val="accent4"/>
+                </a:solidFill>
+              </a:rPr>
               <a:t>Second</a:t>
             </a:r>
             <a:r>
-              <a:rPr lang="pt-PT" dirty="0"/>
+              <a:rPr lang="pt-PT" dirty="0">
+                <a:solidFill>
+                  <a:schemeClr val="accent4"/>
+                </a:solidFill>
+              </a:rPr>
               <a:t> </a:t>
             </a:r>
             <a:r>
-              <a:rPr lang="pt-PT" dirty="0" err="1"/>
+              <a:rPr lang="pt-PT" dirty="0" err="1">
+                <a:solidFill>
+                  <a:schemeClr val="accent4"/>
+                </a:solidFill>
+              </a:rPr>
               <a:t>approach</a:t>
             </a:r>
-            <a:endParaRPr lang="en-US" dirty="0"/>
+            <a:endParaRPr lang="en-US" dirty="0">
+              <a:solidFill>
+                <a:schemeClr val="accent4"/>
+              </a:solidFill>
+            </a:endParaRPr>
           </a:p>
         </p:txBody>
       </p:sp>
@@ -8584,6 +8908,14 @@
 <file path=ppt/slides/slide5.xml><?xml version="1.0" encoding="utf-8"?>
 <p:sld xmlns:a="http://schemas.openxmlformats.org/drawingml/2006/main" xmlns:r="http://schemas.openxmlformats.org/officeDocument/2006/relationships" xmlns:p="http://schemas.openxmlformats.org/presentationml/2006/main">
   <p:cSld>
+    <p:bg>
+      <p:bgPr>
+        <a:solidFill>
+          <a:schemeClr val="accent4"/>
+        </a:solidFill>
+        <a:effectLst/>
+      </p:bgPr>
+    </p:bg>
     <p:spTree>
       <p:nvGrpSpPr>
         <p:cNvPr id="1" name=""/>
@@ -8598,43 +8930,6 @@
           <a:chExt cx="0" cy="0"/>
         </a:xfrm>
       </p:grpSpPr>
-      <p:sp>
-        <p:nvSpPr>
-          <p:cNvPr id="2" name="Título 1">
-            <a:extLst>
-              <a:ext uri="{FF2B5EF4-FFF2-40B4-BE49-F238E27FC236}">
-                <a16:creationId xmlns:a16="http://schemas.microsoft.com/office/drawing/2014/main" id="{4C7F8725-71E0-43FE-9A21-D14206C8C8C9}"/>
-              </a:ext>
-            </a:extLst>
-          </p:cNvPr>
-          <p:cNvSpPr>
-            <a:spLocks noGrp="1"/>
-          </p:cNvSpPr>
-          <p:nvPr>
-            <p:ph type="title"/>
-          </p:nvPr>
-        </p:nvSpPr>
-        <p:spPr/>
-        <p:txBody>
-          <a:bodyPr/>
-          <a:lstStyle/>
-          <a:p>
-            <a:r>
-              <a:rPr lang="pt-PT" dirty="0" err="1"/>
-              <a:t>Third</a:t>
-            </a:r>
-            <a:r>
-              <a:rPr lang="pt-PT" dirty="0"/>
-              <a:t> </a:t>
-            </a:r>
-            <a:r>
-              <a:rPr lang="pt-PT" dirty="0" err="1"/>
-              <a:t>approach</a:t>
-            </a:r>
-            <a:endParaRPr lang="en-US" dirty="0"/>
-          </a:p>
-        </p:txBody>
-      </p:sp>
       <p:grpSp>
         <p:nvGrpSpPr>
           <p:cNvPr id="4" name="Agrupar 3">
@@ -8833,23 +9128,27 @@
           <a:lstStyle/>
           <a:p>
             <a:r>
+              <a:rPr lang="pt-PT" i="1" dirty="0"/>
+              <a:t>2f(</a:t>
+            </a:r>
+            <a:r>
+              <a:rPr lang="pt-PT" i="1" dirty="0" err="1"/>
+              <a:t>k,n</a:t>
+            </a:r>
+            <a:r>
+              <a:rPr lang="pt-PT" i="1" dirty="0"/>
+              <a:t>) </a:t>
+            </a:r>
+            <a:r>
               <a:rPr lang="pt-PT" dirty="0"/>
-              <a:t>2log(</a:t>
-            </a:r>
-            <a:r>
-              <a:rPr lang="pt-PT" dirty="0" err="1"/>
-              <a:t>kn</a:t>
-            </a:r>
-            <a:r>
-              <a:rPr lang="pt-PT" dirty="0"/>
-              <a:t>) bits</a:t>
+              <a:t>bits</a:t>
             </a:r>
             <a:endParaRPr lang="en-US" dirty="0"/>
           </a:p>
         </p:txBody>
       </p:sp>
-      <mc:AlternateContent xmlns:mc="http://schemas.openxmlformats.org/markup-compatibility/2006">
-        <mc:Choice xmlns:a14="http://schemas.microsoft.com/office/drawing/2010/main" Requires="a14">
+      <mc:AlternateContent xmlns:mc="http://schemas.openxmlformats.org/markup-compatibility/2006" xmlns:a14="http://schemas.microsoft.com/office/drawing/2010/main">
+        <mc:Choice Requires="a14">
           <p:sp>
             <p:nvSpPr>
               <p:cNvPr id="10" name="CaixaDeTexto 9">
@@ -8878,6 +9177,7 @@
               </a:bodyPr>
               <a:lstStyle/>
               <a:p>
+                <a:pPr/>
                 <a14:m>
                   <m:oMathPara xmlns:m="http://schemas.openxmlformats.org/officeDocument/2006/math">
                     <m:oMathParaPr>
@@ -8910,7 +9210,7 @@
             </p:txBody>
           </p:sp>
         </mc:Choice>
-        <mc:Fallback>
+        <mc:Fallback xmlns="">
           <p:sp>
             <p:nvSpPr>
               <p:cNvPr id="10" name="CaixaDeTexto 9">
@@ -9048,8 +9348,8 @@
             </p:nvSpPr>
             <p:spPr>
               <a:xfrm>
-                <a:off x="10287694" y="3221760"/>
-                <a:ext cx="1111330" cy="369332"/>
+                <a:off x="10333284" y="3109788"/>
+                <a:ext cx="1283749" cy="430887"/>
               </a:xfrm>
               <a:prstGeom prst="rect">
                 <a:avLst/>
@@ -9062,6 +9362,7 @@
               </a:bodyPr>
               <a:lstStyle/>
               <a:p>
+                <a:pPr/>
                 <a14:m>
                   <m:oMathPara xmlns:m="http://schemas.openxmlformats.org/officeDocument/2006/math">
                     <m:oMathParaPr>
@@ -9069,13 +9370,13 @@
                     </m:oMathParaPr>
                     <m:oMath xmlns:m="http://schemas.openxmlformats.org/officeDocument/2006/math">
                       <m:r>
-                        <a:rPr lang="en-US" sz="2400" i="1" smtClean="0">
+                        <a:rPr lang="en-US" sz="2800" i="1" smtClean="0">
                           <a:latin typeface="Cambria Math" panose="02040503050406030204" pitchFamily="18" charset="0"/>
                         </a:rPr>
                         <m:t>𝑧</m:t>
                       </m:r>
                       <m:r>
-                        <a:rPr lang="pt-PT" sz="2400" b="0" i="0" smtClean="0">
+                        <a:rPr lang="pt-PT" sz="2800" b="0" i="0" smtClean="0">
                           <a:latin typeface="Cambria Math" panose="02040503050406030204" pitchFamily="18" charset="0"/>
                         </a:rPr>
                         <m:t> </m:t>
@@ -9084,13 +9385,13 @@
                         <m:rPr>
                           <m:sty m:val="p"/>
                         </m:rPr>
-                        <a:rPr lang="pt-PT" sz="2400" b="0" i="0" smtClean="0">
+                        <a:rPr lang="pt-PT" sz="2800" b="0" i="0" smtClean="0">
                           <a:latin typeface="Cambria Math" panose="02040503050406030204" pitchFamily="18" charset="0"/>
                         </a:rPr>
                         <m:t>mod</m:t>
                       </m:r>
                       <m:r>
-                        <a:rPr lang="pt-PT" sz="2400" b="0" i="0" smtClean="0">
+                        <a:rPr lang="pt-PT" sz="2800" b="0" i="0" smtClean="0">
                           <a:latin typeface="Cambria Math" panose="02040503050406030204" pitchFamily="18" charset="0"/>
                         </a:rPr>
                         <m:t> </m:t>
@@ -9099,7 +9400,7 @@
                         <m:rPr>
                           <m:sty m:val="p"/>
                         </m:rPr>
-                        <a:rPr lang="pt-PT" sz="2400" b="0" i="0" smtClean="0">
+                        <a:rPr lang="pt-PT" sz="2800" b="0" i="0" smtClean="0">
                           <a:latin typeface="Cambria Math" panose="02040503050406030204" pitchFamily="18" charset="0"/>
                         </a:rPr>
                         <m:t>k</m:t>
@@ -9107,7 +9408,7 @@
                     </m:oMath>
                   </m:oMathPara>
                 </a14:m>
-                <a:endParaRPr lang="en-US" sz="2400" dirty="0"/>
+                <a:endParaRPr lang="en-US" sz="2800" dirty="0"/>
               </a:p>
             </p:txBody>
           </p:sp>
@@ -9129,8 +9430,8 @@
             </p:nvSpPr>
             <p:spPr>
               <a:xfrm>
-                <a:off x="10287694" y="3221760"/>
-                <a:ext cx="1111330" cy="369332"/>
+                <a:off x="10333284" y="3109788"/>
+                <a:ext cx="1283749" cy="430887"/>
               </a:xfrm>
               <a:prstGeom prst="rect">
                 <a:avLst/>
@@ -9138,7 +9439,7 @@
               <a:blipFill>
                 <a:blip r:embed="rId3"/>
                 <a:stretch>
-                  <a:fillRect l="-3846" r="-7143" b="-8333"/>
+                  <a:fillRect/>
                 </a:stretch>
               </a:blipFill>
             </p:spPr>
@@ -9147,7 +9448,7 @@
               <a:lstStyle/>
               <a:p>
                 <a:r>
-                  <a:rPr lang="en-US">
+                  <a:rPr lang="pt-PT">
                     <a:noFill/>
                   </a:rPr>
                   <a:t> </a:t>
@@ -9664,8 +9965,8 @@
           </p:style>
         </p:cxnSp>
       </p:grpSp>
-      <mc:AlternateContent xmlns:mc="http://schemas.openxmlformats.org/markup-compatibility/2006">
-        <mc:Choice xmlns:a14="http://schemas.microsoft.com/office/drawing/2010/main" Requires="a14">
+      <mc:AlternateContent xmlns:mc="http://schemas.openxmlformats.org/markup-compatibility/2006" xmlns:a14="http://schemas.microsoft.com/office/drawing/2010/main">
+        <mc:Choice Requires="a14">
           <p:sp>
             <p:nvSpPr>
               <p:cNvPr id="31" name="CaixaDeTexto 30">
@@ -9694,6 +9995,7 @@
               </a:bodyPr>
               <a:lstStyle/>
               <a:p>
+                <a:pPr/>
                 <a14:m>
                   <m:oMathPara xmlns:m="http://schemas.openxmlformats.org/officeDocument/2006/math">
                     <m:oMathParaPr>
@@ -9726,7 +10028,7 @@
             </p:txBody>
           </p:sp>
         </mc:Choice>
-        <mc:Fallback>
+        <mc:Fallback xmlns="">
           <p:sp>
             <p:nvSpPr>
               <p:cNvPr id="31" name="CaixaDeTexto 30">
@@ -9771,8 +10073,8 @@
           </p:sp>
         </mc:Fallback>
       </mc:AlternateContent>
-      <mc:AlternateContent xmlns:mc="http://schemas.openxmlformats.org/markup-compatibility/2006">
-        <mc:Choice xmlns:a14="http://schemas.microsoft.com/office/drawing/2010/main" Requires="a14">
+      <mc:AlternateContent xmlns:mc="http://schemas.openxmlformats.org/markup-compatibility/2006" xmlns:a14="http://schemas.microsoft.com/office/drawing/2010/main">
+        <mc:Choice Requires="a14">
           <p:sp>
             <p:nvSpPr>
               <p:cNvPr id="32" name="CaixaDeTexto 31">
@@ -9801,6 +10103,7 @@
               </a:bodyPr>
               <a:lstStyle/>
               <a:p>
+                <a:pPr/>
                 <a14:m>
                   <m:oMathPara xmlns:m="http://schemas.openxmlformats.org/officeDocument/2006/math">
                     <m:oMathParaPr>
@@ -9833,7 +10136,7 @@
             </p:txBody>
           </p:sp>
         </mc:Choice>
-        <mc:Fallback>
+        <mc:Fallback xmlns="">
           <p:sp>
             <p:nvSpPr>
               <p:cNvPr id="32" name="CaixaDeTexto 31">
@@ -9878,8 +10181,8 @@
           </p:sp>
         </mc:Fallback>
       </mc:AlternateContent>
-      <mc:AlternateContent xmlns:mc="http://schemas.openxmlformats.org/markup-compatibility/2006">
-        <mc:Choice xmlns:a14="http://schemas.microsoft.com/office/drawing/2010/main" Requires="a14">
+      <mc:AlternateContent xmlns:mc="http://schemas.openxmlformats.org/markup-compatibility/2006" xmlns:a14="http://schemas.microsoft.com/office/drawing/2010/main">
+        <mc:Choice Requires="a14">
           <p:sp>
             <p:nvSpPr>
               <p:cNvPr id="33" name="CaixaDeTexto 32">
@@ -9908,6 +10211,7 @@
               </a:bodyPr>
               <a:lstStyle/>
               <a:p>
+                <a:pPr/>
                 <a14:m>
                   <m:oMathPara xmlns:m="http://schemas.openxmlformats.org/officeDocument/2006/math">
                     <m:oMathParaPr>
@@ -9940,7 +10244,7 @@
             </p:txBody>
           </p:sp>
         </mc:Choice>
-        <mc:Fallback>
+        <mc:Fallback xmlns="">
           <p:sp>
             <p:nvSpPr>
               <p:cNvPr id="33" name="CaixaDeTexto 32">
@@ -10030,8 +10334,8 @@
           </a:p>
         </p:txBody>
       </p:sp>
-      <mc:AlternateContent xmlns:mc="http://schemas.openxmlformats.org/markup-compatibility/2006">
-        <mc:Choice xmlns:a14="http://schemas.microsoft.com/office/drawing/2010/main" Requires="a14">
+      <mc:AlternateContent xmlns:mc="http://schemas.openxmlformats.org/markup-compatibility/2006" xmlns:a14="http://schemas.microsoft.com/office/drawing/2010/main">
+        <mc:Choice Requires="a14">
           <p:sp>
             <p:nvSpPr>
               <p:cNvPr id="35" name="CaixaDeTexto 34">
@@ -10060,6 +10364,7 @@
               </a:bodyPr>
               <a:lstStyle/>
               <a:p>
+                <a:pPr/>
                 <a14:m>
                   <m:oMathPara xmlns:m="http://schemas.openxmlformats.org/officeDocument/2006/math">
                     <m:oMathParaPr>
@@ -10080,7 +10385,7 @@
             </p:txBody>
           </p:sp>
         </mc:Choice>
-        <mc:Fallback>
+        <mc:Fallback xmlns="">
           <p:sp>
             <p:nvSpPr>
               <p:cNvPr id="35" name="CaixaDeTexto 34">
@@ -10139,7 +10444,7 @@
         </p:nvSpPr>
         <p:spPr>
           <a:xfrm>
-            <a:off x="5112419" y="2288856"/>
+            <a:off x="4398295" y="3055755"/>
             <a:ext cx="1061577" cy="646331"/>
           </a:xfrm>
           <a:prstGeom prst="rect">
@@ -10154,16 +10459,20 @@
           <a:lstStyle/>
           <a:p>
             <a:r>
+              <a:rPr lang="pt-PT" i="1" dirty="0"/>
+              <a:t>2f(</a:t>
+            </a:r>
+            <a:r>
+              <a:rPr lang="pt-PT" i="1" dirty="0" err="1"/>
+              <a:t>k,n</a:t>
+            </a:r>
+            <a:r>
+              <a:rPr lang="pt-PT" i="1" dirty="0"/>
+              <a:t>)</a:t>
+            </a:r>
+            <a:r>
               <a:rPr lang="pt-PT" dirty="0"/>
-              <a:t>2log(</a:t>
-            </a:r>
-            <a:r>
-              <a:rPr lang="pt-PT" dirty="0" err="1"/>
-              <a:t>kn</a:t>
-            </a:r>
-            <a:r>
-              <a:rPr lang="pt-PT" dirty="0"/>
-              <a:t>) bits</a:t>
+              <a:t> bits</a:t>
             </a:r>
             <a:endParaRPr lang="en-US" dirty="0"/>
           </a:p>
@@ -10198,18 +10507,198 @@
           <a:lstStyle/>
           <a:p>
             <a:r>
+              <a:rPr lang="pt-PT" i="1" dirty="0"/>
+              <a:t>2f(</a:t>
+            </a:r>
+            <a:r>
+              <a:rPr lang="pt-PT" i="1" dirty="0" err="1"/>
+              <a:t>k,n</a:t>
+            </a:r>
+            <a:r>
+              <a:rPr lang="pt-PT" i="1" dirty="0"/>
+              <a:t>) </a:t>
+            </a:r>
+            <a:r>
               <a:rPr lang="pt-PT" dirty="0"/>
-              <a:t>2log(</a:t>
-            </a:r>
-            <a:r>
-              <a:rPr lang="pt-PT" dirty="0" err="1"/>
-              <a:t>kn</a:t>
-            </a:r>
-            <a:r>
-              <a:rPr lang="pt-PT" dirty="0"/>
-              <a:t>) bits</a:t>
+              <a:t>bits</a:t>
             </a:r>
             <a:endParaRPr lang="en-US" dirty="0"/>
+          </a:p>
+        </p:txBody>
+      </p:sp>
+      <p:sp>
+        <p:nvSpPr>
+          <p:cNvPr id="37" name="Título 1">
+            <a:extLst>
+              <a:ext uri="{FF2B5EF4-FFF2-40B4-BE49-F238E27FC236}">
+                <a16:creationId xmlns:a16="http://schemas.microsoft.com/office/drawing/2014/main" id="{3CE446A1-30C8-4D33-A97A-54EDE4A3DEAF}"/>
+              </a:ext>
+            </a:extLst>
+          </p:cNvPr>
+          <p:cNvSpPr txBox="1">
+            <a:spLocks/>
+          </p:cNvSpPr>
+          <p:nvPr/>
+        </p:nvSpPr>
+        <p:spPr>
+          <a:xfrm>
+            <a:off x="838200" y="334781"/>
+            <a:ext cx="9875520" cy="1356360"/>
+          </a:xfrm>
+          <a:prstGeom prst="rect">
+            <a:avLst/>
+          </a:prstGeom>
+        </p:spPr>
+        <p:txBody>
+          <a:bodyPr vert="horz" lIns="91440" tIns="45720" rIns="91440" bIns="45720" rtlCol="0" anchor="ctr">
+            <a:normAutofit/>
+          </a:bodyPr>
+          <a:lstStyle>
+            <a:lvl1pPr algn="l" defTabSz="914400" rtl="0" eaLnBrk="1" latinLnBrk="0" hangingPunct="1">
+              <a:lnSpc>
+                <a:spcPct val="90000"/>
+              </a:lnSpc>
+              <a:spcBef>
+                <a:spcPct val="0"/>
+              </a:spcBef>
+              <a:buNone/>
+              <a:defRPr sz="4400" kern="1200">
+                <a:solidFill>
+                  <a:schemeClr val="accent1"/>
+                </a:solidFill>
+                <a:latin typeface="+mj-lt"/>
+                <a:ea typeface="+mj-ea"/>
+                <a:cs typeface="+mj-cs"/>
+              </a:defRPr>
+            </a:lvl1pPr>
+          </a:lstStyle>
+          <a:p>
+            <a:r>
+              <a:rPr lang="pt-PT">
+                <a:solidFill>
+                  <a:schemeClr val="accent4"/>
+                </a:solidFill>
+              </a:rPr>
+              <a:t>Third approach</a:t>
+            </a:r>
+            <a:endParaRPr lang="en-US" dirty="0">
+              <a:solidFill>
+                <a:schemeClr val="accent4"/>
+              </a:solidFill>
+            </a:endParaRPr>
+          </a:p>
+        </p:txBody>
+      </p:sp>
+      <p:sp>
+        <p:nvSpPr>
+          <p:cNvPr id="30" name="CaixaDeTexto 29">
+            <a:extLst>
+              <a:ext uri="{FF2B5EF4-FFF2-40B4-BE49-F238E27FC236}">
+                <a16:creationId xmlns:a16="http://schemas.microsoft.com/office/drawing/2014/main" id="{C13D5343-FF94-4176-8E09-1E1F33897A0A}"/>
+              </a:ext>
+            </a:extLst>
+          </p:cNvPr>
+          <p:cNvSpPr txBox="1"/>
+          <p:nvPr/>
+        </p:nvSpPr>
+        <p:spPr>
+          <a:xfrm>
+            <a:off x="687198" y="5793173"/>
+            <a:ext cx="1976823" cy="461665"/>
+          </a:xfrm>
+          <a:prstGeom prst="rect">
+            <a:avLst/>
+          </a:prstGeom>
+          <a:noFill/>
+        </p:spPr>
+        <p:txBody>
+          <a:bodyPr wrap="none" rtlCol="0">
+            <a:spAutoFit/>
+          </a:bodyPr>
+          <a:lstStyle/>
+          <a:p>
+            <a:r>
+              <a:rPr lang="pt-PT" sz="2400" i="1" dirty="0">
+                <a:latin typeface="Cambria Math" panose="02040503050406030204" pitchFamily="18" charset="0"/>
+                <a:ea typeface="Cambria Math" panose="02040503050406030204" pitchFamily="18" charset="0"/>
+              </a:rPr>
+              <a:t>f(</a:t>
+            </a:r>
+            <a:r>
+              <a:rPr lang="pt-PT" sz="2400" i="1" dirty="0" err="1">
+                <a:latin typeface="Cambria Math" panose="02040503050406030204" pitchFamily="18" charset="0"/>
+                <a:ea typeface="Cambria Math" panose="02040503050406030204" pitchFamily="18" charset="0"/>
+              </a:rPr>
+              <a:t>k,n</a:t>
+            </a:r>
+            <a:r>
+              <a:rPr lang="pt-PT" sz="2400" i="1" dirty="0">
+                <a:latin typeface="Cambria Math" panose="02040503050406030204" pitchFamily="18" charset="0"/>
+                <a:ea typeface="Cambria Math" panose="02040503050406030204" pitchFamily="18" charset="0"/>
+              </a:rPr>
+              <a:t>) = </a:t>
+            </a:r>
+            <a:r>
+              <a:rPr lang="pt-PT" sz="2400" i="1" dirty="0" err="1">
+                <a:latin typeface="Cambria Math" panose="02040503050406030204" pitchFamily="18" charset="0"/>
+                <a:ea typeface="Cambria Math" panose="02040503050406030204" pitchFamily="18" charset="0"/>
+              </a:rPr>
+              <a:t>a+b</a:t>
+            </a:r>
+            <a:r>
+              <a:rPr lang="pt-PT" sz="2400" i="1" dirty="0">
+                <a:latin typeface="Cambria Math" panose="02040503050406030204" pitchFamily="18" charset="0"/>
+                <a:ea typeface="Cambria Math" panose="02040503050406030204" pitchFamily="18" charset="0"/>
+              </a:rPr>
+              <a:t>  </a:t>
+            </a:r>
+          </a:p>
+        </p:txBody>
+      </p:sp>
+      <p:sp>
+        <p:nvSpPr>
+          <p:cNvPr id="36" name="CaixaDeTexto 35">
+            <a:extLst>
+              <a:ext uri="{FF2B5EF4-FFF2-40B4-BE49-F238E27FC236}">
+                <a16:creationId xmlns:a16="http://schemas.microsoft.com/office/drawing/2014/main" id="{3AB779DE-735A-4F3B-B56E-C28460D42B82}"/>
+              </a:ext>
+            </a:extLst>
+          </p:cNvPr>
+          <p:cNvSpPr txBox="1"/>
+          <p:nvPr/>
+        </p:nvSpPr>
+        <p:spPr>
+          <a:xfrm>
+            <a:off x="2354454" y="6181168"/>
+            <a:ext cx="1582484" cy="276999"/>
+          </a:xfrm>
+          <a:prstGeom prst="rect">
+            <a:avLst/>
+          </a:prstGeom>
+          <a:noFill/>
+        </p:spPr>
+        <p:txBody>
+          <a:bodyPr wrap="none" rtlCol="0">
+            <a:spAutoFit/>
+          </a:bodyPr>
+          <a:lstStyle/>
+          <a:p>
+            <a:r>
+              <a:rPr lang="pt-PT" sz="1200" dirty="0" err="1"/>
+              <a:t>explained</a:t>
+            </a:r>
+            <a:r>
+              <a:rPr lang="pt-PT" sz="1200" dirty="0"/>
+              <a:t> in </a:t>
+            </a:r>
+            <a:r>
+              <a:rPr lang="pt-PT" sz="1200" dirty="0" err="1"/>
+              <a:t>next</a:t>
+            </a:r>
+            <a:r>
+              <a:rPr lang="pt-PT" sz="1200" dirty="0"/>
+              <a:t> slide</a:t>
+            </a:r>
           </a:p>
         </p:txBody>
       </p:sp>
@@ -10229,6 +10718,14 @@
 <file path=ppt/slides/slide6.xml><?xml version="1.0" encoding="utf-8"?>
 <p:sld xmlns:a="http://schemas.openxmlformats.org/drawingml/2006/main" xmlns:r="http://schemas.openxmlformats.org/officeDocument/2006/relationships" xmlns:p="http://schemas.openxmlformats.org/presentationml/2006/main">
   <p:cSld>
+    <p:bg>
+      <p:bgPr>
+        <a:solidFill>
+          <a:schemeClr val="accent4"/>
+        </a:solidFill>
+        <a:effectLst/>
+      </p:bgPr>
+    </p:bg>
     <p:spTree>
       <p:nvGrpSpPr>
         <p:cNvPr id="1" name=""/>
@@ -10259,24 +10756,45 @@
             <p:ph type="title"/>
           </p:nvPr>
         </p:nvSpPr>
-        <p:spPr/>
+        <p:spPr>
+          <a:xfrm>
+            <a:off x="838200" y="334781"/>
+            <a:ext cx="9875520" cy="1356360"/>
+          </a:xfrm>
+        </p:spPr>
         <p:txBody>
           <a:bodyPr/>
           <a:lstStyle/>
           <a:p>
             <a:r>
-              <a:rPr lang="pt-PT" dirty="0" err="1"/>
+              <a:rPr lang="pt-PT" dirty="0" err="1">
+                <a:solidFill>
+                  <a:schemeClr val="accent4"/>
+                </a:solidFill>
+              </a:rPr>
               <a:t>Third</a:t>
             </a:r>
             <a:r>
-              <a:rPr lang="pt-PT" dirty="0"/>
+              <a:rPr lang="pt-PT" dirty="0">
+                <a:solidFill>
+                  <a:schemeClr val="accent4"/>
+                </a:solidFill>
+              </a:rPr>
               <a:t> </a:t>
             </a:r>
             <a:r>
-              <a:rPr lang="pt-PT" dirty="0" err="1"/>
+              <a:rPr lang="pt-PT" dirty="0" err="1">
+                <a:solidFill>
+                  <a:schemeClr val="accent4"/>
+                </a:solidFill>
+              </a:rPr>
               <a:t>approach</a:t>
             </a:r>
-            <a:endParaRPr lang="en-US" dirty="0"/>
+            <a:endParaRPr lang="en-US" dirty="0">
+              <a:solidFill>
+                <a:schemeClr val="accent4"/>
+              </a:solidFill>
+            </a:endParaRPr>
           </a:p>
         </p:txBody>
       </p:sp>
@@ -10303,14 +10821,23 @@
           </a:xfrm>
         </p:spPr>
         <p:txBody>
-          <a:bodyPr/>
+          <a:bodyPr>
+            <a:normAutofit/>
+          </a:bodyPr>
           <a:lstStyle/>
           <a:p>
             <a:pPr marL="0" indent="0">
               <a:buNone/>
             </a:pPr>
             <a:r>
-              <a:rPr lang="en-US" dirty="0"/>
+              <a:rPr lang="en-US" sz="2800" dirty="0">
+                <a:solidFill>
+                  <a:schemeClr val="tx1">
+                    <a:lumMod val="95000"/>
+                    <a:lumOff val="5000"/>
+                  </a:schemeClr>
+                </a:solidFill>
+              </a:rPr>
               <a:t>Bits for integer part:</a:t>
             </a:r>
           </a:p>
@@ -10319,11 +10846,17 @@
               <a:buNone/>
             </a:pPr>
             <a:r>
-              <a:rPr lang="en-US" dirty="0">
+              <a:rPr lang="en-US" sz="2800" dirty="0">
+                <a:solidFill>
+                  <a:schemeClr val="tx1">
+                    <a:lumMod val="95000"/>
+                    <a:lumOff val="5000"/>
+                  </a:schemeClr>
+                </a:solidFill>
                 <a:latin typeface="Cambria Math" panose="02040503050406030204" pitchFamily="18" charset="0"/>
                 <a:ea typeface="Cambria Math" panose="02040503050406030204" pitchFamily="18" charset="0"/>
               </a:rPr>
-              <a:t>l = nº of bits for integers</a:t>
+              <a:t>a = # bits for integers</a:t>
             </a:r>
           </a:p>
           <a:p>
@@ -10331,11 +10864,17 @@
               <a:buNone/>
             </a:pPr>
             <a:r>
-              <a:rPr lang="en-US" dirty="0">
+              <a:rPr lang="en-US" sz="2800" dirty="0">
+                <a:solidFill>
+                  <a:schemeClr val="tx1">
+                    <a:lumMod val="95000"/>
+                    <a:lumOff val="5000"/>
+                  </a:schemeClr>
+                </a:solidFill>
                 <a:latin typeface="Cambria Math" panose="02040503050406030204" pitchFamily="18" charset="0"/>
                 <a:ea typeface="Cambria Math" panose="02040503050406030204" pitchFamily="18" charset="0"/>
               </a:rPr>
-              <a:t>m = divisor</a:t>
+              <a:t>k = divisor</a:t>
             </a:r>
           </a:p>
         </p:txBody>
@@ -10357,7 +10896,7 @@
             <p:spPr>
               <a:xfrm>
                 <a:off x="838200" y="4422965"/>
-                <a:ext cx="1355115" cy="530915"/>
+                <a:ext cx="1324913" cy="523220"/>
               </a:xfrm>
               <a:prstGeom prst="rect">
                 <a:avLst/>
@@ -10369,6 +10908,7 @@
               </a:bodyPr>
               <a:lstStyle/>
               <a:p>
+                <a:pPr/>
                 <a14:m>
                   <m:oMathPara xmlns:m="http://schemas.openxmlformats.org/officeDocument/2006/math">
                     <m:oMathParaPr>
@@ -10395,27 +10935,27 @@
                         </m:e>
                         <m:sup>
                           <m:r>
-                            <a:rPr lang="en-US" sz="2800" i="1" dirty="0" smtClean="0">
+                            <a:rPr lang="pt-PT" sz="2800" b="0" i="1" dirty="0" smtClean="0">
                               <a:latin typeface="Cambria Math" panose="02040503050406030204" pitchFamily="18" charset="0"/>
                               <a:ea typeface="Cambria Math" panose="02040503050406030204" pitchFamily="18" charset="0"/>
                             </a:rPr>
-                            <m:t>𝑙</m:t>
+                            <m:t>𝑎</m:t>
                           </m:r>
                         </m:sup>
                       </m:sSup>
-                      <m:r>
-                        <a:rPr lang="en-US" sz="2800" i="0" dirty="0" smtClean="0">
-                          <a:latin typeface="Cambria Math" panose="02040503050406030204" pitchFamily="18" charset="0"/>
-                          <a:ea typeface="Cambria Math" panose="02040503050406030204" pitchFamily="18" charset="0"/>
-                        </a:rPr>
-                        <m:t>&gt;</m:t>
-                      </m:r>
                       <m:r>
                         <a:rPr lang="en-US" sz="2800" i="1" dirty="0" smtClean="0">
                           <a:latin typeface="Cambria Math" panose="02040503050406030204" pitchFamily="18" charset="0"/>
                           <a:ea typeface="Cambria Math" panose="02040503050406030204" pitchFamily="18" charset="0"/>
                         </a:rPr>
-                        <m:t>𝑚</m:t>
+                        <m:t>≥</m:t>
+                      </m:r>
+                      <m:r>
+                        <a:rPr lang="pt-PT" sz="2800" b="0" i="1" dirty="0" smtClean="0">
+                          <a:latin typeface="Cambria Math" panose="02040503050406030204" pitchFamily="18" charset="0"/>
+                          <a:ea typeface="Cambria Math" panose="02040503050406030204" pitchFamily="18" charset="0"/>
+                        </a:rPr>
+                        <m:t>𝑘</m:t>
                       </m:r>
                     </m:oMath>
                   </m:oMathPara>
@@ -10446,7 +10986,7 @@
             <p:spPr>
               <a:xfrm>
                 <a:off x="838200" y="4422965"/>
-                <a:ext cx="1355115" cy="530915"/>
+                <a:ext cx="1324913" cy="523220"/>
               </a:xfrm>
               <a:prstGeom prst="rect">
                 <a:avLst/>
@@ -10463,7 +11003,7 @@
               <a:lstStyle/>
               <a:p>
                 <a:r>
-                  <a:rPr lang="en-US">
+                  <a:rPr lang="pt-PT">
                     <a:noFill/>
                   </a:rPr>
                   <a:t> </a:t>
@@ -10503,6 +11043,7 @@
               </a:bodyPr>
               <a:lstStyle/>
               <a:p>
+                <a:pPr/>
                 <a14:m>
                   <m:oMathPara xmlns:m="http://schemas.openxmlformats.org/officeDocument/2006/math">
                     <m:oMathParaPr>
@@ -10510,16 +11051,17 @@
                     </m:oMathParaPr>
                     <m:oMath xmlns:m="http://schemas.openxmlformats.org/officeDocument/2006/math">
                       <m:r>
+                        <a:rPr lang="pt-PT" sz="2800" b="0" i="1" smtClean="0">
+                          <a:latin typeface="Cambria Math" panose="02040503050406030204" pitchFamily="18" charset="0"/>
+                        </a:rPr>
+                        <m:t>𝑎</m:t>
+                      </m:r>
+                      <m:r>
                         <a:rPr lang="en-US" sz="2800" i="1" smtClean="0">
                           <a:latin typeface="Cambria Math" panose="02040503050406030204" pitchFamily="18" charset="0"/>
+                          <a:ea typeface="Cambria Math" panose="02040503050406030204" pitchFamily="18" charset="0"/>
                         </a:rPr>
-                        <m:t>𝑙</m:t>
-                      </m:r>
-                      <m:r>
-                        <a:rPr lang="en-US" sz="2800" i="0">
-                          <a:latin typeface="Cambria Math" panose="02040503050406030204" pitchFamily="18" charset="0"/>
-                        </a:rPr>
-                        <m:t>&gt;</m:t>
+                        <m:t>≥</m:t>
                       </m:r>
                       <m:func>
                         <m:funcPr>
@@ -10551,10 +11093,10 @@
                             </m:dPr>
                             <m:e>
                               <m:r>
-                                <a:rPr lang="en-US" sz="2800" i="1">
+                                <a:rPr lang="pt-PT" sz="2800" b="0" i="1" smtClean="0">
                                   <a:latin typeface="Cambria Math" panose="02040503050406030204" pitchFamily="18" charset="0"/>
                                 </a:rPr>
-                                <m:t>𝑚</m:t>
+                                <m:t>𝑘</m:t>
                               </m:r>
                             </m:e>
                           </m:d>
@@ -10603,7 +11145,7 @@
               <a:lstStyle/>
               <a:p>
                 <a:r>
-                  <a:rPr lang="en-US">
+                  <a:rPr lang="pt-PT">
                     <a:noFill/>
                   </a:rPr>
                   <a:t> </a:t>
@@ -10630,7 +11172,7 @@
             <p:spPr>
               <a:xfrm>
                 <a:off x="838200" y="5631607"/>
-                <a:ext cx="2182392" cy="523220"/>
+                <a:ext cx="2158476" cy="523220"/>
               </a:xfrm>
               <a:prstGeom prst="rect">
                 <a:avLst/>
@@ -10642,6 +11184,7 @@
               </a:bodyPr>
               <a:lstStyle/>
               <a:p>
+                <a:pPr/>
                 <a14:m>
                   <m:oMathPara xmlns:m="http://schemas.openxmlformats.org/officeDocument/2006/math">
                     <m:oMathParaPr>
@@ -10649,13 +11192,13 @@
                     </m:oMathParaPr>
                     <m:oMath xmlns:m="http://schemas.openxmlformats.org/officeDocument/2006/math">
                       <m:r>
-                        <a:rPr lang="en-US" sz="2800" i="1" dirty="0" smtClean="0">
+                        <a:rPr lang="pt-PT" sz="2800" b="0" i="1" dirty="0" smtClean="0">
                           <a:latin typeface="Cambria Math" panose="02040503050406030204" pitchFamily="18" charset="0"/>
                         </a:rPr>
-                        <m:t>𝑙</m:t>
+                        <m:t>𝑎</m:t>
                       </m:r>
                       <m:r>
-                        <a:rPr lang="en-US" sz="2800" i="0" dirty="0">
+                        <a:rPr lang="en-US" sz="2800" i="0" dirty="0" smtClean="0">
                           <a:latin typeface="Cambria Math" panose="02040503050406030204" pitchFamily="18" charset="0"/>
                         </a:rPr>
                         <m:t>=</m:t>
@@ -10701,10 +11244,10 @@
                                 </m:dPr>
                                 <m:e>
                                   <m:r>
-                                    <a:rPr lang="en-US" sz="2800" i="1" dirty="0">
+                                    <a:rPr lang="pt-PT" sz="2800" b="0" i="1" dirty="0" smtClean="0">
                                       <a:latin typeface="Cambria Math" panose="02040503050406030204" pitchFamily="18" charset="0"/>
                                     </a:rPr>
-                                    <m:t>𝑚</m:t>
+                                    <m:t>𝑘</m:t>
                                   </m:r>
                                 </m:e>
                               </m:d>
@@ -10738,7 +11281,7 @@
             <p:spPr>
               <a:xfrm>
                 <a:off x="838200" y="5631607"/>
-                <a:ext cx="2182392" cy="523220"/>
+                <a:ext cx="2158476" cy="523220"/>
               </a:xfrm>
               <a:prstGeom prst="rect">
                 <a:avLst/>
@@ -10755,7 +11298,7 @@
               <a:lstStyle/>
               <a:p>
                 <a:r>
-                  <a:rPr lang="en-US">
+                  <a:rPr lang="pt-PT">
                     <a:noFill/>
                   </a:rPr>
                   <a:t> </a:t>
@@ -11062,7 +11605,7 @@
                 <a:latin typeface="Cambria Math" panose="02040503050406030204" pitchFamily="18" charset="0"/>
                 <a:ea typeface="Cambria Math" panose="02040503050406030204" pitchFamily="18" charset="0"/>
               </a:rPr>
-              <a:t>k = nº of bits for fraction</a:t>
+              <a:t>b = # bits for fraction</a:t>
             </a:r>
           </a:p>
           <a:p>
@@ -11075,7 +11618,7 @@
                 <a:latin typeface="Cambria Math" panose="02040503050406030204" pitchFamily="18" charset="0"/>
                 <a:ea typeface="Cambria Math" panose="02040503050406030204" pitchFamily="18" charset="0"/>
               </a:rPr>
-              <a:t>n = nº of players</a:t>
+              <a:t>n = # players</a:t>
             </a:r>
           </a:p>
         </p:txBody>
@@ -11110,6 +11653,7 @@
               </a:bodyPr>
               <a:lstStyle/>
               <a:p>
+                <a:pPr/>
                 <a14:m>
                   <m:oMathPara xmlns:m="http://schemas.openxmlformats.org/officeDocument/2006/math">
                     <m:oMathParaPr>
@@ -11143,7 +11687,7 @@
                             <a:rPr lang="pt-PT" sz="2800" b="0" i="1" smtClean="0">
                               <a:latin typeface="Cambria Math" panose="02040503050406030204" pitchFamily="18" charset="0"/>
                             </a:rPr>
-                            <m:t>𝑘</m:t>
+                            <m:t>𝑏</m:t>
                           </m:r>
                         </m:sup>
                       </m:sSup>
@@ -11208,7 +11752,7 @@
               <a:lstStyle/>
               <a:p>
                 <a:r>
-                  <a:rPr lang="en-US">
+                  <a:rPr lang="pt-PT">
                     <a:noFill/>
                   </a:rPr>
                   <a:t> </a:t>
@@ -11248,6 +11792,7 @@
               </a:bodyPr>
               <a:lstStyle/>
               <a:p>
+                <a:pPr/>
                 <a14:m>
                   <m:oMathPara xmlns:m="http://schemas.openxmlformats.org/officeDocument/2006/math">
                     <m:oMathParaPr>
@@ -11255,10 +11800,10 @@
                     </m:oMathParaPr>
                     <m:oMath xmlns:m="http://schemas.openxmlformats.org/officeDocument/2006/math">
                       <m:r>
-                        <a:rPr lang="en-US" sz="2800" i="1" smtClean="0">
+                        <a:rPr lang="pt-PT" sz="2800" b="0" i="1" smtClean="0">
                           <a:latin typeface="Cambria Math" panose="02040503050406030204" pitchFamily="18" charset="0"/>
                         </a:rPr>
-                        <m:t>𝑘</m:t>
+                        <m:t>𝑏</m:t>
                       </m:r>
                       <m:r>
                         <a:rPr lang="en-US" sz="2800" i="0">
@@ -11348,7 +11893,7 @@
               <a:lstStyle/>
               <a:p>
                 <a:r>
-                  <a:rPr lang="en-US">
+                  <a:rPr lang="pt-PT">
                     <a:noFill/>
                   </a:rPr>
                   <a:t> </a:t>
@@ -11375,7 +11920,7 @@
             <p:spPr>
               <a:xfrm>
                 <a:off x="6991350" y="5723940"/>
-                <a:ext cx="1987211" cy="430887"/>
+                <a:ext cx="2603598" cy="430887"/>
               </a:xfrm>
               <a:prstGeom prst="rect">
                 <a:avLst/>
@@ -11388,6 +11933,7 @@
               </a:bodyPr>
               <a:lstStyle/>
               <a:p>
+                <a:pPr/>
                 <a14:m>
                   <m:oMathPara xmlns:m="http://schemas.openxmlformats.org/officeDocument/2006/math">
                     <m:oMathParaPr>
@@ -11395,10 +11941,10 @@
                     </m:oMathParaPr>
                     <m:oMath xmlns:m="http://schemas.openxmlformats.org/officeDocument/2006/math">
                       <m:r>
-                        <a:rPr lang="en-US" sz="2800" i="1" smtClean="0">
+                        <a:rPr lang="pt-PT" sz="2800" b="0" i="1" smtClean="0">
                           <a:latin typeface="Cambria Math" panose="02040503050406030204" pitchFamily="18" charset="0"/>
                         </a:rPr>
-                        <m:t>𝑘</m:t>
+                        <m:t>𝑏</m:t>
                       </m:r>
                       <m:r>
                         <a:rPr lang="en-US" sz="2800" i="0">
@@ -11408,10 +11954,10 @@
                       </m:r>
                       <m:d>
                         <m:dPr>
-                          <m:begChr m:val="⌈"/>
-                          <m:endChr m:val="⌉"/>
+                          <m:begChr m:val="⌊"/>
+                          <m:endChr m:val="⌋"/>
                           <m:ctrlPr>
-                            <a:rPr lang="en-US" sz="2800" i="1">
+                            <a:rPr lang="en-US" sz="2800" i="1" smtClean="0">
                               <a:latin typeface="Cambria Math" panose="02040503050406030204" pitchFamily="18" charset="0"/>
                             </a:rPr>
                           </m:ctrlPr>
@@ -11430,7 +11976,7 @@
                                 <m:rPr>
                                   <m:sty m:val="p"/>
                                 </m:rPr>
-                                <a:rPr lang="en-US" sz="2800" i="0">
+                                <a:rPr lang="en-US" sz="2800" i="1">
                                   <a:latin typeface="Cambria Math" panose="02040503050406030204" pitchFamily="18" charset="0"/>
                                 </a:rPr>
                                 <m:t>log</m:t>
@@ -11458,6 +12004,12 @@
                           </m:func>
                         </m:e>
                       </m:d>
+                      <m:r>
+                        <a:rPr lang="en-US" sz="2800" i="1">
+                          <a:latin typeface="Cambria Math" panose="02040503050406030204" pitchFamily="18" charset="0"/>
+                        </a:rPr>
+                        <m:t>+1</m:t>
+                      </m:r>
                     </m:oMath>
                   </m:oMathPara>
                 </a14:m>
@@ -11484,7 +12036,7 @@
             <p:spPr>
               <a:xfrm>
                 <a:off x="6991350" y="5723940"/>
-                <a:ext cx="1987211" cy="430887"/>
+                <a:ext cx="2603598" cy="430887"/>
               </a:xfrm>
               <a:prstGeom prst="rect">
                 <a:avLst/>
@@ -11501,7 +12053,7 @@
               <a:lstStyle/>
               <a:p>
                 <a:r>
-                  <a:rPr lang="en-US">
+                  <a:rPr lang="pt-PT">
                     <a:noFill/>
                   </a:rPr>
                   <a:t> </a:t>
@@ -11525,110 +12077,58 @@
 </file>
 
 <file path=ppt/theme/theme1.xml><?xml version="1.0" encoding="utf-8"?>
-<a:theme xmlns:a="http://schemas.openxmlformats.org/drawingml/2006/main" name="Tema do Office">
+<a:theme xmlns:a="http://schemas.openxmlformats.org/drawingml/2006/main" name="Base">
   <a:themeElements>
-    <a:clrScheme name="Office">
+    <a:clrScheme name="Base">
       <a:dk1>
-        <a:sysClr val="windowText" lastClr="000000"/>
+        <a:srgbClr val="000000"/>
       </a:dk1>
       <a:lt1>
-        <a:sysClr val="window" lastClr="FFFFFF"/>
+        <a:srgbClr val="FFFFFF"/>
       </a:lt1>
       <a:dk2>
-        <a:srgbClr val="44546A"/>
+        <a:srgbClr val="565349"/>
       </a:dk2>
       <a:lt2>
-        <a:srgbClr val="E7E6E6"/>
+        <a:srgbClr val="DDDDDD"/>
       </a:lt2>
       <a:accent1>
-        <a:srgbClr val="4472C4"/>
+        <a:srgbClr val="A6B727"/>
       </a:accent1>
       <a:accent2>
-        <a:srgbClr val="ED7D31"/>
+        <a:srgbClr val="DF5327"/>
       </a:accent2>
       <a:accent3>
-        <a:srgbClr val="A5A5A5"/>
+        <a:srgbClr val="FE9E00"/>
       </a:accent3>
       <a:accent4>
-        <a:srgbClr val="FFC000"/>
+        <a:srgbClr val="418AB3"/>
       </a:accent4>
       <a:accent5>
-        <a:srgbClr val="5B9BD5"/>
+        <a:srgbClr val="D7D447"/>
       </a:accent5>
       <a:accent6>
-        <a:srgbClr val="70AD47"/>
+        <a:srgbClr val="818183"/>
       </a:accent6>
       <a:hlink>
-        <a:srgbClr val="0563C1"/>
+        <a:srgbClr val="F59E00"/>
       </a:hlink>
       <a:folHlink>
-        <a:srgbClr val="954F72"/>
+        <a:srgbClr val="B2B2B2"/>
       </a:folHlink>
     </a:clrScheme>
-    <a:fontScheme name="Office">
+    <a:fontScheme name="Base">
       <a:majorFont>
-        <a:latin typeface="Calibri Light" panose="020F0302020204030204"/>
+        <a:latin typeface="Corbel" panose="020B0503020204020204"/>
         <a:ea typeface=""/>
         <a:cs typeface=""/>
-        <a:font script="Jpan" typeface="游ゴシック Light"/>
+        <a:font script="Jpan" typeface="ＭＳ ゴシック"/>
         <a:font script="Hang" typeface="맑은 고딕"/>
-        <a:font script="Hans" typeface="等线 Light"/>
+        <a:font script="Hans" typeface="宋体"/>
         <a:font script="Hant" typeface="新細明體"/>
-        <a:font script="Arab" typeface="Times New Roman"/>
-        <a:font script="Hebr" typeface="Times New Roman"/>
-        <a:font script="Thai" typeface="Angsana New"/>
-        <a:font script="Ethi" typeface="Nyala"/>
-        <a:font script="Beng" typeface="Vrinda"/>
-        <a:font script="Gujr" typeface="Shruti"/>
-        <a:font script="Khmr" typeface="MoolBoran"/>
-        <a:font script="Knda" typeface="Tunga"/>
-        <a:font script="Guru" typeface="Raavi"/>
-        <a:font script="Cans" typeface="Euphemia"/>
-        <a:font script="Cher" typeface="Plantagenet Cherokee"/>
-        <a:font script="Yiii" typeface="Microsoft Yi Baiti"/>
-        <a:font script="Tibt" typeface="Microsoft Himalaya"/>
-        <a:font script="Thaa" typeface="MV Boli"/>
-        <a:font script="Deva" typeface="Mangal"/>
-        <a:font script="Telu" typeface="Gautami"/>
-        <a:font script="Taml" typeface="Latha"/>
-        <a:font script="Syrc" typeface="Estrangelo Edessa"/>
-        <a:font script="Orya" typeface="Kalinga"/>
-        <a:font script="Mlym" typeface="Kartika"/>
-        <a:font script="Laoo" typeface="DokChampa"/>
-        <a:font script="Sinh" typeface="Iskoola Pota"/>
-        <a:font script="Mong" typeface="Mongolian Baiti"/>
-        <a:font script="Viet" typeface="Times New Roman"/>
-        <a:font script="Uigh" typeface="Microsoft Uighur"/>
-        <a:font script="Geor" typeface="Sylfaen"/>
-        <a:font script="Armn" typeface="Arial"/>
-        <a:font script="Bugi" typeface="Leelawadee UI"/>
-        <a:font script="Bopo" typeface="Microsoft JhengHei"/>
-        <a:font script="Java" typeface="Javanese Text"/>
-        <a:font script="Lisu" typeface="Segoe UI"/>
-        <a:font script="Mymr" typeface="Myanmar Text"/>
-        <a:font script="Nkoo" typeface="Ebrima"/>
-        <a:font script="Olck" typeface="Nirmala UI"/>
-        <a:font script="Osma" typeface="Ebrima"/>
-        <a:font script="Phag" typeface="Phagspa"/>
-        <a:font script="Syrn" typeface="Estrangelo Edessa"/>
-        <a:font script="Syrj" typeface="Estrangelo Edessa"/>
-        <a:font script="Syre" typeface="Estrangelo Edessa"/>
-        <a:font script="Sora" typeface="Nirmala UI"/>
-        <a:font script="Tale" typeface="Microsoft Tai Le"/>
-        <a:font script="Talu" typeface="Microsoft New Tai Lue"/>
-        <a:font script="Tfng" typeface="Ebrima"/>
-      </a:majorFont>
-      <a:minorFont>
-        <a:latin typeface="Calibri" panose="020F0502020204030204"/>
-        <a:ea typeface=""/>
-        <a:cs typeface=""/>
-        <a:font script="Jpan" typeface="游ゴシック"/>
-        <a:font script="Hang" typeface="맑은 고딕"/>
-        <a:font script="Hans" typeface="等线"/>
-        <a:font script="Hant" typeface="新細明體"/>
-        <a:font script="Arab" typeface="Arial"/>
-        <a:font script="Hebr" typeface="Arial"/>
-        <a:font script="Thai" typeface="Cordia New"/>
+        <a:font script="Arab" typeface="Tahoma"/>
+        <a:font script="Hebr" typeface="Gisha"/>
+        <a:font script="Thai" typeface="DilleniaUPC"/>
         <a:font script="Ethi" typeface="Nyala"/>
         <a:font script="Beng" typeface="Vrinda"/>
         <a:font script="Gujr" typeface="Shruti"/>
@@ -11649,107 +12149,98 @@
         <a:font script="Laoo" typeface="DokChampa"/>
         <a:font script="Sinh" typeface="Iskoola Pota"/>
         <a:font script="Mong" typeface="Mongolian Baiti"/>
-        <a:font script="Viet" typeface="Arial"/>
+        <a:font script="Viet" typeface="Tahoma"/>
         <a:font script="Uigh" typeface="Microsoft Uighur"/>
         <a:font script="Geor" typeface="Sylfaen"/>
-        <a:font script="Armn" typeface="Arial"/>
-        <a:font script="Bugi" typeface="Leelawadee UI"/>
-        <a:font script="Bopo" typeface="Microsoft JhengHei"/>
-        <a:font script="Java" typeface="Javanese Text"/>
-        <a:font script="Lisu" typeface="Segoe UI"/>
-        <a:font script="Mymr" typeface="Myanmar Text"/>
-        <a:font script="Nkoo" typeface="Ebrima"/>
-        <a:font script="Olck" typeface="Nirmala UI"/>
-        <a:font script="Osma" typeface="Ebrima"/>
-        <a:font script="Phag" typeface="Phagspa"/>
-        <a:font script="Syrn" typeface="Estrangelo Edessa"/>
-        <a:font script="Syrj" typeface="Estrangelo Edessa"/>
-        <a:font script="Syre" typeface="Estrangelo Edessa"/>
-        <a:font script="Sora" typeface="Nirmala UI"/>
-        <a:font script="Tale" typeface="Microsoft Tai Le"/>
-        <a:font script="Talu" typeface="Microsoft New Tai Lue"/>
-        <a:font script="Tfng" typeface="Ebrima"/>
+      </a:majorFont>
+      <a:minorFont>
+        <a:latin typeface="Corbel" panose="020B0503020204020204"/>
+        <a:ea typeface=""/>
+        <a:cs typeface=""/>
+        <a:font script="Jpan" typeface="ＭＳ ゴシック"/>
+        <a:font script="Hang" typeface="맑은 고딕"/>
+        <a:font script="Hans" typeface="宋体"/>
+        <a:font script="Hant" typeface="新細明體"/>
+        <a:font script="Arab" typeface="Tahoma"/>
+        <a:font script="Hebr" typeface="Gisha"/>
+        <a:font script="Thai" typeface="DilleniaUPC"/>
+        <a:font script="Ethi" typeface="Nyala"/>
+        <a:font script="Beng" typeface="Vrinda"/>
+        <a:font script="Gujr" typeface="Shruti"/>
+        <a:font script="Khmr" typeface="DaunPenh"/>
+        <a:font script="Knda" typeface="Tunga"/>
+        <a:font script="Guru" typeface="Raavi"/>
+        <a:font script="Cans" typeface="Euphemia"/>
+        <a:font script="Cher" typeface="Plantagenet Cherokee"/>
+        <a:font script="Yiii" typeface="Microsoft Yi Baiti"/>
+        <a:font script="Tibt" typeface="Microsoft Himalaya"/>
+        <a:font script="Thaa" typeface="MV Boli"/>
+        <a:font script="Deva" typeface="Mangal"/>
+        <a:font script="Telu" typeface="Gautami"/>
+        <a:font script="Taml" typeface="Latha"/>
+        <a:font script="Syrc" typeface="Estrangelo Edessa"/>
+        <a:font script="Orya" typeface="Kalinga"/>
+        <a:font script="Mlym" typeface="Kartika"/>
+        <a:font script="Laoo" typeface="DokChampa"/>
+        <a:font script="Sinh" typeface="Iskoola Pota"/>
+        <a:font script="Mong" typeface="Mongolian Baiti"/>
+        <a:font script="Viet" typeface="Verdana"/>
+        <a:font script="Uigh" typeface="Microsoft Uighur"/>
+        <a:font script="Geor" typeface="Sylfaen"/>
       </a:minorFont>
     </a:fontScheme>
-    <a:fmtScheme name="Office">
+    <a:fmtScheme name="Base">
       <a:fillStyleLst>
         <a:solidFill>
           <a:schemeClr val="phClr"/>
         </a:solidFill>
+        <a:solidFill>
+          <a:schemeClr val="phClr">
+            <a:tint val="55000"/>
+            <a:satMod val="130000"/>
+          </a:schemeClr>
+        </a:solidFill>
         <a:gradFill rotWithShape="1">
           <a:gsLst>
             <a:gs pos="0">
+              <a:schemeClr val="phClr"/>
+            </a:gs>
+            <a:gs pos="90000">
               <a:schemeClr val="phClr">
-                <a:lumMod val="110000"/>
+                <a:shade val="100000"/>
                 <a:satMod val="105000"/>
-                <a:tint val="67000"/>
-              </a:schemeClr>
-            </a:gs>
-            <a:gs pos="50000">
-              <a:schemeClr val="phClr">
-                <a:lumMod val="105000"/>
-                <a:satMod val="103000"/>
-                <a:tint val="73000"/>
               </a:schemeClr>
             </a:gs>
             <a:gs pos="100000">
               <a:schemeClr val="phClr">
-                <a:lumMod val="105000"/>
-                <a:satMod val="109000"/>
-                <a:tint val="81000"/>
+                <a:shade val="80000"/>
+                <a:satMod val="120000"/>
               </a:schemeClr>
             </a:gs>
           </a:gsLst>
-          <a:lin ang="5400000" scaled="0"/>
-        </a:gradFill>
-        <a:gradFill rotWithShape="1">
-          <a:gsLst>
-            <a:gs pos="0">
-              <a:schemeClr val="phClr">
-                <a:satMod val="103000"/>
-                <a:lumMod val="102000"/>
-                <a:tint val="94000"/>
-              </a:schemeClr>
-            </a:gs>
-            <a:gs pos="50000">
-              <a:schemeClr val="phClr">
-                <a:satMod val="110000"/>
-                <a:lumMod val="100000"/>
-                <a:shade val="100000"/>
-              </a:schemeClr>
-            </a:gs>
-            <a:gs pos="100000">
-              <a:schemeClr val="phClr">
-                <a:lumMod val="99000"/>
-                <a:satMod val="120000"/>
-                <a:shade val="78000"/>
-              </a:schemeClr>
-            </a:gs>
-          </a:gsLst>
-          <a:lin ang="5400000" scaled="0"/>
+          <a:path path="circle">
+            <a:fillToRect l="100000" t="100000" r="100000" b="100000"/>
+          </a:path>
         </a:gradFill>
       </a:fillStyleLst>
       <a:lnStyleLst>
-        <a:ln w="6350" cap="flat" cmpd="sng" algn="ctr">
+        <a:ln w="10000" cap="flat" cmpd="sng" algn="ctr">
           <a:solidFill>
             <a:schemeClr val="phClr"/>
           </a:solidFill>
           <a:prstDash val="solid"/>
-          <a:miter lim="800000"/>
-        </a:ln>
-        <a:ln w="12700" cap="flat" cmpd="sng" algn="ctr">
-          <a:solidFill>
-            <a:schemeClr val="phClr"/>
-          </a:solidFill>
-          <a:prstDash val="solid"/>
-          <a:miter lim="800000"/>
         </a:ln>
         <a:ln w="19050" cap="flat" cmpd="sng" algn="ctr">
           <a:solidFill>
             <a:schemeClr val="phClr"/>
           </a:solidFill>
           <a:prstDash val="solid"/>
-          <a:miter lim="800000"/>
+        </a:ln>
+        <a:ln w="53975" cap="flat" cmpd="dbl" algn="ctr">
+          <a:solidFill>
+            <a:schemeClr val="phClr"/>
+          </a:solidFill>
+          <a:prstDash val="solid"/>
         </a:ln>
       </a:lnStyleLst>
       <a:effectStyleLst>
@@ -11757,16 +12248,37 @@
           <a:effectLst/>
         </a:effectStyle>
         <a:effectStyle>
-          <a:effectLst/>
+          <a:effectLst>
+            <a:outerShdw blurRad="38100" dist="25400" dir="5400000" rotWithShape="0">
+              <a:srgbClr val="000000">
+                <a:alpha val="45000"/>
+              </a:srgbClr>
+            </a:outerShdw>
+          </a:effectLst>
         </a:effectStyle>
         <a:effectStyle>
           <a:effectLst>
-            <a:outerShdw blurRad="57150" dist="19050" dir="5400000" algn="ctr" rotWithShape="0">
+            <a:outerShdw blurRad="38100" dist="25400" dir="5400000" rotWithShape="0">
               <a:srgbClr val="000000">
-                <a:alpha val="63000"/>
+                <a:alpha val="45000"/>
               </a:srgbClr>
             </a:outerShdw>
           </a:effectLst>
+          <a:scene3d>
+            <a:camera prst="orthographicFront">
+              <a:rot lat="0" lon="0" rev="0"/>
+            </a:camera>
+            <a:lightRig rig="brightRoom" dir="t"/>
+          </a:scene3d>
+          <a:sp3d extrusionH="12700" contourW="25400" prstMaterial="flat">
+            <a:bevelT w="63500" h="152400" prst="angle"/>
+            <a:contourClr>
+              <a:schemeClr val="phClr">
+                <a:shade val="27000"/>
+                <a:satMod val="120000"/>
+              </a:schemeClr>
+            </a:contourClr>
+          </a:sp3d>
         </a:effectStyle>
       </a:effectStyleLst>
       <a:bgFillStyleLst>
@@ -11776,36 +12288,18 @@
         <a:solidFill>
           <a:schemeClr val="phClr">
             <a:tint val="95000"/>
-            <a:satMod val="170000"/>
+            <a:shade val="95000"/>
+            <a:satMod val="140000"/>
           </a:schemeClr>
         </a:solidFill>
-        <a:gradFill rotWithShape="1">
-          <a:gsLst>
-            <a:gs pos="0">
-              <a:schemeClr val="phClr">
-                <a:tint val="93000"/>
-                <a:satMod val="150000"/>
-                <a:shade val="98000"/>
-                <a:lumMod val="102000"/>
-              </a:schemeClr>
-            </a:gs>
-            <a:gs pos="50000">
-              <a:schemeClr val="phClr">
-                <a:tint val="98000"/>
-                <a:satMod val="130000"/>
-                <a:shade val="90000"/>
-                <a:lumMod val="103000"/>
-              </a:schemeClr>
-            </a:gs>
-            <a:gs pos="100000">
-              <a:schemeClr val="phClr">
-                <a:shade val="63000"/>
-                <a:satMod val="120000"/>
-              </a:schemeClr>
-            </a:gs>
-          </a:gsLst>
-          <a:lin ang="5400000" scaled="0"/>
-        </a:gradFill>
+        <a:solidFill>
+          <a:schemeClr val="phClr">
+            <a:tint val="90000"/>
+            <a:shade val="85000"/>
+            <a:satMod val="160000"/>
+            <a:lumMod val="110000"/>
+          </a:schemeClr>
+        </a:solidFill>
       </a:bgFillStyleLst>
     </a:fmtScheme>
   </a:themeElements>
@@ -11813,7 +12307,7 @@
   <a:extraClrSchemeLst/>
   <a:extLst>
     <a:ext uri="{05A4C25C-085E-4340-85A3-A5531E510DB2}">
-      <thm15:themeFamily xmlns:thm15="http://schemas.microsoft.com/office/thememl/2012/main" name="Office Theme" id="{62F939B6-93AF-4DB8-9C6B-D6C7DFDC589F}" vid="{4A3C46E8-61CC-4603-A589-7422A47A8E4A}"/>
+      <thm15:themeFamily xmlns:thm15="http://schemas.microsoft.com/office/thememl/2012/main" name="Basis" id="{5665723A-49BA-4B57-8411-A56F8F207965}" vid="{90E45F77-AEFC-46EF-A7C1-5B338C297B02}"/>
     </a:ext>
   </a:extLst>
 </a:theme>
